--- a/Seismic Drones/CASE-2016/pictures/depth_box_plot.pptx
+++ b/Seismic Drones/CASE-2016/pictures/depth_box_plot.pptx
@@ -243,7 +243,7 @@
           <a:p>
             <a:fld id="{1D2DDFE7-4F41-48A8-85E8-BDE3A8061DB6}" type="datetimeFigureOut">
               <a:rPr lang="en-US" smtClean="0"/>
-              <a:t>3/4/2016</a:t>
+              <a:t>3/8/2016</a:t>
             </a:fld>
             <a:endParaRPr lang="en-US"/>
           </a:p>
@@ -413,7 +413,7 @@
           <a:p>
             <a:fld id="{1D2DDFE7-4F41-48A8-85E8-BDE3A8061DB6}" type="datetimeFigureOut">
               <a:rPr lang="en-US" smtClean="0"/>
-              <a:t>3/4/2016</a:t>
+              <a:t>3/8/2016</a:t>
             </a:fld>
             <a:endParaRPr lang="en-US"/>
           </a:p>
@@ -593,7 +593,7 @@
           <a:p>
             <a:fld id="{1D2DDFE7-4F41-48A8-85E8-BDE3A8061DB6}" type="datetimeFigureOut">
               <a:rPr lang="en-US" smtClean="0"/>
-              <a:t>3/4/2016</a:t>
+              <a:t>3/8/2016</a:t>
             </a:fld>
             <a:endParaRPr lang="en-US"/>
           </a:p>
@@ -763,7 +763,7 @@
           <a:p>
             <a:fld id="{1D2DDFE7-4F41-48A8-85E8-BDE3A8061DB6}" type="datetimeFigureOut">
               <a:rPr lang="en-US" smtClean="0"/>
-              <a:t>3/4/2016</a:t>
+              <a:t>3/8/2016</a:t>
             </a:fld>
             <a:endParaRPr lang="en-US"/>
           </a:p>
@@ -1007,7 +1007,7 @@
           <a:p>
             <a:fld id="{1D2DDFE7-4F41-48A8-85E8-BDE3A8061DB6}" type="datetimeFigureOut">
               <a:rPr lang="en-US" smtClean="0"/>
-              <a:t>3/4/2016</a:t>
+              <a:t>3/8/2016</a:t>
             </a:fld>
             <a:endParaRPr lang="en-US"/>
           </a:p>
@@ -1239,7 +1239,7 @@
           <a:p>
             <a:fld id="{1D2DDFE7-4F41-48A8-85E8-BDE3A8061DB6}" type="datetimeFigureOut">
               <a:rPr lang="en-US" smtClean="0"/>
-              <a:t>3/4/2016</a:t>
+              <a:t>3/8/2016</a:t>
             </a:fld>
             <a:endParaRPr lang="en-US"/>
           </a:p>
@@ -1606,7 +1606,7 @@
           <a:p>
             <a:fld id="{1D2DDFE7-4F41-48A8-85E8-BDE3A8061DB6}" type="datetimeFigureOut">
               <a:rPr lang="en-US" smtClean="0"/>
-              <a:t>3/4/2016</a:t>
+              <a:t>3/8/2016</a:t>
             </a:fld>
             <a:endParaRPr lang="en-US"/>
           </a:p>
@@ -1724,7 +1724,7 @@
           <a:p>
             <a:fld id="{1D2DDFE7-4F41-48A8-85E8-BDE3A8061DB6}" type="datetimeFigureOut">
               <a:rPr lang="en-US" smtClean="0"/>
-              <a:t>3/4/2016</a:t>
+              <a:t>3/8/2016</a:t>
             </a:fld>
             <a:endParaRPr lang="en-US"/>
           </a:p>
@@ -1819,7 +1819,7 @@
           <a:p>
             <a:fld id="{1D2DDFE7-4F41-48A8-85E8-BDE3A8061DB6}" type="datetimeFigureOut">
               <a:rPr lang="en-US" smtClean="0"/>
-              <a:t>3/4/2016</a:t>
+              <a:t>3/8/2016</a:t>
             </a:fld>
             <a:endParaRPr lang="en-US"/>
           </a:p>
@@ -2096,7 +2096,7 @@
           <a:p>
             <a:fld id="{1D2DDFE7-4F41-48A8-85E8-BDE3A8061DB6}" type="datetimeFigureOut">
               <a:rPr lang="en-US" smtClean="0"/>
-              <a:t>3/4/2016</a:t>
+              <a:t>3/8/2016</a:t>
             </a:fld>
             <a:endParaRPr lang="en-US"/>
           </a:p>
@@ -2353,7 +2353,7 @@
           <a:p>
             <a:fld id="{1D2DDFE7-4F41-48A8-85E8-BDE3A8061DB6}" type="datetimeFigureOut">
               <a:rPr lang="en-US" smtClean="0"/>
-              <a:t>3/4/2016</a:t>
+              <a:t>3/8/2016</a:t>
             </a:fld>
             <a:endParaRPr lang="en-US"/>
           </a:p>
@@ -2566,7 +2566,7 @@
           <a:p>
             <a:fld id="{1D2DDFE7-4F41-48A8-85E8-BDE3A8061DB6}" type="datetimeFigureOut">
               <a:rPr lang="en-US" smtClean="0"/>
-              <a:t>3/4/2016</a:t>
+              <a:t>3/8/2016</a:t>
             </a:fld>
             <a:endParaRPr lang="en-US"/>
           </a:p>
@@ -2980,7 +2980,7 @@
           <p:nvPr/>
         </p:nvPicPr>
         <p:blipFill rotWithShape="1">
-          <a:blip r:embed="rId2">
+          <a:blip r:embed="rId2" cstate="print">
             <a:extLst>
               <a:ext uri="{28A0092B-C50C-407E-A947-70E740481C1C}">
                 <a14:useLocalDpi xmlns:a14="http://schemas.microsoft.com/office/drawing/2010/main" val="0"/>
@@ -3000,6 +3000,1160 @@
           </a:prstGeom>
         </p:spPr>
       </p:pic>
+      <p:cxnSp>
+        <p:nvCxnSpPr>
+          <p:cNvPr id="8" name="Straight Connector 7"/>
+          <p:cNvCxnSpPr/>
+          <p:nvPr/>
+        </p:nvCxnSpPr>
+        <p:spPr>
+          <a:xfrm flipV="1">
+            <a:off x="3286005" y="784115"/>
+            <a:ext cx="1230115" cy="5271"/>
+          </a:xfrm>
+          <a:prstGeom prst="line">
+            <a:avLst/>
+          </a:prstGeom>
+          <a:ln w="19050">
+            <a:solidFill>
+              <a:schemeClr val="tx1"/>
+            </a:solidFill>
+          </a:ln>
+        </p:spPr>
+        <p:style>
+          <a:lnRef idx="1">
+            <a:schemeClr val="accent1"/>
+          </a:lnRef>
+          <a:fillRef idx="0">
+            <a:schemeClr val="accent1"/>
+          </a:fillRef>
+          <a:effectRef idx="0">
+            <a:schemeClr val="accent1"/>
+          </a:effectRef>
+          <a:fontRef idx="minor">
+            <a:schemeClr val="tx1"/>
+          </a:fontRef>
+        </p:style>
+      </p:cxnSp>
+      <p:cxnSp>
+        <p:nvCxnSpPr>
+          <p:cNvPr id="9" name="Straight Connector 8"/>
+          <p:cNvCxnSpPr/>
+          <p:nvPr/>
+        </p:nvCxnSpPr>
+        <p:spPr>
+          <a:xfrm>
+            <a:off x="3302000" y="1555788"/>
+            <a:ext cx="1198125" cy="0"/>
+          </a:xfrm>
+          <a:prstGeom prst="line">
+            <a:avLst/>
+          </a:prstGeom>
+          <a:ln w="19050">
+            <a:solidFill>
+              <a:schemeClr val="tx1"/>
+            </a:solidFill>
+          </a:ln>
+        </p:spPr>
+        <p:style>
+          <a:lnRef idx="1">
+            <a:schemeClr val="accent1"/>
+          </a:lnRef>
+          <a:fillRef idx="0">
+            <a:schemeClr val="accent1"/>
+          </a:fillRef>
+          <a:effectRef idx="0">
+            <a:schemeClr val="accent1"/>
+          </a:effectRef>
+          <a:fontRef idx="minor">
+            <a:schemeClr val="tx1"/>
+          </a:fontRef>
+        </p:style>
+      </p:cxnSp>
+      <p:sp>
+        <p:nvSpPr>
+          <p:cNvPr id="42" name="Rectangle 41"/>
+          <p:cNvSpPr/>
+          <p:nvPr/>
+        </p:nvSpPr>
+        <p:spPr>
+          <a:xfrm>
+            <a:off x="1127760" y="38252"/>
+            <a:ext cx="2743200" cy="211167"/>
+          </a:xfrm>
+          <a:prstGeom prst="rect">
+            <a:avLst/>
+          </a:prstGeom>
+          <a:solidFill>
+            <a:schemeClr val="bg1"/>
+          </a:solidFill>
+          <a:ln>
+            <a:solidFill>
+              <a:schemeClr val="bg1"/>
+            </a:solidFill>
+          </a:ln>
+        </p:spPr>
+        <p:style>
+          <a:lnRef idx="2">
+            <a:schemeClr val="accent1">
+              <a:shade val="50000"/>
+            </a:schemeClr>
+          </a:lnRef>
+          <a:fillRef idx="1">
+            <a:schemeClr val="accent1"/>
+          </a:fillRef>
+          <a:effectRef idx="0">
+            <a:schemeClr val="accent1"/>
+          </a:effectRef>
+          <a:fontRef idx="minor">
+            <a:schemeClr val="lt1"/>
+          </a:fontRef>
+        </p:style>
+        <p:txBody>
+          <a:bodyPr rtlCol="0" anchor="ctr"/>
+          <a:lstStyle/>
+          <a:p>
+            <a:pPr algn="ctr"/>
+            <a:endParaRPr lang="en-US"/>
+          </a:p>
+        </p:txBody>
+      </p:sp>
+      <p:sp>
+        <p:nvSpPr>
+          <p:cNvPr id="3" name="Rectangle 2"/>
+          <p:cNvSpPr/>
+          <p:nvPr/>
+        </p:nvSpPr>
+        <p:spPr>
+          <a:xfrm>
+            <a:off x="1676400" y="38252"/>
+            <a:ext cx="2839720" cy="2369668"/>
+          </a:xfrm>
+          <a:prstGeom prst="rect">
+            <a:avLst/>
+          </a:prstGeom>
+          <a:noFill/>
+          <a:ln w="19050">
+            <a:solidFill>
+              <a:schemeClr val="tx1"/>
+            </a:solidFill>
+          </a:ln>
+        </p:spPr>
+        <p:style>
+          <a:lnRef idx="2">
+            <a:schemeClr val="accent1">
+              <a:shade val="50000"/>
+            </a:schemeClr>
+          </a:lnRef>
+          <a:fillRef idx="1">
+            <a:schemeClr val="accent1"/>
+          </a:fillRef>
+          <a:effectRef idx="0">
+            <a:schemeClr val="accent1"/>
+          </a:effectRef>
+          <a:fontRef idx="minor">
+            <a:schemeClr val="lt1"/>
+          </a:fontRef>
+        </p:style>
+        <p:txBody>
+          <a:bodyPr rtlCol="0" anchor="ctr"/>
+          <a:lstStyle/>
+          <a:p>
+            <a:pPr algn="ctr"/>
+            <a:endParaRPr lang="en-US"/>
+          </a:p>
+        </p:txBody>
+      </p:sp>
+      <p:grpSp>
+        <p:nvGrpSpPr>
+          <p:cNvPr id="50" name="Group 49"/>
+          <p:cNvGrpSpPr/>
+          <p:nvPr/>
+        </p:nvGrpSpPr>
+        <p:grpSpPr>
+          <a:xfrm>
+            <a:off x="1660405" y="-52554"/>
+            <a:ext cx="1670945" cy="2460474"/>
+            <a:chOff x="4572000" y="821206"/>
+            <a:chExt cx="1670945" cy="2460474"/>
+          </a:xfrm>
+        </p:grpSpPr>
+        <p:grpSp>
+          <p:nvGrpSpPr>
+            <p:cNvPr id="31" name="Group 30"/>
+            <p:cNvGrpSpPr/>
+            <p:nvPr/>
+          </p:nvGrpSpPr>
+          <p:grpSpPr>
+            <a:xfrm>
+              <a:off x="4572000" y="912012"/>
+              <a:ext cx="1625600" cy="2369668"/>
+              <a:chOff x="4398439" y="424549"/>
+              <a:chExt cx="1625600" cy="2057400"/>
+            </a:xfrm>
+          </p:grpSpPr>
+          <p:grpSp>
+            <p:nvGrpSpPr>
+              <p:cNvPr id="28" name="Group 27"/>
+              <p:cNvGrpSpPr/>
+              <p:nvPr/>
+            </p:nvGrpSpPr>
+            <p:grpSpPr>
+              <a:xfrm>
+                <a:off x="4398439" y="424549"/>
+                <a:ext cx="1625600" cy="2057400"/>
+                <a:chOff x="1676400" y="350520"/>
+                <a:chExt cx="1625600" cy="2057400"/>
+              </a:xfrm>
+            </p:grpSpPr>
+            <p:sp>
+              <p:nvSpPr>
+                <p:cNvPr id="26" name="Rectangle 25"/>
+                <p:cNvSpPr/>
+                <p:nvPr/>
+              </p:nvSpPr>
+              <p:spPr>
+                <a:xfrm>
+                  <a:off x="1676400" y="1558145"/>
+                  <a:ext cx="1625600" cy="849775"/>
+                </a:xfrm>
+                <a:prstGeom prst="rect">
+                  <a:avLst/>
+                </a:prstGeom>
+                <a:blipFill>
+                  <a:blip r:embed="rId3"/>
+                  <a:tile tx="0" ty="0" sx="100000" sy="100000" flip="none" algn="tl"/>
+                </a:blipFill>
+                <a:ln>
+                  <a:solidFill>
+                    <a:schemeClr val="tx1"/>
+                  </a:solidFill>
+                </a:ln>
+              </p:spPr>
+              <p:style>
+                <a:lnRef idx="2">
+                  <a:schemeClr val="accent1">
+                    <a:shade val="50000"/>
+                  </a:schemeClr>
+                </a:lnRef>
+                <a:fillRef idx="1">
+                  <a:schemeClr val="accent1"/>
+                </a:fillRef>
+                <a:effectRef idx="0">
+                  <a:schemeClr val="accent1"/>
+                </a:effectRef>
+                <a:fontRef idx="minor">
+                  <a:schemeClr val="lt1"/>
+                </a:fontRef>
+              </p:style>
+              <p:txBody>
+                <a:bodyPr rtlCol="0" anchor="ctr"/>
+                <a:lstStyle/>
+                <a:p>
+                  <a:pPr algn="ctr"/>
+                  <a:endParaRPr lang="en-US"/>
+                </a:p>
+              </p:txBody>
+            </p:sp>
+            <p:sp>
+              <p:nvSpPr>
+                <p:cNvPr id="27" name="Rectangle 26"/>
+                <p:cNvSpPr/>
+                <p:nvPr/>
+              </p:nvSpPr>
+              <p:spPr>
+                <a:xfrm>
+                  <a:off x="1676400" y="350520"/>
+                  <a:ext cx="1625600" cy="1207625"/>
+                </a:xfrm>
+                <a:prstGeom prst="rect">
+                  <a:avLst/>
+                </a:prstGeom>
+                <a:gradFill flip="none" rotWithShape="1">
+                  <a:gsLst>
+                    <a:gs pos="0">
+                      <a:schemeClr val="accent1"/>
+                    </a:gs>
+                    <a:gs pos="74000">
+                      <a:schemeClr val="accent1">
+                        <a:lumMod val="45000"/>
+                        <a:lumOff val="55000"/>
+                      </a:schemeClr>
+                    </a:gs>
+                    <a:gs pos="83000">
+                      <a:schemeClr val="accent1">
+                        <a:lumMod val="45000"/>
+                        <a:lumOff val="55000"/>
+                      </a:schemeClr>
+                    </a:gs>
+                    <a:gs pos="100000">
+                      <a:schemeClr val="accent1">
+                        <a:lumMod val="30000"/>
+                        <a:lumOff val="70000"/>
+                      </a:schemeClr>
+                    </a:gs>
+                  </a:gsLst>
+                  <a:path path="circle">
+                    <a:fillToRect l="50000" t="50000" r="50000" b="50000"/>
+                  </a:path>
+                  <a:tileRect/>
+                </a:gradFill>
+                <a:ln>
+                  <a:solidFill>
+                    <a:schemeClr val="tx1"/>
+                  </a:solidFill>
+                </a:ln>
+              </p:spPr>
+              <p:style>
+                <a:lnRef idx="2">
+                  <a:schemeClr val="accent1">
+                    <a:shade val="50000"/>
+                  </a:schemeClr>
+                </a:lnRef>
+                <a:fillRef idx="1">
+                  <a:schemeClr val="accent1"/>
+                </a:fillRef>
+                <a:effectRef idx="0">
+                  <a:schemeClr val="accent1"/>
+                </a:effectRef>
+                <a:fontRef idx="minor">
+                  <a:schemeClr val="lt1"/>
+                </a:fontRef>
+              </p:style>
+              <p:txBody>
+                <a:bodyPr rtlCol="0" anchor="ctr"/>
+                <a:lstStyle/>
+                <a:p>
+                  <a:pPr algn="ctr"/>
+                  <a:endParaRPr lang="en-US"/>
+                </a:p>
+              </p:txBody>
+            </p:sp>
+          </p:grpSp>
+          <p:grpSp>
+            <p:nvGrpSpPr>
+              <p:cNvPr id="11" name="Group 10"/>
+              <p:cNvGrpSpPr/>
+              <p:nvPr/>
+            </p:nvGrpSpPr>
+            <p:grpSpPr>
+              <a:xfrm>
+                <a:off x="4454319" y="692993"/>
+                <a:ext cx="1415778" cy="1150799"/>
+                <a:chOff x="2504255" y="2959892"/>
+                <a:chExt cx="2875742" cy="1960174"/>
+              </a:xfrm>
+            </p:grpSpPr>
+            <p:pic>
+              <p:nvPicPr>
+                <p:cNvPr id="12" name="Picture 2" descr="https://cdn0.iconfinder.com/data/icons/drone-applications/512/cargo_drone-512.png"/>
+                <p:cNvPicPr>
+                  <a:picLocks noChangeAspect="1" noChangeArrowheads="1"/>
+                </p:cNvPicPr>
+                <p:nvPr/>
+              </p:nvPicPr>
+              <p:blipFill rotWithShape="1">
+                <a:blip r:embed="rId4" cstate="print">
+                  <a:extLst>
+                    <a:ext uri="{28A0092B-C50C-407E-A947-70E740481C1C}">
+                      <a14:useLocalDpi xmlns:a14="http://schemas.microsoft.com/office/drawing/2010/main" val="0"/>
+                    </a:ext>
+                  </a:extLst>
+                </a:blip>
+                <a:srcRect t="21733" b="20858"/>
+                <a:stretch/>
+              </p:blipFill>
+              <p:spPr bwMode="auto">
+                <a:xfrm>
+                  <a:off x="2504255" y="2959892"/>
+                  <a:ext cx="2875742" cy="1650935"/>
+                </a:xfrm>
+                <a:prstGeom prst="rect">
+                  <a:avLst/>
+                </a:prstGeom>
+                <a:noFill/>
+                <a:extLst>
+                  <a:ext uri="{909E8E84-426E-40DD-AFC4-6F175D3DCCD1}">
+                    <a14:hiddenFill xmlns:a14="http://schemas.microsoft.com/office/drawing/2010/main">
+                      <a:solidFill>
+                        <a:srgbClr val="FFFFFF"/>
+                      </a:solidFill>
+                    </a14:hiddenFill>
+                  </a:ext>
+                </a:extLst>
+              </p:spPr>
+            </p:pic>
+            <p:grpSp>
+              <p:nvGrpSpPr>
+                <p:cNvPr id="13" name="Group 12"/>
+                <p:cNvGrpSpPr/>
+                <p:nvPr/>
+              </p:nvGrpSpPr>
+              <p:grpSpPr>
+                <a:xfrm>
+                  <a:off x="3354646" y="3907343"/>
+                  <a:ext cx="294968" cy="1012723"/>
+                  <a:chOff x="3570954" y="4719473"/>
+                  <a:chExt cx="294968" cy="1012723"/>
+                </a:xfrm>
+              </p:grpSpPr>
+              <p:sp>
+                <p:nvSpPr>
+                  <p:cNvPr id="24" name="Rounded Rectangle 23"/>
+                  <p:cNvSpPr/>
+                  <p:nvPr/>
+                </p:nvSpPr>
+                <p:spPr>
+                  <a:xfrm>
+                    <a:off x="3570954" y="4719473"/>
+                    <a:ext cx="294968" cy="521110"/>
+                  </a:xfrm>
+                  <a:prstGeom prst="roundRect">
+                    <a:avLst/>
+                  </a:prstGeom>
+                  <a:solidFill>
+                    <a:srgbClr val="FFC000"/>
+                  </a:solidFill>
+                </p:spPr>
+                <p:style>
+                  <a:lnRef idx="2">
+                    <a:schemeClr val="accent1">
+                      <a:shade val="50000"/>
+                    </a:schemeClr>
+                  </a:lnRef>
+                  <a:fillRef idx="1">
+                    <a:schemeClr val="accent1"/>
+                  </a:fillRef>
+                  <a:effectRef idx="0">
+                    <a:schemeClr val="accent1"/>
+                  </a:effectRef>
+                  <a:fontRef idx="minor">
+                    <a:schemeClr val="lt1"/>
+                  </a:fontRef>
+                </p:style>
+                <p:txBody>
+                  <a:bodyPr rtlCol="0" anchor="ctr"/>
+                  <a:lstStyle/>
+                  <a:p>
+                    <a:pPr algn="ctr"/>
+                    <a:endParaRPr lang="en-US"/>
+                  </a:p>
+                </p:txBody>
+              </p:sp>
+              <p:sp>
+                <p:nvSpPr>
+                  <p:cNvPr id="25" name="Isosceles Triangle 24"/>
+                  <p:cNvSpPr/>
+                  <p:nvPr/>
+                </p:nvSpPr>
+                <p:spPr>
+                  <a:xfrm flipV="1">
+                    <a:off x="3669277" y="5240583"/>
+                    <a:ext cx="98322" cy="491613"/>
+                  </a:xfrm>
+                  <a:prstGeom prst="triangle">
+                    <a:avLst/>
+                  </a:prstGeom>
+                  <a:solidFill>
+                    <a:schemeClr val="tx1"/>
+                  </a:solidFill>
+                  <a:ln>
+                    <a:solidFill>
+                      <a:schemeClr val="tx1"/>
+                    </a:solidFill>
+                  </a:ln>
+                </p:spPr>
+                <p:style>
+                  <a:lnRef idx="2">
+                    <a:schemeClr val="accent1">
+                      <a:shade val="50000"/>
+                    </a:schemeClr>
+                  </a:lnRef>
+                  <a:fillRef idx="1">
+                    <a:schemeClr val="accent1"/>
+                  </a:fillRef>
+                  <a:effectRef idx="0">
+                    <a:schemeClr val="accent1"/>
+                  </a:effectRef>
+                  <a:fontRef idx="minor">
+                    <a:schemeClr val="lt1"/>
+                  </a:fontRef>
+                </p:style>
+                <p:txBody>
+                  <a:bodyPr rtlCol="0" anchor="ctr"/>
+                  <a:lstStyle/>
+                  <a:p>
+                    <a:pPr algn="ctr"/>
+                    <a:endParaRPr lang="en-US"/>
+                  </a:p>
+                </p:txBody>
+              </p:sp>
+            </p:grpSp>
+            <p:grpSp>
+              <p:nvGrpSpPr>
+                <p:cNvPr id="14" name="Group 13"/>
+                <p:cNvGrpSpPr/>
+                <p:nvPr/>
+              </p:nvGrpSpPr>
+              <p:grpSpPr>
+                <a:xfrm>
+                  <a:off x="3644106" y="3901702"/>
+                  <a:ext cx="294968" cy="1012723"/>
+                  <a:chOff x="3570954" y="4719473"/>
+                  <a:chExt cx="294968" cy="1012723"/>
+                </a:xfrm>
+              </p:grpSpPr>
+              <p:sp>
+                <p:nvSpPr>
+                  <p:cNvPr id="22" name="Rounded Rectangle 21"/>
+                  <p:cNvSpPr/>
+                  <p:nvPr/>
+                </p:nvSpPr>
+                <p:spPr>
+                  <a:xfrm>
+                    <a:off x="3570954" y="4719473"/>
+                    <a:ext cx="294968" cy="521110"/>
+                  </a:xfrm>
+                  <a:prstGeom prst="roundRect">
+                    <a:avLst/>
+                  </a:prstGeom>
+                  <a:solidFill>
+                    <a:srgbClr val="FFC000"/>
+                  </a:solidFill>
+                </p:spPr>
+                <p:style>
+                  <a:lnRef idx="2">
+                    <a:schemeClr val="accent1">
+                      <a:shade val="50000"/>
+                    </a:schemeClr>
+                  </a:lnRef>
+                  <a:fillRef idx="1">
+                    <a:schemeClr val="accent1"/>
+                  </a:fillRef>
+                  <a:effectRef idx="0">
+                    <a:schemeClr val="accent1"/>
+                  </a:effectRef>
+                  <a:fontRef idx="minor">
+                    <a:schemeClr val="lt1"/>
+                  </a:fontRef>
+                </p:style>
+                <p:txBody>
+                  <a:bodyPr rtlCol="0" anchor="ctr"/>
+                  <a:lstStyle/>
+                  <a:p>
+                    <a:pPr algn="ctr"/>
+                    <a:endParaRPr lang="en-US"/>
+                  </a:p>
+                </p:txBody>
+              </p:sp>
+              <p:sp>
+                <p:nvSpPr>
+                  <p:cNvPr id="23" name="Isosceles Triangle 22"/>
+                  <p:cNvSpPr/>
+                  <p:nvPr/>
+                </p:nvSpPr>
+                <p:spPr>
+                  <a:xfrm flipV="1">
+                    <a:off x="3669277" y="5240583"/>
+                    <a:ext cx="98322" cy="491613"/>
+                  </a:xfrm>
+                  <a:prstGeom prst="triangle">
+                    <a:avLst/>
+                  </a:prstGeom>
+                  <a:solidFill>
+                    <a:schemeClr val="tx1"/>
+                  </a:solidFill>
+                  <a:ln>
+                    <a:solidFill>
+                      <a:schemeClr val="tx1"/>
+                    </a:solidFill>
+                  </a:ln>
+                </p:spPr>
+                <p:style>
+                  <a:lnRef idx="2">
+                    <a:schemeClr val="accent1">
+                      <a:shade val="50000"/>
+                    </a:schemeClr>
+                  </a:lnRef>
+                  <a:fillRef idx="1">
+                    <a:schemeClr val="accent1"/>
+                  </a:fillRef>
+                  <a:effectRef idx="0">
+                    <a:schemeClr val="accent1"/>
+                  </a:effectRef>
+                  <a:fontRef idx="minor">
+                    <a:schemeClr val="lt1"/>
+                  </a:fontRef>
+                </p:style>
+                <p:txBody>
+                  <a:bodyPr rtlCol="0" anchor="ctr"/>
+                  <a:lstStyle/>
+                  <a:p>
+                    <a:pPr algn="ctr"/>
+                    <a:endParaRPr lang="en-US"/>
+                  </a:p>
+                </p:txBody>
+              </p:sp>
+            </p:grpSp>
+            <p:grpSp>
+              <p:nvGrpSpPr>
+                <p:cNvPr id="15" name="Group 14"/>
+                <p:cNvGrpSpPr/>
+                <p:nvPr/>
+              </p:nvGrpSpPr>
+              <p:grpSpPr>
+                <a:xfrm>
+                  <a:off x="3944783" y="3894772"/>
+                  <a:ext cx="294968" cy="1012723"/>
+                  <a:chOff x="3570954" y="4719473"/>
+                  <a:chExt cx="294968" cy="1012723"/>
+                </a:xfrm>
+              </p:grpSpPr>
+              <p:sp>
+                <p:nvSpPr>
+                  <p:cNvPr id="20" name="Rounded Rectangle 19"/>
+                  <p:cNvSpPr/>
+                  <p:nvPr/>
+                </p:nvSpPr>
+                <p:spPr>
+                  <a:xfrm>
+                    <a:off x="3570954" y="4719473"/>
+                    <a:ext cx="294968" cy="521110"/>
+                  </a:xfrm>
+                  <a:prstGeom prst="roundRect">
+                    <a:avLst/>
+                  </a:prstGeom>
+                  <a:solidFill>
+                    <a:srgbClr val="FFC000"/>
+                  </a:solidFill>
+                </p:spPr>
+                <p:style>
+                  <a:lnRef idx="2">
+                    <a:schemeClr val="accent1">
+                      <a:shade val="50000"/>
+                    </a:schemeClr>
+                  </a:lnRef>
+                  <a:fillRef idx="1">
+                    <a:schemeClr val="accent1"/>
+                  </a:fillRef>
+                  <a:effectRef idx="0">
+                    <a:schemeClr val="accent1"/>
+                  </a:effectRef>
+                  <a:fontRef idx="minor">
+                    <a:schemeClr val="lt1"/>
+                  </a:fontRef>
+                </p:style>
+                <p:txBody>
+                  <a:bodyPr rtlCol="0" anchor="ctr"/>
+                  <a:lstStyle/>
+                  <a:p>
+                    <a:pPr algn="ctr"/>
+                    <a:endParaRPr lang="en-US"/>
+                  </a:p>
+                </p:txBody>
+              </p:sp>
+              <p:sp>
+                <p:nvSpPr>
+                  <p:cNvPr id="21" name="Isosceles Triangle 20"/>
+                  <p:cNvSpPr/>
+                  <p:nvPr/>
+                </p:nvSpPr>
+                <p:spPr>
+                  <a:xfrm flipV="1">
+                    <a:off x="3669277" y="5240583"/>
+                    <a:ext cx="98322" cy="491613"/>
+                  </a:xfrm>
+                  <a:prstGeom prst="triangle">
+                    <a:avLst/>
+                  </a:prstGeom>
+                  <a:solidFill>
+                    <a:schemeClr val="tx1"/>
+                  </a:solidFill>
+                  <a:ln>
+                    <a:solidFill>
+                      <a:schemeClr val="tx1"/>
+                    </a:solidFill>
+                  </a:ln>
+                </p:spPr>
+                <p:style>
+                  <a:lnRef idx="2">
+                    <a:schemeClr val="accent1">
+                      <a:shade val="50000"/>
+                    </a:schemeClr>
+                  </a:lnRef>
+                  <a:fillRef idx="1">
+                    <a:schemeClr val="accent1"/>
+                  </a:fillRef>
+                  <a:effectRef idx="0">
+                    <a:schemeClr val="accent1"/>
+                  </a:effectRef>
+                  <a:fontRef idx="minor">
+                    <a:schemeClr val="lt1"/>
+                  </a:fontRef>
+                </p:style>
+                <p:txBody>
+                  <a:bodyPr rtlCol="0" anchor="ctr"/>
+                  <a:lstStyle/>
+                  <a:p>
+                    <a:pPr algn="ctr"/>
+                    <a:endParaRPr lang="en-US"/>
+                  </a:p>
+                </p:txBody>
+              </p:sp>
+            </p:grpSp>
+            <p:grpSp>
+              <p:nvGrpSpPr>
+                <p:cNvPr id="16" name="Group 15"/>
+                <p:cNvGrpSpPr/>
+                <p:nvPr/>
+              </p:nvGrpSpPr>
+              <p:grpSpPr>
+                <a:xfrm>
+                  <a:off x="4225744" y="3894680"/>
+                  <a:ext cx="294968" cy="1012723"/>
+                  <a:chOff x="3570954" y="4719473"/>
+                  <a:chExt cx="294968" cy="1012723"/>
+                </a:xfrm>
+              </p:grpSpPr>
+              <p:sp>
+                <p:nvSpPr>
+                  <p:cNvPr id="18" name="Rounded Rectangle 17"/>
+                  <p:cNvSpPr/>
+                  <p:nvPr/>
+                </p:nvSpPr>
+                <p:spPr>
+                  <a:xfrm>
+                    <a:off x="3570954" y="4719473"/>
+                    <a:ext cx="294968" cy="521110"/>
+                  </a:xfrm>
+                  <a:prstGeom prst="roundRect">
+                    <a:avLst/>
+                  </a:prstGeom>
+                  <a:solidFill>
+                    <a:srgbClr val="FFC000"/>
+                  </a:solidFill>
+                </p:spPr>
+                <p:style>
+                  <a:lnRef idx="2">
+                    <a:schemeClr val="accent1">
+                      <a:shade val="50000"/>
+                    </a:schemeClr>
+                  </a:lnRef>
+                  <a:fillRef idx="1">
+                    <a:schemeClr val="accent1"/>
+                  </a:fillRef>
+                  <a:effectRef idx="0">
+                    <a:schemeClr val="accent1"/>
+                  </a:effectRef>
+                  <a:fontRef idx="minor">
+                    <a:schemeClr val="lt1"/>
+                  </a:fontRef>
+                </p:style>
+                <p:txBody>
+                  <a:bodyPr rtlCol="0" anchor="ctr"/>
+                  <a:lstStyle/>
+                  <a:p>
+                    <a:pPr algn="ctr"/>
+                    <a:endParaRPr lang="en-US"/>
+                  </a:p>
+                </p:txBody>
+              </p:sp>
+              <p:sp>
+                <p:nvSpPr>
+                  <p:cNvPr id="19" name="Isosceles Triangle 18"/>
+                  <p:cNvSpPr/>
+                  <p:nvPr/>
+                </p:nvSpPr>
+                <p:spPr>
+                  <a:xfrm flipV="1">
+                    <a:off x="3669277" y="5240583"/>
+                    <a:ext cx="98322" cy="491613"/>
+                  </a:xfrm>
+                  <a:prstGeom prst="triangle">
+                    <a:avLst/>
+                  </a:prstGeom>
+                  <a:solidFill>
+                    <a:schemeClr val="tx1"/>
+                  </a:solidFill>
+                  <a:ln>
+                    <a:solidFill>
+                      <a:schemeClr val="tx1"/>
+                    </a:solidFill>
+                  </a:ln>
+                </p:spPr>
+                <p:style>
+                  <a:lnRef idx="2">
+                    <a:schemeClr val="accent1">
+                      <a:shade val="50000"/>
+                    </a:schemeClr>
+                  </a:lnRef>
+                  <a:fillRef idx="1">
+                    <a:schemeClr val="accent1"/>
+                  </a:fillRef>
+                  <a:effectRef idx="0">
+                    <a:schemeClr val="accent1"/>
+                  </a:effectRef>
+                  <a:fontRef idx="minor">
+                    <a:schemeClr val="lt1"/>
+                  </a:fontRef>
+                </p:style>
+                <p:txBody>
+                  <a:bodyPr rtlCol="0" anchor="ctr"/>
+                  <a:lstStyle/>
+                  <a:p>
+                    <a:pPr algn="ctr"/>
+                    <a:endParaRPr lang="en-US"/>
+                  </a:p>
+                </p:txBody>
+              </p:sp>
+            </p:grpSp>
+            <p:sp>
+              <p:nvSpPr>
+                <p:cNvPr id="17" name="Rectangle 16"/>
+                <p:cNvSpPr/>
+                <p:nvPr/>
+              </p:nvSpPr>
+              <p:spPr>
+                <a:xfrm>
+                  <a:off x="3387012" y="3777876"/>
+                  <a:ext cx="1133700" cy="104176"/>
+                </a:xfrm>
+                <a:prstGeom prst="rect">
+                  <a:avLst/>
+                </a:prstGeom>
+                <a:solidFill>
+                  <a:srgbClr val="FF0000"/>
+                </a:solidFill>
+              </p:spPr>
+              <p:style>
+                <a:lnRef idx="2">
+                  <a:schemeClr val="accent1">
+                    <a:shade val="50000"/>
+                  </a:schemeClr>
+                </a:lnRef>
+                <a:fillRef idx="1">
+                  <a:schemeClr val="accent1"/>
+                </a:fillRef>
+                <a:effectRef idx="0">
+                  <a:schemeClr val="accent1"/>
+                </a:effectRef>
+                <a:fontRef idx="minor">
+                  <a:schemeClr val="lt1"/>
+                </a:fontRef>
+              </p:style>
+              <p:txBody>
+                <a:bodyPr rtlCol="0" anchor="ctr"/>
+                <a:lstStyle/>
+                <a:p>
+                  <a:pPr algn="ctr"/>
+                  <a:endParaRPr lang="en-US"/>
+                </a:p>
+              </p:txBody>
+            </p:sp>
+          </p:grpSp>
+        </p:grpSp>
+        <p:cxnSp>
+          <p:nvCxnSpPr>
+            <p:cNvPr id="34" name="Straight Connector 33"/>
+            <p:cNvCxnSpPr/>
+            <p:nvPr/>
+          </p:nvCxnSpPr>
+          <p:spPr>
+            <a:xfrm flipV="1">
+              <a:off x="5662127" y="2272273"/>
+              <a:ext cx="306544" cy="778"/>
+            </a:xfrm>
+            <a:prstGeom prst="line">
+              <a:avLst/>
+            </a:prstGeom>
+            <a:ln w="28575">
+              <a:solidFill>
+                <a:srgbClr val="FF0000"/>
+              </a:solidFill>
+            </a:ln>
+          </p:spPr>
+          <p:style>
+            <a:lnRef idx="1">
+              <a:schemeClr val="accent1"/>
+            </a:lnRef>
+            <a:fillRef idx="0">
+              <a:schemeClr val="accent1"/>
+            </a:fillRef>
+            <a:effectRef idx="0">
+              <a:schemeClr val="accent1"/>
+            </a:effectRef>
+            <a:fontRef idx="minor">
+              <a:schemeClr val="tx1"/>
+            </a:fontRef>
+          </p:style>
+        </p:cxnSp>
+        <p:cxnSp>
+          <p:nvCxnSpPr>
+            <p:cNvPr id="36" name="Straight Connector 35"/>
+            <p:cNvCxnSpPr/>
+            <p:nvPr/>
+          </p:nvCxnSpPr>
+          <p:spPr>
+            <a:xfrm>
+              <a:off x="5071761" y="2616200"/>
+              <a:ext cx="896910" cy="0"/>
+            </a:xfrm>
+            <a:prstGeom prst="line">
+              <a:avLst/>
+            </a:prstGeom>
+            <a:ln w="28575">
+              <a:solidFill>
+                <a:srgbClr val="FF0000"/>
+              </a:solidFill>
+            </a:ln>
+          </p:spPr>
+          <p:style>
+            <a:lnRef idx="1">
+              <a:schemeClr val="accent1"/>
+            </a:lnRef>
+            <a:fillRef idx="0">
+              <a:schemeClr val="accent1"/>
+            </a:fillRef>
+            <a:effectRef idx="0">
+              <a:schemeClr val="accent1"/>
+            </a:effectRef>
+            <a:fontRef idx="minor">
+              <a:schemeClr val="tx1"/>
+            </a:fontRef>
+          </p:style>
+        </p:cxnSp>
+        <p:cxnSp>
+          <p:nvCxnSpPr>
+            <p:cNvPr id="39" name="Straight Arrow Connector 38"/>
+            <p:cNvCxnSpPr/>
+            <p:nvPr/>
+          </p:nvCxnSpPr>
+          <p:spPr>
+            <a:xfrm>
+              <a:off x="5841999" y="2272562"/>
+              <a:ext cx="0" cy="339554"/>
+            </a:xfrm>
+            <a:prstGeom prst="straightConnector1">
+              <a:avLst/>
+            </a:prstGeom>
+            <a:ln w="19050">
+              <a:solidFill>
+                <a:srgbClr val="FF0000"/>
+              </a:solidFill>
+              <a:headEnd type="triangle"/>
+              <a:tailEnd type="triangle"/>
+            </a:ln>
+          </p:spPr>
+          <p:style>
+            <a:lnRef idx="1">
+              <a:schemeClr val="accent1"/>
+            </a:lnRef>
+            <a:fillRef idx="0">
+              <a:schemeClr val="accent1"/>
+            </a:fillRef>
+            <a:effectRef idx="0">
+              <a:schemeClr val="accent1"/>
+            </a:effectRef>
+            <a:fontRef idx="minor">
+              <a:schemeClr val="tx1"/>
+            </a:fontRef>
+          </p:style>
+        </p:cxnSp>
+        <p:sp>
+          <p:nvSpPr>
+            <p:cNvPr id="40" name="TextBox 39"/>
+            <p:cNvSpPr txBox="1"/>
+            <p:nvPr/>
+          </p:nvSpPr>
+          <p:spPr>
+            <a:xfrm>
+              <a:off x="5862189" y="2149951"/>
+              <a:ext cx="380756" cy="584775"/>
+            </a:xfrm>
+            <a:prstGeom prst="rect">
+              <a:avLst/>
+            </a:prstGeom>
+            <a:noFill/>
+          </p:spPr>
+          <p:txBody>
+            <a:bodyPr wrap="square" rtlCol="0">
+              <a:spAutoFit/>
+            </a:bodyPr>
+            <a:lstStyle/>
+            <a:p>
+              <a:r>
+                <a:rPr lang="en-US" sz="3200" dirty="0" smtClean="0">
+                  <a:solidFill>
+                    <a:srgbClr val="FF0000"/>
+                  </a:solidFill>
+                </a:rPr>
+                <a:t>D</a:t>
+              </a:r>
+              <a:endParaRPr lang="en-US" sz="3200" dirty="0">
+                <a:solidFill>
+                  <a:srgbClr val="FF0000"/>
+                </a:solidFill>
+              </a:endParaRPr>
+            </a:p>
+          </p:txBody>
+        </p:sp>
+        <p:sp>
+          <p:nvSpPr>
+            <p:cNvPr id="41" name="TextBox 40"/>
+            <p:cNvSpPr txBox="1"/>
+            <p:nvPr/>
+          </p:nvSpPr>
+          <p:spPr>
+            <a:xfrm>
+              <a:off x="4620406" y="821206"/>
+              <a:ext cx="1498598" cy="584775"/>
+            </a:xfrm>
+            <a:prstGeom prst="rect">
+              <a:avLst/>
+            </a:prstGeom>
+            <a:noFill/>
+          </p:spPr>
+          <p:txBody>
+            <a:bodyPr wrap="square" rtlCol="0">
+              <a:spAutoFit/>
+            </a:bodyPr>
+            <a:lstStyle/>
+            <a:p>
+              <a:pPr algn="ctr"/>
+              <a:r>
+                <a:rPr lang="en-US" sz="1600" dirty="0" smtClean="0"/>
+                <a:t>D – Penetration Depth</a:t>
+              </a:r>
+              <a:endParaRPr lang="en-US" sz="1600" dirty="0"/>
+            </a:p>
+          </p:txBody>
+        </p:sp>
+      </p:grpSp>
+      <p:cxnSp>
+        <p:nvCxnSpPr>
+          <p:cNvPr id="5" name="Straight Connector 4"/>
+          <p:cNvCxnSpPr/>
+          <p:nvPr/>
+        </p:nvCxnSpPr>
+        <p:spPr>
+          <a:xfrm>
+            <a:off x="3302000" y="45720"/>
+            <a:ext cx="0" cy="2362200"/>
+          </a:xfrm>
+          <a:prstGeom prst="line">
+            <a:avLst/>
+          </a:prstGeom>
+          <a:ln w="19050">
+            <a:solidFill>
+              <a:schemeClr val="tx1"/>
+            </a:solidFill>
+          </a:ln>
+        </p:spPr>
+        <p:style>
+          <a:lnRef idx="1">
+            <a:schemeClr val="accent1"/>
+          </a:lnRef>
+          <a:fillRef idx="0">
+            <a:schemeClr val="accent1"/>
+          </a:fillRef>
+          <a:effectRef idx="0">
+            <a:schemeClr val="accent1"/>
+          </a:effectRef>
+          <a:fontRef idx="minor">
+            <a:schemeClr val="tx1"/>
+          </a:fontRef>
+        </p:style>
+      </p:cxnSp>
+      <p:sp>
+        <p:nvSpPr>
+          <p:cNvPr id="58" name="TextBox 57"/>
+          <p:cNvSpPr txBox="1"/>
+          <p:nvPr/>
+        </p:nvSpPr>
+        <p:spPr>
+          <a:xfrm>
+            <a:off x="3626249" y="347440"/>
+            <a:ext cx="621792" cy="242246"/>
+          </a:xfrm>
+          <a:prstGeom prst="rect">
+            <a:avLst/>
+          </a:prstGeom>
+          <a:noFill/>
+        </p:spPr>
+        <p:txBody>
+          <a:bodyPr wrap="square" rtlCol="0">
+            <a:spAutoFit/>
+          </a:bodyPr>
+          <a:lstStyle/>
+          <a:p>
+            <a:r>
+              <a:rPr lang="en-US" dirty="0" smtClean="0"/>
+              <a:t>grass</a:t>
+            </a:r>
+            <a:endParaRPr lang="en-US" dirty="0"/>
+          </a:p>
+        </p:txBody>
+      </p:sp>
+      <p:sp>
+        <p:nvSpPr>
+          <p:cNvPr id="59" name="TextBox 58"/>
+          <p:cNvSpPr txBox="1"/>
+          <p:nvPr/>
+        </p:nvSpPr>
+        <p:spPr>
+          <a:xfrm>
+            <a:off x="3621328" y="1714263"/>
+            <a:ext cx="621792" cy="242246"/>
+          </a:xfrm>
+          <a:prstGeom prst="rect">
+            <a:avLst/>
+          </a:prstGeom>
+          <a:noFill/>
+        </p:spPr>
+        <p:txBody>
+          <a:bodyPr wrap="square" rtlCol="0">
+            <a:spAutoFit/>
+          </a:bodyPr>
+          <a:lstStyle/>
+          <a:p>
+            <a:r>
+              <a:rPr lang="en-US" dirty="0" smtClean="0"/>
+              <a:t>clay</a:t>
+            </a:r>
+            <a:endParaRPr lang="en-US" dirty="0"/>
+          </a:p>
+        </p:txBody>
+      </p:sp>
+      <p:sp>
+        <p:nvSpPr>
+          <p:cNvPr id="60" name="TextBox 59"/>
+          <p:cNvSpPr txBox="1"/>
+          <p:nvPr/>
+        </p:nvSpPr>
+        <p:spPr>
+          <a:xfrm>
+            <a:off x="3617629" y="965063"/>
+            <a:ext cx="621792" cy="242246"/>
+          </a:xfrm>
+          <a:prstGeom prst="rect">
+            <a:avLst/>
+          </a:prstGeom>
+          <a:noFill/>
+        </p:spPr>
+        <p:txBody>
+          <a:bodyPr wrap="square" rtlCol="0">
+            <a:spAutoFit/>
+          </a:bodyPr>
+          <a:lstStyle/>
+          <a:p>
+            <a:r>
+              <a:rPr lang="en-US" dirty="0" smtClean="0"/>
+              <a:t>sand</a:t>
+            </a:r>
+            <a:endParaRPr lang="en-US" dirty="0"/>
+          </a:p>
+        </p:txBody>
+      </p:sp>
     </p:spTree>
     <p:extLst>
       <p:ext uri="{BB962C8B-B14F-4D97-AF65-F5344CB8AC3E}">

--- a/Seismic Drones/CASE-2016/pictures/depth_box_plot.pptx
+++ b/Seismic Drones/CASE-2016/pictures/depth_box_plot.pptx
@@ -2,12 +2,12 @@
 <file path=ppt/presentation.xml><?xml version="1.0" encoding="utf-8"?>
 <p:presentation xmlns:a="http://schemas.openxmlformats.org/drawingml/2006/main" xmlns:r="http://schemas.openxmlformats.org/officeDocument/2006/relationships" xmlns:p="http://schemas.openxmlformats.org/presentationml/2006/main" saveSubsetFonts="1">
   <p:sldMasterIdLst>
-    <p:sldMasterId id="2147483708" r:id="rId1"/>
+    <p:sldMasterId id="2147483720" r:id="rId1"/>
   </p:sldMasterIdLst>
   <p:sldIdLst>
     <p:sldId id="256" r:id="rId2"/>
   </p:sldIdLst>
-  <p:sldSz cx="4572000" cy="3840163"/>
+  <p:sldSz cx="4846638" cy="3840163"/>
   <p:notesSz cx="6858000" cy="9144000"/>
   <p:defaultTextStyle>
     <a:defPPr>
@@ -141,15 +141,15 @@
         </p:nvSpPr>
         <p:spPr>
           <a:xfrm>
-            <a:off x="342900" y="628471"/>
-            <a:ext cx="3886200" cy="1336946"/>
+            <a:off x="363498" y="628471"/>
+            <a:ext cx="4119642" cy="1336946"/>
           </a:xfrm>
         </p:spPr>
         <p:txBody>
           <a:bodyPr anchor="b"/>
           <a:lstStyle>
             <a:lvl1pPr algn="ctr">
-              <a:defRPr sz="3000"/>
+              <a:defRPr sz="3180"/>
             </a:lvl1pPr>
           </a:lstStyle>
           <a:p>
@@ -173,8 +173,8 @@
         </p:nvSpPr>
         <p:spPr>
           <a:xfrm>
-            <a:off x="571500" y="2016975"/>
-            <a:ext cx="3429000" cy="927150"/>
+            <a:off x="605830" y="2016975"/>
+            <a:ext cx="3634979" cy="927150"/>
           </a:xfrm>
         </p:spPr>
         <p:txBody>
@@ -182,39 +182,39 @@
           <a:lstStyle>
             <a:lvl1pPr marL="0" indent="0" algn="ctr">
               <a:buNone/>
-              <a:defRPr sz="1200"/>
+              <a:defRPr sz="1272"/>
             </a:lvl1pPr>
-            <a:lvl2pPr marL="228600" indent="0" algn="ctr">
-              <a:buNone/>
-              <a:defRPr sz="1000"/>
+            <a:lvl2pPr marL="242316" indent="0" algn="ctr">
+              <a:buNone/>
+              <a:defRPr sz="1060"/>
             </a:lvl2pPr>
-            <a:lvl3pPr marL="457200" indent="0" algn="ctr">
-              <a:buNone/>
-              <a:defRPr sz="900"/>
+            <a:lvl3pPr marL="484632" indent="0" algn="ctr">
+              <a:buNone/>
+              <a:defRPr sz="954"/>
             </a:lvl3pPr>
-            <a:lvl4pPr marL="685800" indent="0" algn="ctr">
-              <a:buNone/>
-              <a:defRPr sz="800"/>
+            <a:lvl4pPr marL="726948" indent="0" algn="ctr">
+              <a:buNone/>
+              <a:defRPr sz="848"/>
             </a:lvl4pPr>
-            <a:lvl5pPr marL="914400" indent="0" algn="ctr">
-              <a:buNone/>
-              <a:defRPr sz="800"/>
+            <a:lvl5pPr marL="969264" indent="0" algn="ctr">
+              <a:buNone/>
+              <a:defRPr sz="848"/>
             </a:lvl5pPr>
-            <a:lvl6pPr marL="1143000" indent="0" algn="ctr">
-              <a:buNone/>
-              <a:defRPr sz="800"/>
+            <a:lvl6pPr marL="1211580" indent="0" algn="ctr">
+              <a:buNone/>
+              <a:defRPr sz="848"/>
             </a:lvl6pPr>
-            <a:lvl7pPr marL="1371600" indent="0" algn="ctr">
-              <a:buNone/>
-              <a:defRPr sz="800"/>
+            <a:lvl7pPr marL="1453896" indent="0" algn="ctr">
+              <a:buNone/>
+              <a:defRPr sz="848"/>
             </a:lvl7pPr>
-            <a:lvl8pPr marL="1600200" indent="0" algn="ctr">
-              <a:buNone/>
-              <a:defRPr sz="800"/>
+            <a:lvl8pPr marL="1696212" indent="0" algn="ctr">
+              <a:buNone/>
+              <a:defRPr sz="848"/>
             </a:lvl8pPr>
-            <a:lvl9pPr marL="1828800" indent="0" algn="ctr">
-              <a:buNone/>
-              <a:defRPr sz="800"/>
+            <a:lvl9pPr marL="1938528" indent="0" algn="ctr">
+              <a:buNone/>
+              <a:defRPr sz="848"/>
             </a:lvl9pPr>
           </a:lstStyle>
           <a:p>
@@ -243,7 +243,7 @@
           <a:p>
             <a:fld id="{1D2DDFE7-4F41-48A8-85E8-BDE3A8061DB6}" type="datetimeFigureOut">
               <a:rPr lang="en-US" smtClean="0"/>
-              <a:t>3/8/2016</a:t>
+              <a:t>3/10/2016</a:t>
             </a:fld>
             <a:endParaRPr lang="en-US"/>
           </a:p>
@@ -294,7 +294,7 @@
     </p:spTree>
     <p:extLst>
       <p:ext uri="{BB962C8B-B14F-4D97-AF65-F5344CB8AC3E}">
-        <p14:creationId xmlns:p14="http://schemas.microsoft.com/office/powerpoint/2010/main" val="3354501894"/>
+        <p14:creationId xmlns:p14="http://schemas.microsoft.com/office/powerpoint/2010/main" val="2315697509"/>
       </p:ext>
     </p:extLst>
   </p:cSld>
@@ -413,7 +413,7 @@
           <a:p>
             <a:fld id="{1D2DDFE7-4F41-48A8-85E8-BDE3A8061DB6}" type="datetimeFigureOut">
               <a:rPr lang="en-US" smtClean="0"/>
-              <a:t>3/8/2016</a:t>
+              <a:t>3/10/2016</a:t>
             </a:fld>
             <a:endParaRPr lang="en-US"/>
           </a:p>
@@ -464,7 +464,7 @@
     </p:spTree>
     <p:extLst>
       <p:ext uri="{BB962C8B-B14F-4D97-AF65-F5344CB8AC3E}">
-        <p14:creationId xmlns:p14="http://schemas.microsoft.com/office/powerpoint/2010/main" val="3501205771"/>
+        <p14:creationId xmlns:p14="http://schemas.microsoft.com/office/powerpoint/2010/main" val="3262750996"/>
       </p:ext>
     </p:extLst>
   </p:cSld>
@@ -503,8 +503,8 @@
         </p:nvSpPr>
         <p:spPr>
           <a:xfrm>
-            <a:off x="3271838" y="204453"/>
-            <a:ext cx="985838" cy="3254361"/>
+            <a:off x="3468376" y="204453"/>
+            <a:ext cx="1045056" cy="3254361"/>
           </a:xfrm>
         </p:spPr>
         <p:txBody>
@@ -531,8 +531,8 @@
         </p:nvSpPr>
         <p:spPr>
           <a:xfrm>
-            <a:off x="314325" y="204453"/>
-            <a:ext cx="2900363" cy="3254361"/>
+            <a:off x="333207" y="204453"/>
+            <a:ext cx="3074586" cy="3254361"/>
           </a:xfrm>
         </p:spPr>
         <p:txBody>
@@ -593,7 +593,7 @@
           <a:p>
             <a:fld id="{1D2DDFE7-4F41-48A8-85E8-BDE3A8061DB6}" type="datetimeFigureOut">
               <a:rPr lang="en-US" smtClean="0"/>
-              <a:t>3/8/2016</a:t>
+              <a:t>3/10/2016</a:t>
             </a:fld>
             <a:endParaRPr lang="en-US"/>
           </a:p>
@@ -644,7 +644,7 @@
     </p:spTree>
     <p:extLst>
       <p:ext uri="{BB962C8B-B14F-4D97-AF65-F5344CB8AC3E}">
-        <p14:creationId xmlns:p14="http://schemas.microsoft.com/office/powerpoint/2010/main" val="355034355"/>
+        <p14:creationId xmlns:p14="http://schemas.microsoft.com/office/powerpoint/2010/main" val="378428685"/>
       </p:ext>
     </p:extLst>
   </p:cSld>
@@ -763,7 +763,7 @@
           <a:p>
             <a:fld id="{1D2DDFE7-4F41-48A8-85E8-BDE3A8061DB6}" type="datetimeFigureOut">
               <a:rPr lang="en-US" smtClean="0"/>
-              <a:t>3/8/2016</a:t>
+              <a:t>3/10/2016</a:t>
             </a:fld>
             <a:endParaRPr lang="en-US"/>
           </a:p>
@@ -814,7 +814,7 @@
     </p:spTree>
     <p:extLst>
       <p:ext uri="{BB962C8B-B14F-4D97-AF65-F5344CB8AC3E}">
-        <p14:creationId xmlns:p14="http://schemas.microsoft.com/office/powerpoint/2010/main" val="4211485418"/>
+        <p14:creationId xmlns:p14="http://schemas.microsoft.com/office/powerpoint/2010/main" val="1914530710"/>
       </p:ext>
     </p:extLst>
   </p:cSld>
@@ -853,15 +853,15 @@
         </p:nvSpPr>
         <p:spPr>
           <a:xfrm>
-            <a:off x="311944" y="957375"/>
-            <a:ext cx="3943350" cy="1597401"/>
+            <a:off x="330682" y="957375"/>
+            <a:ext cx="4180225" cy="1597401"/>
           </a:xfrm>
         </p:spPr>
         <p:txBody>
           <a:bodyPr anchor="b"/>
           <a:lstStyle>
             <a:lvl1pPr>
-              <a:defRPr sz="3000"/>
+              <a:defRPr sz="3180"/>
             </a:lvl1pPr>
           </a:lstStyle>
           <a:p>
@@ -885,8 +885,8 @@
         </p:nvSpPr>
         <p:spPr>
           <a:xfrm>
-            <a:off x="311944" y="2569888"/>
-            <a:ext cx="3943350" cy="840035"/>
+            <a:off x="330682" y="2569888"/>
+            <a:ext cx="4180225" cy="840035"/>
           </a:xfrm>
         </p:spPr>
         <p:txBody>
@@ -894,15 +894,15 @@
           <a:lstStyle>
             <a:lvl1pPr marL="0" indent="0">
               <a:buNone/>
-              <a:defRPr sz="1200">
+              <a:defRPr sz="1272">
                 <a:solidFill>
                   <a:schemeClr val="tx1"/>
                 </a:solidFill>
               </a:defRPr>
             </a:lvl1pPr>
-            <a:lvl2pPr marL="228600" indent="0">
-              <a:buNone/>
-              <a:defRPr sz="1000">
+            <a:lvl2pPr marL="242316" indent="0">
+              <a:buNone/>
+              <a:defRPr sz="1060">
                 <a:solidFill>
                   <a:schemeClr val="tx1">
                     <a:tint val="75000"/>
@@ -910,9 +910,9 @@
                 </a:solidFill>
               </a:defRPr>
             </a:lvl2pPr>
-            <a:lvl3pPr marL="457200" indent="0">
-              <a:buNone/>
-              <a:defRPr sz="900">
+            <a:lvl3pPr marL="484632" indent="0">
+              <a:buNone/>
+              <a:defRPr sz="954">
                 <a:solidFill>
                   <a:schemeClr val="tx1">
                     <a:tint val="75000"/>
@@ -920,9 +920,9 @@
                 </a:solidFill>
               </a:defRPr>
             </a:lvl3pPr>
-            <a:lvl4pPr marL="685800" indent="0">
-              <a:buNone/>
-              <a:defRPr sz="800">
+            <a:lvl4pPr marL="726948" indent="0">
+              <a:buNone/>
+              <a:defRPr sz="848">
                 <a:solidFill>
                   <a:schemeClr val="tx1">
                     <a:tint val="75000"/>
@@ -930,9 +930,9 @@
                 </a:solidFill>
               </a:defRPr>
             </a:lvl4pPr>
-            <a:lvl5pPr marL="914400" indent="0">
-              <a:buNone/>
-              <a:defRPr sz="800">
+            <a:lvl5pPr marL="969264" indent="0">
+              <a:buNone/>
+              <a:defRPr sz="848">
                 <a:solidFill>
                   <a:schemeClr val="tx1">
                     <a:tint val="75000"/>
@@ -940,9 +940,9 @@
                 </a:solidFill>
               </a:defRPr>
             </a:lvl5pPr>
-            <a:lvl6pPr marL="1143000" indent="0">
-              <a:buNone/>
-              <a:defRPr sz="800">
+            <a:lvl6pPr marL="1211580" indent="0">
+              <a:buNone/>
+              <a:defRPr sz="848">
                 <a:solidFill>
                   <a:schemeClr val="tx1">
                     <a:tint val="75000"/>
@@ -950,9 +950,9 @@
                 </a:solidFill>
               </a:defRPr>
             </a:lvl6pPr>
-            <a:lvl7pPr marL="1371600" indent="0">
-              <a:buNone/>
-              <a:defRPr sz="800">
+            <a:lvl7pPr marL="1453896" indent="0">
+              <a:buNone/>
+              <a:defRPr sz="848">
                 <a:solidFill>
                   <a:schemeClr val="tx1">
                     <a:tint val="75000"/>
@@ -960,9 +960,9 @@
                 </a:solidFill>
               </a:defRPr>
             </a:lvl7pPr>
-            <a:lvl8pPr marL="1600200" indent="0">
-              <a:buNone/>
-              <a:defRPr sz="800">
+            <a:lvl8pPr marL="1696212" indent="0">
+              <a:buNone/>
+              <a:defRPr sz="848">
                 <a:solidFill>
                   <a:schemeClr val="tx1">
                     <a:tint val="75000"/>
@@ -970,9 +970,9 @@
                 </a:solidFill>
               </a:defRPr>
             </a:lvl8pPr>
-            <a:lvl9pPr marL="1828800" indent="0">
-              <a:buNone/>
-              <a:defRPr sz="800">
+            <a:lvl9pPr marL="1938528" indent="0">
+              <a:buNone/>
+              <a:defRPr sz="848">
                 <a:solidFill>
                   <a:schemeClr val="tx1">
                     <a:tint val="75000"/>
@@ -1007,7 +1007,7 @@
           <a:p>
             <a:fld id="{1D2DDFE7-4F41-48A8-85E8-BDE3A8061DB6}" type="datetimeFigureOut">
               <a:rPr lang="en-US" smtClean="0"/>
-              <a:t>3/8/2016</a:t>
+              <a:t>3/10/2016</a:t>
             </a:fld>
             <a:endParaRPr lang="en-US"/>
           </a:p>
@@ -1058,7 +1058,7 @@
     </p:spTree>
     <p:extLst>
       <p:ext uri="{BB962C8B-B14F-4D97-AF65-F5344CB8AC3E}">
-        <p14:creationId xmlns:p14="http://schemas.microsoft.com/office/powerpoint/2010/main" val="3072231551"/>
+        <p14:creationId xmlns:p14="http://schemas.microsoft.com/office/powerpoint/2010/main" val="2151502132"/>
       </p:ext>
     </p:extLst>
   </p:cSld>
@@ -1120,8 +1120,8 @@
         </p:nvSpPr>
         <p:spPr>
           <a:xfrm>
-            <a:off x="314325" y="1022266"/>
-            <a:ext cx="1943100" cy="2436548"/>
+            <a:off x="333206" y="1022266"/>
+            <a:ext cx="2059821" cy="2436548"/>
           </a:xfrm>
         </p:spPr>
         <p:txBody>
@@ -1177,8 +1177,8 @@
         </p:nvSpPr>
         <p:spPr>
           <a:xfrm>
-            <a:off x="2314575" y="1022266"/>
-            <a:ext cx="1943100" cy="2436548"/>
+            <a:off x="2453611" y="1022266"/>
+            <a:ext cx="2059821" cy="2436548"/>
           </a:xfrm>
         </p:spPr>
         <p:txBody>
@@ -1239,7 +1239,7 @@
           <a:p>
             <a:fld id="{1D2DDFE7-4F41-48A8-85E8-BDE3A8061DB6}" type="datetimeFigureOut">
               <a:rPr lang="en-US" smtClean="0"/>
-              <a:t>3/8/2016</a:t>
+              <a:t>3/10/2016</a:t>
             </a:fld>
             <a:endParaRPr lang="en-US"/>
           </a:p>
@@ -1290,7 +1290,7 @@
     </p:spTree>
     <p:extLst>
       <p:ext uri="{BB962C8B-B14F-4D97-AF65-F5344CB8AC3E}">
-        <p14:creationId xmlns:p14="http://schemas.microsoft.com/office/powerpoint/2010/main" val="2589084935"/>
+        <p14:creationId xmlns:p14="http://schemas.microsoft.com/office/powerpoint/2010/main" val="3965878733"/>
       </p:ext>
     </p:extLst>
   </p:cSld>
@@ -1329,8 +1329,8 @@
         </p:nvSpPr>
         <p:spPr>
           <a:xfrm>
-            <a:off x="314921" y="204454"/>
-            <a:ext cx="3943350" cy="742254"/>
+            <a:off x="333838" y="204454"/>
+            <a:ext cx="4180225" cy="742254"/>
           </a:xfrm>
         </p:spPr>
         <p:txBody>
@@ -1357,8 +1357,8 @@
         </p:nvSpPr>
         <p:spPr>
           <a:xfrm>
-            <a:off x="314921" y="941373"/>
-            <a:ext cx="1934170" cy="461353"/>
+            <a:off x="333838" y="941373"/>
+            <a:ext cx="2050355" cy="461353"/>
           </a:xfrm>
         </p:spPr>
         <p:txBody>
@@ -1366,39 +1366,39 @@
           <a:lstStyle>
             <a:lvl1pPr marL="0" indent="0">
               <a:buNone/>
-              <a:defRPr sz="1200" b="1"/>
+              <a:defRPr sz="1272" b="1"/>
             </a:lvl1pPr>
-            <a:lvl2pPr marL="228600" indent="0">
-              <a:buNone/>
-              <a:defRPr sz="1000" b="1"/>
+            <a:lvl2pPr marL="242316" indent="0">
+              <a:buNone/>
+              <a:defRPr sz="1060" b="1"/>
             </a:lvl2pPr>
-            <a:lvl3pPr marL="457200" indent="0">
-              <a:buNone/>
-              <a:defRPr sz="900" b="1"/>
+            <a:lvl3pPr marL="484632" indent="0">
+              <a:buNone/>
+              <a:defRPr sz="954" b="1"/>
             </a:lvl3pPr>
-            <a:lvl4pPr marL="685800" indent="0">
-              <a:buNone/>
-              <a:defRPr sz="800" b="1"/>
+            <a:lvl4pPr marL="726948" indent="0">
+              <a:buNone/>
+              <a:defRPr sz="848" b="1"/>
             </a:lvl4pPr>
-            <a:lvl5pPr marL="914400" indent="0">
-              <a:buNone/>
-              <a:defRPr sz="800" b="1"/>
+            <a:lvl5pPr marL="969264" indent="0">
+              <a:buNone/>
+              <a:defRPr sz="848" b="1"/>
             </a:lvl5pPr>
-            <a:lvl6pPr marL="1143000" indent="0">
-              <a:buNone/>
-              <a:defRPr sz="800" b="1"/>
+            <a:lvl6pPr marL="1211580" indent="0">
+              <a:buNone/>
+              <a:defRPr sz="848" b="1"/>
             </a:lvl6pPr>
-            <a:lvl7pPr marL="1371600" indent="0">
-              <a:buNone/>
-              <a:defRPr sz="800" b="1"/>
+            <a:lvl7pPr marL="1453896" indent="0">
+              <a:buNone/>
+              <a:defRPr sz="848" b="1"/>
             </a:lvl7pPr>
-            <a:lvl8pPr marL="1600200" indent="0">
-              <a:buNone/>
-              <a:defRPr sz="800" b="1"/>
+            <a:lvl8pPr marL="1696212" indent="0">
+              <a:buNone/>
+              <a:defRPr sz="848" b="1"/>
             </a:lvl8pPr>
-            <a:lvl9pPr marL="1828800" indent="0">
-              <a:buNone/>
-              <a:defRPr sz="800" b="1"/>
+            <a:lvl9pPr marL="1938528" indent="0">
+              <a:buNone/>
+              <a:defRPr sz="848" b="1"/>
             </a:lvl9pPr>
           </a:lstStyle>
           <a:p>
@@ -1422,8 +1422,8 @@
         </p:nvSpPr>
         <p:spPr>
           <a:xfrm>
-            <a:off x="314921" y="1402726"/>
-            <a:ext cx="1934170" cy="2063199"/>
+            <a:off x="333838" y="1402726"/>
+            <a:ext cx="2050355" cy="2063199"/>
           </a:xfrm>
         </p:spPr>
         <p:txBody>
@@ -1479,8 +1479,8 @@
         </p:nvSpPr>
         <p:spPr>
           <a:xfrm>
-            <a:off x="2314575" y="941373"/>
-            <a:ext cx="1943696" cy="461353"/>
+            <a:off x="2453611" y="941373"/>
+            <a:ext cx="2060452" cy="461353"/>
           </a:xfrm>
         </p:spPr>
         <p:txBody>
@@ -1488,39 +1488,39 @@
           <a:lstStyle>
             <a:lvl1pPr marL="0" indent="0">
               <a:buNone/>
-              <a:defRPr sz="1200" b="1"/>
+              <a:defRPr sz="1272" b="1"/>
             </a:lvl1pPr>
-            <a:lvl2pPr marL="228600" indent="0">
-              <a:buNone/>
-              <a:defRPr sz="1000" b="1"/>
+            <a:lvl2pPr marL="242316" indent="0">
+              <a:buNone/>
+              <a:defRPr sz="1060" b="1"/>
             </a:lvl2pPr>
-            <a:lvl3pPr marL="457200" indent="0">
-              <a:buNone/>
-              <a:defRPr sz="900" b="1"/>
+            <a:lvl3pPr marL="484632" indent="0">
+              <a:buNone/>
+              <a:defRPr sz="954" b="1"/>
             </a:lvl3pPr>
-            <a:lvl4pPr marL="685800" indent="0">
-              <a:buNone/>
-              <a:defRPr sz="800" b="1"/>
+            <a:lvl4pPr marL="726948" indent="0">
+              <a:buNone/>
+              <a:defRPr sz="848" b="1"/>
             </a:lvl4pPr>
-            <a:lvl5pPr marL="914400" indent="0">
-              <a:buNone/>
-              <a:defRPr sz="800" b="1"/>
+            <a:lvl5pPr marL="969264" indent="0">
+              <a:buNone/>
+              <a:defRPr sz="848" b="1"/>
             </a:lvl5pPr>
-            <a:lvl6pPr marL="1143000" indent="0">
-              <a:buNone/>
-              <a:defRPr sz="800" b="1"/>
+            <a:lvl6pPr marL="1211580" indent="0">
+              <a:buNone/>
+              <a:defRPr sz="848" b="1"/>
             </a:lvl6pPr>
-            <a:lvl7pPr marL="1371600" indent="0">
-              <a:buNone/>
-              <a:defRPr sz="800" b="1"/>
+            <a:lvl7pPr marL="1453896" indent="0">
+              <a:buNone/>
+              <a:defRPr sz="848" b="1"/>
             </a:lvl7pPr>
-            <a:lvl8pPr marL="1600200" indent="0">
-              <a:buNone/>
-              <a:defRPr sz="800" b="1"/>
+            <a:lvl8pPr marL="1696212" indent="0">
+              <a:buNone/>
+              <a:defRPr sz="848" b="1"/>
             </a:lvl8pPr>
-            <a:lvl9pPr marL="1828800" indent="0">
-              <a:buNone/>
-              <a:defRPr sz="800" b="1"/>
+            <a:lvl9pPr marL="1938528" indent="0">
+              <a:buNone/>
+              <a:defRPr sz="848" b="1"/>
             </a:lvl9pPr>
           </a:lstStyle>
           <a:p>
@@ -1544,8 +1544,8 @@
         </p:nvSpPr>
         <p:spPr>
           <a:xfrm>
-            <a:off x="2314575" y="1402726"/>
-            <a:ext cx="1943696" cy="2063199"/>
+            <a:off x="2453611" y="1402726"/>
+            <a:ext cx="2060452" cy="2063199"/>
           </a:xfrm>
         </p:spPr>
         <p:txBody>
@@ -1606,7 +1606,7 @@
           <a:p>
             <a:fld id="{1D2DDFE7-4F41-48A8-85E8-BDE3A8061DB6}" type="datetimeFigureOut">
               <a:rPr lang="en-US" smtClean="0"/>
-              <a:t>3/8/2016</a:t>
+              <a:t>3/10/2016</a:t>
             </a:fld>
             <a:endParaRPr lang="en-US"/>
           </a:p>
@@ -1657,7 +1657,7 @@
     </p:spTree>
     <p:extLst>
       <p:ext uri="{BB962C8B-B14F-4D97-AF65-F5344CB8AC3E}">
-        <p14:creationId xmlns:p14="http://schemas.microsoft.com/office/powerpoint/2010/main" val="3022707891"/>
+        <p14:creationId xmlns:p14="http://schemas.microsoft.com/office/powerpoint/2010/main" val="2342432851"/>
       </p:ext>
     </p:extLst>
   </p:cSld>
@@ -1724,7 +1724,7 @@
           <a:p>
             <a:fld id="{1D2DDFE7-4F41-48A8-85E8-BDE3A8061DB6}" type="datetimeFigureOut">
               <a:rPr lang="en-US" smtClean="0"/>
-              <a:t>3/8/2016</a:t>
+              <a:t>3/10/2016</a:t>
             </a:fld>
             <a:endParaRPr lang="en-US"/>
           </a:p>
@@ -1775,7 +1775,7 @@
     </p:spTree>
     <p:extLst>
       <p:ext uri="{BB962C8B-B14F-4D97-AF65-F5344CB8AC3E}">
-        <p14:creationId xmlns:p14="http://schemas.microsoft.com/office/powerpoint/2010/main" val="991081756"/>
+        <p14:creationId xmlns:p14="http://schemas.microsoft.com/office/powerpoint/2010/main" val="944898552"/>
       </p:ext>
     </p:extLst>
   </p:cSld>
@@ -1819,7 +1819,7 @@
           <a:p>
             <a:fld id="{1D2DDFE7-4F41-48A8-85E8-BDE3A8061DB6}" type="datetimeFigureOut">
               <a:rPr lang="en-US" smtClean="0"/>
-              <a:t>3/8/2016</a:t>
+              <a:t>3/10/2016</a:t>
             </a:fld>
             <a:endParaRPr lang="en-US"/>
           </a:p>
@@ -1870,7 +1870,7 @@
     </p:spTree>
     <p:extLst>
       <p:ext uri="{BB962C8B-B14F-4D97-AF65-F5344CB8AC3E}">
-        <p14:creationId xmlns:p14="http://schemas.microsoft.com/office/powerpoint/2010/main" val="489778277"/>
+        <p14:creationId xmlns:p14="http://schemas.microsoft.com/office/powerpoint/2010/main" val="1895922627"/>
       </p:ext>
     </p:extLst>
   </p:cSld>
@@ -1909,15 +1909,15 @@
         </p:nvSpPr>
         <p:spPr>
           <a:xfrm>
-            <a:off x="314921" y="256011"/>
-            <a:ext cx="1474589" cy="896038"/>
+            <a:off x="333838" y="256011"/>
+            <a:ext cx="1563167" cy="896038"/>
           </a:xfrm>
         </p:spPr>
         <p:txBody>
           <a:bodyPr anchor="b"/>
           <a:lstStyle>
             <a:lvl1pPr>
-              <a:defRPr sz="1600"/>
+              <a:defRPr sz="1696"/>
             </a:lvl1pPr>
           </a:lstStyle>
           <a:p>
@@ -1941,39 +1941,39 @@
         </p:nvSpPr>
         <p:spPr>
           <a:xfrm>
-            <a:off x="1943695" y="552913"/>
-            <a:ext cx="2314575" cy="2729005"/>
+            <a:off x="2060453" y="552913"/>
+            <a:ext cx="2453610" cy="2729005"/>
           </a:xfrm>
         </p:spPr>
         <p:txBody>
           <a:bodyPr/>
           <a:lstStyle>
             <a:lvl1pPr>
-              <a:defRPr sz="1600"/>
+              <a:defRPr sz="1696"/>
             </a:lvl1pPr>
             <a:lvl2pPr>
-              <a:defRPr sz="1400"/>
+              <a:defRPr sz="1484"/>
             </a:lvl2pPr>
             <a:lvl3pPr>
-              <a:defRPr sz="1200"/>
+              <a:defRPr sz="1272"/>
             </a:lvl3pPr>
             <a:lvl4pPr>
-              <a:defRPr sz="1000"/>
+              <a:defRPr sz="1060"/>
             </a:lvl4pPr>
             <a:lvl5pPr>
-              <a:defRPr sz="1000"/>
+              <a:defRPr sz="1060"/>
             </a:lvl5pPr>
             <a:lvl6pPr>
-              <a:defRPr sz="1000"/>
+              <a:defRPr sz="1060"/>
             </a:lvl6pPr>
             <a:lvl7pPr>
-              <a:defRPr sz="1000"/>
+              <a:defRPr sz="1060"/>
             </a:lvl7pPr>
             <a:lvl8pPr>
-              <a:defRPr sz="1000"/>
+              <a:defRPr sz="1060"/>
             </a:lvl8pPr>
             <a:lvl9pPr>
-              <a:defRPr sz="1000"/>
+              <a:defRPr sz="1060"/>
             </a:lvl9pPr>
           </a:lstStyle>
           <a:p>
@@ -2026,8 +2026,8 @@
         </p:nvSpPr>
         <p:spPr>
           <a:xfrm>
-            <a:off x="314921" y="1152049"/>
-            <a:ext cx="1474589" cy="2134313"/>
+            <a:off x="333838" y="1152049"/>
+            <a:ext cx="1563167" cy="2134313"/>
           </a:xfrm>
         </p:spPr>
         <p:txBody>
@@ -2035,39 +2035,39 @@
           <a:lstStyle>
             <a:lvl1pPr marL="0" indent="0">
               <a:buNone/>
-              <a:defRPr sz="800"/>
+              <a:defRPr sz="848"/>
             </a:lvl1pPr>
-            <a:lvl2pPr marL="228600" indent="0">
-              <a:buNone/>
-              <a:defRPr sz="700"/>
+            <a:lvl2pPr marL="242316" indent="0">
+              <a:buNone/>
+              <a:defRPr sz="742"/>
             </a:lvl2pPr>
-            <a:lvl3pPr marL="457200" indent="0">
-              <a:buNone/>
-              <a:defRPr sz="600"/>
+            <a:lvl3pPr marL="484632" indent="0">
+              <a:buNone/>
+              <a:defRPr sz="636"/>
             </a:lvl3pPr>
-            <a:lvl4pPr marL="685800" indent="0">
-              <a:buNone/>
-              <a:defRPr sz="500"/>
+            <a:lvl4pPr marL="726948" indent="0">
+              <a:buNone/>
+              <a:defRPr sz="530"/>
             </a:lvl4pPr>
-            <a:lvl5pPr marL="914400" indent="0">
-              <a:buNone/>
-              <a:defRPr sz="500"/>
+            <a:lvl5pPr marL="969264" indent="0">
+              <a:buNone/>
+              <a:defRPr sz="530"/>
             </a:lvl5pPr>
-            <a:lvl6pPr marL="1143000" indent="0">
-              <a:buNone/>
-              <a:defRPr sz="500"/>
+            <a:lvl6pPr marL="1211580" indent="0">
+              <a:buNone/>
+              <a:defRPr sz="530"/>
             </a:lvl6pPr>
-            <a:lvl7pPr marL="1371600" indent="0">
-              <a:buNone/>
-              <a:defRPr sz="500"/>
+            <a:lvl7pPr marL="1453896" indent="0">
+              <a:buNone/>
+              <a:defRPr sz="530"/>
             </a:lvl7pPr>
-            <a:lvl8pPr marL="1600200" indent="0">
-              <a:buNone/>
-              <a:defRPr sz="500"/>
+            <a:lvl8pPr marL="1696212" indent="0">
+              <a:buNone/>
+              <a:defRPr sz="530"/>
             </a:lvl8pPr>
-            <a:lvl9pPr marL="1828800" indent="0">
-              <a:buNone/>
-              <a:defRPr sz="500"/>
+            <a:lvl9pPr marL="1938528" indent="0">
+              <a:buNone/>
+              <a:defRPr sz="530"/>
             </a:lvl9pPr>
           </a:lstStyle>
           <a:p>
@@ -2096,7 +2096,7 @@
           <a:p>
             <a:fld id="{1D2DDFE7-4F41-48A8-85E8-BDE3A8061DB6}" type="datetimeFigureOut">
               <a:rPr lang="en-US" smtClean="0"/>
-              <a:t>3/8/2016</a:t>
+              <a:t>3/10/2016</a:t>
             </a:fld>
             <a:endParaRPr lang="en-US"/>
           </a:p>
@@ -2147,7 +2147,7 @@
     </p:spTree>
     <p:extLst>
       <p:ext uri="{BB962C8B-B14F-4D97-AF65-F5344CB8AC3E}">
-        <p14:creationId xmlns:p14="http://schemas.microsoft.com/office/powerpoint/2010/main" val="416014307"/>
+        <p14:creationId xmlns:p14="http://schemas.microsoft.com/office/powerpoint/2010/main" val="2149333148"/>
       </p:ext>
     </p:extLst>
   </p:cSld>
@@ -2186,15 +2186,15 @@
         </p:nvSpPr>
         <p:spPr>
           <a:xfrm>
-            <a:off x="314921" y="256011"/>
-            <a:ext cx="1474589" cy="896038"/>
+            <a:off x="333838" y="256011"/>
+            <a:ext cx="1563167" cy="896038"/>
           </a:xfrm>
         </p:spPr>
         <p:txBody>
           <a:bodyPr anchor="b"/>
           <a:lstStyle>
             <a:lvl1pPr>
-              <a:defRPr sz="1600"/>
+              <a:defRPr sz="1696"/>
             </a:lvl1pPr>
           </a:lstStyle>
           <a:p>
@@ -2218,8 +2218,8 @@
         </p:nvSpPr>
         <p:spPr>
           <a:xfrm>
-            <a:off x="1943695" y="552913"/>
-            <a:ext cx="2314575" cy="2729005"/>
+            <a:off x="2060453" y="552913"/>
+            <a:ext cx="2453610" cy="2729005"/>
           </a:xfrm>
         </p:spPr>
         <p:txBody>
@@ -2227,39 +2227,39 @@
           <a:lstStyle>
             <a:lvl1pPr marL="0" indent="0">
               <a:buNone/>
-              <a:defRPr sz="1600"/>
+              <a:defRPr sz="1696"/>
             </a:lvl1pPr>
-            <a:lvl2pPr marL="228600" indent="0">
-              <a:buNone/>
-              <a:defRPr sz="1400"/>
+            <a:lvl2pPr marL="242316" indent="0">
+              <a:buNone/>
+              <a:defRPr sz="1484"/>
             </a:lvl2pPr>
-            <a:lvl3pPr marL="457200" indent="0">
-              <a:buNone/>
-              <a:defRPr sz="1200"/>
+            <a:lvl3pPr marL="484632" indent="0">
+              <a:buNone/>
+              <a:defRPr sz="1272"/>
             </a:lvl3pPr>
-            <a:lvl4pPr marL="685800" indent="0">
-              <a:buNone/>
-              <a:defRPr sz="1000"/>
+            <a:lvl4pPr marL="726948" indent="0">
+              <a:buNone/>
+              <a:defRPr sz="1060"/>
             </a:lvl4pPr>
-            <a:lvl5pPr marL="914400" indent="0">
-              <a:buNone/>
-              <a:defRPr sz="1000"/>
+            <a:lvl5pPr marL="969264" indent="0">
+              <a:buNone/>
+              <a:defRPr sz="1060"/>
             </a:lvl5pPr>
-            <a:lvl6pPr marL="1143000" indent="0">
-              <a:buNone/>
-              <a:defRPr sz="1000"/>
+            <a:lvl6pPr marL="1211580" indent="0">
+              <a:buNone/>
+              <a:defRPr sz="1060"/>
             </a:lvl6pPr>
-            <a:lvl7pPr marL="1371600" indent="0">
-              <a:buNone/>
-              <a:defRPr sz="1000"/>
+            <a:lvl7pPr marL="1453896" indent="0">
+              <a:buNone/>
+              <a:defRPr sz="1060"/>
             </a:lvl7pPr>
-            <a:lvl8pPr marL="1600200" indent="0">
-              <a:buNone/>
-              <a:defRPr sz="1000"/>
+            <a:lvl8pPr marL="1696212" indent="0">
+              <a:buNone/>
+              <a:defRPr sz="1060"/>
             </a:lvl8pPr>
-            <a:lvl9pPr marL="1828800" indent="0">
-              <a:buNone/>
-              <a:defRPr sz="1000"/>
+            <a:lvl9pPr marL="1938528" indent="0">
+              <a:buNone/>
+              <a:defRPr sz="1060"/>
             </a:lvl9pPr>
           </a:lstStyle>
           <a:p>
@@ -2283,8 +2283,8 @@
         </p:nvSpPr>
         <p:spPr>
           <a:xfrm>
-            <a:off x="314921" y="1152049"/>
-            <a:ext cx="1474589" cy="2134313"/>
+            <a:off x="333838" y="1152049"/>
+            <a:ext cx="1563167" cy="2134313"/>
           </a:xfrm>
         </p:spPr>
         <p:txBody>
@@ -2292,39 +2292,39 @@
           <a:lstStyle>
             <a:lvl1pPr marL="0" indent="0">
               <a:buNone/>
-              <a:defRPr sz="800"/>
+              <a:defRPr sz="848"/>
             </a:lvl1pPr>
-            <a:lvl2pPr marL="228600" indent="0">
-              <a:buNone/>
-              <a:defRPr sz="700"/>
+            <a:lvl2pPr marL="242316" indent="0">
+              <a:buNone/>
+              <a:defRPr sz="742"/>
             </a:lvl2pPr>
-            <a:lvl3pPr marL="457200" indent="0">
-              <a:buNone/>
-              <a:defRPr sz="600"/>
+            <a:lvl3pPr marL="484632" indent="0">
+              <a:buNone/>
+              <a:defRPr sz="636"/>
             </a:lvl3pPr>
-            <a:lvl4pPr marL="685800" indent="0">
-              <a:buNone/>
-              <a:defRPr sz="500"/>
+            <a:lvl4pPr marL="726948" indent="0">
+              <a:buNone/>
+              <a:defRPr sz="530"/>
             </a:lvl4pPr>
-            <a:lvl5pPr marL="914400" indent="0">
-              <a:buNone/>
-              <a:defRPr sz="500"/>
+            <a:lvl5pPr marL="969264" indent="0">
+              <a:buNone/>
+              <a:defRPr sz="530"/>
             </a:lvl5pPr>
-            <a:lvl6pPr marL="1143000" indent="0">
-              <a:buNone/>
-              <a:defRPr sz="500"/>
+            <a:lvl6pPr marL="1211580" indent="0">
+              <a:buNone/>
+              <a:defRPr sz="530"/>
             </a:lvl6pPr>
-            <a:lvl7pPr marL="1371600" indent="0">
-              <a:buNone/>
-              <a:defRPr sz="500"/>
+            <a:lvl7pPr marL="1453896" indent="0">
+              <a:buNone/>
+              <a:defRPr sz="530"/>
             </a:lvl7pPr>
-            <a:lvl8pPr marL="1600200" indent="0">
-              <a:buNone/>
-              <a:defRPr sz="500"/>
+            <a:lvl8pPr marL="1696212" indent="0">
+              <a:buNone/>
+              <a:defRPr sz="530"/>
             </a:lvl8pPr>
-            <a:lvl9pPr marL="1828800" indent="0">
-              <a:buNone/>
-              <a:defRPr sz="500"/>
+            <a:lvl9pPr marL="1938528" indent="0">
+              <a:buNone/>
+              <a:defRPr sz="530"/>
             </a:lvl9pPr>
           </a:lstStyle>
           <a:p>
@@ -2353,7 +2353,7 @@
           <a:p>
             <a:fld id="{1D2DDFE7-4F41-48A8-85E8-BDE3A8061DB6}" type="datetimeFigureOut">
               <a:rPr lang="en-US" smtClean="0"/>
-              <a:t>3/8/2016</a:t>
+              <a:t>3/10/2016</a:t>
             </a:fld>
             <a:endParaRPr lang="en-US"/>
           </a:p>
@@ -2404,7 +2404,7 @@
     </p:spTree>
     <p:extLst>
       <p:ext uri="{BB962C8B-B14F-4D97-AF65-F5344CB8AC3E}">
-        <p14:creationId xmlns:p14="http://schemas.microsoft.com/office/powerpoint/2010/main" val="145091935"/>
+        <p14:creationId xmlns:p14="http://schemas.microsoft.com/office/powerpoint/2010/main" val="4145774227"/>
       </p:ext>
     </p:extLst>
   </p:cSld>
@@ -2448,8 +2448,8 @@
         </p:nvSpPr>
         <p:spPr>
           <a:xfrm>
-            <a:off x="314325" y="204454"/>
-            <a:ext cx="3943350" cy="742254"/>
+            <a:off x="333207" y="204454"/>
+            <a:ext cx="4180225" cy="742254"/>
           </a:xfrm>
           <a:prstGeom prst="rect">
             <a:avLst/>
@@ -2481,8 +2481,8 @@
         </p:nvSpPr>
         <p:spPr>
           <a:xfrm>
-            <a:off x="314325" y="1022266"/>
-            <a:ext cx="3943350" cy="2436548"/>
+            <a:off x="333207" y="1022266"/>
+            <a:ext cx="4180225" cy="2436548"/>
           </a:xfrm>
           <a:prstGeom prst="rect">
             <a:avLst/>
@@ -2543,8 +2543,8 @@
         </p:nvSpPr>
         <p:spPr>
           <a:xfrm>
-            <a:off x="314325" y="3559263"/>
-            <a:ext cx="1028700" cy="204453"/>
+            <a:off x="333206" y="3559263"/>
+            <a:ext cx="1090494" cy="204453"/>
           </a:xfrm>
           <a:prstGeom prst="rect">
             <a:avLst/>
@@ -2554,7 +2554,7 @@
           <a:bodyPr vert="horz" lIns="91440" tIns="45720" rIns="91440" bIns="45720" rtlCol="0" anchor="ctr"/>
           <a:lstStyle>
             <a:lvl1pPr algn="l">
-              <a:defRPr sz="600">
+              <a:defRPr sz="636">
                 <a:solidFill>
                   <a:schemeClr val="tx1">
                     <a:tint val="75000"/>
@@ -2566,7 +2566,7 @@
           <a:p>
             <a:fld id="{1D2DDFE7-4F41-48A8-85E8-BDE3A8061DB6}" type="datetimeFigureOut">
               <a:rPr lang="en-US" smtClean="0"/>
-              <a:t>3/8/2016</a:t>
+              <a:t>3/10/2016</a:t>
             </a:fld>
             <a:endParaRPr lang="en-US"/>
           </a:p>
@@ -2584,8 +2584,8 @@
         </p:nvSpPr>
         <p:spPr>
           <a:xfrm>
-            <a:off x="1514475" y="3559263"/>
-            <a:ext cx="1543050" cy="204453"/>
+            <a:off x="1605449" y="3559263"/>
+            <a:ext cx="1635740" cy="204453"/>
           </a:xfrm>
           <a:prstGeom prst="rect">
             <a:avLst/>
@@ -2595,7 +2595,7 @@
           <a:bodyPr vert="horz" lIns="91440" tIns="45720" rIns="91440" bIns="45720" rtlCol="0" anchor="ctr"/>
           <a:lstStyle>
             <a:lvl1pPr algn="ctr">
-              <a:defRPr sz="600">
+              <a:defRPr sz="636">
                 <a:solidFill>
                   <a:schemeClr val="tx1">
                     <a:tint val="75000"/>
@@ -2621,8 +2621,8 @@
         </p:nvSpPr>
         <p:spPr>
           <a:xfrm>
-            <a:off x="3228975" y="3559263"/>
-            <a:ext cx="1028700" cy="204453"/>
+            <a:off x="3422938" y="3559263"/>
+            <a:ext cx="1090494" cy="204453"/>
           </a:xfrm>
           <a:prstGeom prst="rect">
             <a:avLst/>
@@ -2632,7 +2632,7 @@
           <a:bodyPr vert="horz" lIns="91440" tIns="45720" rIns="91440" bIns="45720" rtlCol="0" anchor="ctr"/>
           <a:lstStyle>
             <a:lvl1pPr algn="r">
-              <a:defRPr sz="600">
+              <a:defRPr sz="636">
                 <a:solidFill>
                   <a:schemeClr val="tx1">
                     <a:tint val="75000"/>
@@ -2653,27 +2653,27 @@
     </p:spTree>
     <p:extLst>
       <p:ext uri="{BB962C8B-B14F-4D97-AF65-F5344CB8AC3E}">
-        <p14:creationId xmlns:p14="http://schemas.microsoft.com/office/powerpoint/2010/main" val="1478254043"/>
+        <p14:creationId xmlns:p14="http://schemas.microsoft.com/office/powerpoint/2010/main" val="1466653437"/>
       </p:ext>
     </p:extLst>
   </p:cSld>
   <p:clrMap bg1="lt1" tx1="dk1" bg2="lt2" tx2="dk2" accent1="accent1" accent2="accent2" accent3="accent3" accent4="accent4" accent5="accent5" accent6="accent6" hlink="hlink" folHlink="folHlink"/>
   <p:sldLayoutIdLst>
-    <p:sldLayoutId id="2147483709" r:id="rId1"/>
-    <p:sldLayoutId id="2147483710" r:id="rId2"/>
-    <p:sldLayoutId id="2147483711" r:id="rId3"/>
-    <p:sldLayoutId id="2147483712" r:id="rId4"/>
-    <p:sldLayoutId id="2147483713" r:id="rId5"/>
-    <p:sldLayoutId id="2147483714" r:id="rId6"/>
-    <p:sldLayoutId id="2147483715" r:id="rId7"/>
-    <p:sldLayoutId id="2147483716" r:id="rId8"/>
-    <p:sldLayoutId id="2147483717" r:id="rId9"/>
-    <p:sldLayoutId id="2147483718" r:id="rId10"/>
-    <p:sldLayoutId id="2147483719" r:id="rId11"/>
+    <p:sldLayoutId id="2147483721" r:id="rId1"/>
+    <p:sldLayoutId id="2147483722" r:id="rId2"/>
+    <p:sldLayoutId id="2147483723" r:id="rId3"/>
+    <p:sldLayoutId id="2147483724" r:id="rId4"/>
+    <p:sldLayoutId id="2147483725" r:id="rId5"/>
+    <p:sldLayoutId id="2147483726" r:id="rId6"/>
+    <p:sldLayoutId id="2147483727" r:id="rId7"/>
+    <p:sldLayoutId id="2147483728" r:id="rId8"/>
+    <p:sldLayoutId id="2147483729" r:id="rId9"/>
+    <p:sldLayoutId id="2147483730" r:id="rId10"/>
+    <p:sldLayoutId id="2147483731" r:id="rId11"/>
   </p:sldLayoutIdLst>
   <p:txStyles>
     <p:titleStyle>
-      <a:lvl1pPr algn="l" defTabSz="457200" rtl="0" eaLnBrk="1" latinLnBrk="0" hangingPunct="1">
+      <a:lvl1pPr algn="l" defTabSz="484632" rtl="0" eaLnBrk="1" latinLnBrk="0" hangingPunct="1">
         <a:lnSpc>
           <a:spcPct val="90000"/>
         </a:lnSpc>
@@ -2681,7 +2681,7 @@
           <a:spcPct val="0"/>
         </a:spcBef>
         <a:buNone/>
-        <a:defRPr sz="2200" kern="1200">
+        <a:defRPr sz="2332" kern="1200">
           <a:solidFill>
             <a:schemeClr val="tx1"/>
           </a:solidFill>
@@ -2692,16 +2692,16 @@
       </a:lvl1pPr>
     </p:titleStyle>
     <p:bodyStyle>
-      <a:lvl1pPr marL="114300" indent="-114300" algn="l" defTabSz="457200" rtl="0" eaLnBrk="1" latinLnBrk="0" hangingPunct="1">
+      <a:lvl1pPr marL="121158" indent="-121158" algn="l" defTabSz="484632" rtl="0" eaLnBrk="1" latinLnBrk="0" hangingPunct="1">
         <a:lnSpc>
           <a:spcPct val="90000"/>
         </a:lnSpc>
         <a:spcBef>
-          <a:spcPts val="500"/>
+          <a:spcPts val="530"/>
         </a:spcBef>
         <a:buFont typeface="Arial" panose="020B0604020202020204" pitchFamily="34" charset="0"/>
         <a:buChar char="•"/>
-        <a:defRPr sz="1400" kern="1200">
+        <a:defRPr sz="1484" kern="1200">
           <a:solidFill>
             <a:schemeClr val="tx1"/>
           </a:solidFill>
@@ -2710,16 +2710,16 @@
           <a:cs typeface="+mn-cs"/>
         </a:defRPr>
       </a:lvl1pPr>
-      <a:lvl2pPr marL="342900" indent="-114300" algn="l" defTabSz="457200" rtl="0" eaLnBrk="1" latinLnBrk="0" hangingPunct="1">
+      <a:lvl2pPr marL="363474" indent="-121158" algn="l" defTabSz="484632" rtl="0" eaLnBrk="1" latinLnBrk="0" hangingPunct="1">
         <a:lnSpc>
           <a:spcPct val="90000"/>
         </a:lnSpc>
         <a:spcBef>
-          <a:spcPts val="250"/>
+          <a:spcPts val="265"/>
         </a:spcBef>
         <a:buFont typeface="Arial" panose="020B0604020202020204" pitchFamily="34" charset="0"/>
         <a:buChar char="•"/>
-        <a:defRPr sz="1200" kern="1200">
+        <a:defRPr sz="1272" kern="1200">
           <a:solidFill>
             <a:schemeClr val="tx1"/>
           </a:solidFill>
@@ -2728,16 +2728,16 @@
           <a:cs typeface="+mn-cs"/>
         </a:defRPr>
       </a:lvl2pPr>
-      <a:lvl3pPr marL="571500" indent="-114300" algn="l" defTabSz="457200" rtl="0" eaLnBrk="1" latinLnBrk="0" hangingPunct="1">
+      <a:lvl3pPr marL="605790" indent="-121158" algn="l" defTabSz="484632" rtl="0" eaLnBrk="1" latinLnBrk="0" hangingPunct="1">
         <a:lnSpc>
           <a:spcPct val="90000"/>
         </a:lnSpc>
         <a:spcBef>
-          <a:spcPts val="250"/>
+          <a:spcPts val="265"/>
         </a:spcBef>
         <a:buFont typeface="Arial" panose="020B0604020202020204" pitchFamily="34" charset="0"/>
         <a:buChar char="•"/>
-        <a:defRPr sz="1000" kern="1200">
+        <a:defRPr sz="1060" kern="1200">
           <a:solidFill>
             <a:schemeClr val="tx1"/>
           </a:solidFill>
@@ -2746,16 +2746,16 @@
           <a:cs typeface="+mn-cs"/>
         </a:defRPr>
       </a:lvl3pPr>
-      <a:lvl4pPr marL="800100" indent="-114300" algn="l" defTabSz="457200" rtl="0" eaLnBrk="1" latinLnBrk="0" hangingPunct="1">
+      <a:lvl4pPr marL="848106" indent="-121158" algn="l" defTabSz="484632" rtl="0" eaLnBrk="1" latinLnBrk="0" hangingPunct="1">
         <a:lnSpc>
           <a:spcPct val="90000"/>
         </a:lnSpc>
         <a:spcBef>
-          <a:spcPts val="250"/>
+          <a:spcPts val="265"/>
         </a:spcBef>
         <a:buFont typeface="Arial" panose="020B0604020202020204" pitchFamily="34" charset="0"/>
         <a:buChar char="•"/>
-        <a:defRPr sz="900" kern="1200">
+        <a:defRPr sz="954" kern="1200">
           <a:solidFill>
             <a:schemeClr val="tx1"/>
           </a:solidFill>
@@ -2764,16 +2764,16 @@
           <a:cs typeface="+mn-cs"/>
         </a:defRPr>
       </a:lvl4pPr>
-      <a:lvl5pPr marL="1028700" indent="-114300" algn="l" defTabSz="457200" rtl="0" eaLnBrk="1" latinLnBrk="0" hangingPunct="1">
+      <a:lvl5pPr marL="1090422" indent="-121158" algn="l" defTabSz="484632" rtl="0" eaLnBrk="1" latinLnBrk="0" hangingPunct="1">
         <a:lnSpc>
           <a:spcPct val="90000"/>
         </a:lnSpc>
         <a:spcBef>
-          <a:spcPts val="250"/>
+          <a:spcPts val="265"/>
         </a:spcBef>
         <a:buFont typeface="Arial" panose="020B0604020202020204" pitchFamily="34" charset="0"/>
         <a:buChar char="•"/>
-        <a:defRPr sz="900" kern="1200">
+        <a:defRPr sz="954" kern="1200">
           <a:solidFill>
             <a:schemeClr val="tx1"/>
           </a:solidFill>
@@ -2782,16 +2782,16 @@
           <a:cs typeface="+mn-cs"/>
         </a:defRPr>
       </a:lvl5pPr>
-      <a:lvl6pPr marL="1257300" indent="-114300" algn="l" defTabSz="457200" rtl="0" eaLnBrk="1" latinLnBrk="0" hangingPunct="1">
+      <a:lvl6pPr marL="1332738" indent="-121158" algn="l" defTabSz="484632" rtl="0" eaLnBrk="1" latinLnBrk="0" hangingPunct="1">
         <a:lnSpc>
           <a:spcPct val="90000"/>
         </a:lnSpc>
         <a:spcBef>
-          <a:spcPts val="250"/>
+          <a:spcPts val="265"/>
         </a:spcBef>
         <a:buFont typeface="Arial" panose="020B0604020202020204" pitchFamily="34" charset="0"/>
         <a:buChar char="•"/>
-        <a:defRPr sz="900" kern="1200">
+        <a:defRPr sz="954" kern="1200">
           <a:solidFill>
             <a:schemeClr val="tx1"/>
           </a:solidFill>
@@ -2800,16 +2800,16 @@
           <a:cs typeface="+mn-cs"/>
         </a:defRPr>
       </a:lvl6pPr>
-      <a:lvl7pPr marL="1485900" indent="-114300" algn="l" defTabSz="457200" rtl="0" eaLnBrk="1" latinLnBrk="0" hangingPunct="1">
+      <a:lvl7pPr marL="1575054" indent="-121158" algn="l" defTabSz="484632" rtl="0" eaLnBrk="1" latinLnBrk="0" hangingPunct="1">
         <a:lnSpc>
           <a:spcPct val="90000"/>
         </a:lnSpc>
         <a:spcBef>
-          <a:spcPts val="250"/>
+          <a:spcPts val="265"/>
         </a:spcBef>
         <a:buFont typeface="Arial" panose="020B0604020202020204" pitchFamily="34" charset="0"/>
         <a:buChar char="•"/>
-        <a:defRPr sz="900" kern="1200">
+        <a:defRPr sz="954" kern="1200">
           <a:solidFill>
             <a:schemeClr val="tx1"/>
           </a:solidFill>
@@ -2818,16 +2818,16 @@
           <a:cs typeface="+mn-cs"/>
         </a:defRPr>
       </a:lvl7pPr>
-      <a:lvl8pPr marL="1714500" indent="-114300" algn="l" defTabSz="457200" rtl="0" eaLnBrk="1" latinLnBrk="0" hangingPunct="1">
+      <a:lvl8pPr marL="1817370" indent="-121158" algn="l" defTabSz="484632" rtl="0" eaLnBrk="1" latinLnBrk="0" hangingPunct="1">
         <a:lnSpc>
           <a:spcPct val="90000"/>
         </a:lnSpc>
         <a:spcBef>
-          <a:spcPts val="250"/>
+          <a:spcPts val="265"/>
         </a:spcBef>
         <a:buFont typeface="Arial" panose="020B0604020202020204" pitchFamily="34" charset="0"/>
         <a:buChar char="•"/>
-        <a:defRPr sz="900" kern="1200">
+        <a:defRPr sz="954" kern="1200">
           <a:solidFill>
             <a:schemeClr val="tx1"/>
           </a:solidFill>
@@ -2836,16 +2836,16 @@
           <a:cs typeface="+mn-cs"/>
         </a:defRPr>
       </a:lvl8pPr>
-      <a:lvl9pPr marL="1943100" indent="-114300" algn="l" defTabSz="457200" rtl="0" eaLnBrk="1" latinLnBrk="0" hangingPunct="1">
+      <a:lvl9pPr marL="2059686" indent="-121158" algn="l" defTabSz="484632" rtl="0" eaLnBrk="1" latinLnBrk="0" hangingPunct="1">
         <a:lnSpc>
           <a:spcPct val="90000"/>
         </a:lnSpc>
         <a:spcBef>
-          <a:spcPts val="250"/>
+          <a:spcPts val="265"/>
         </a:spcBef>
         <a:buFont typeface="Arial" panose="020B0604020202020204" pitchFamily="34" charset="0"/>
         <a:buChar char="•"/>
-        <a:defRPr sz="900" kern="1200">
+        <a:defRPr sz="954" kern="1200">
           <a:solidFill>
             <a:schemeClr val="tx1"/>
           </a:solidFill>
@@ -2859,8 +2859,8 @@
       <a:defPPr>
         <a:defRPr lang="en-US"/>
       </a:defPPr>
-      <a:lvl1pPr marL="0" algn="l" defTabSz="457200" rtl="0" eaLnBrk="1" latinLnBrk="0" hangingPunct="1">
-        <a:defRPr sz="900" kern="1200">
+      <a:lvl1pPr marL="0" algn="l" defTabSz="484632" rtl="0" eaLnBrk="1" latinLnBrk="0" hangingPunct="1">
+        <a:defRPr sz="954" kern="1200">
           <a:solidFill>
             <a:schemeClr val="tx1"/>
           </a:solidFill>
@@ -2869,8 +2869,8 @@
           <a:cs typeface="+mn-cs"/>
         </a:defRPr>
       </a:lvl1pPr>
-      <a:lvl2pPr marL="228600" algn="l" defTabSz="457200" rtl="0" eaLnBrk="1" latinLnBrk="0" hangingPunct="1">
-        <a:defRPr sz="900" kern="1200">
+      <a:lvl2pPr marL="242316" algn="l" defTabSz="484632" rtl="0" eaLnBrk="1" latinLnBrk="0" hangingPunct="1">
+        <a:defRPr sz="954" kern="1200">
           <a:solidFill>
             <a:schemeClr val="tx1"/>
           </a:solidFill>
@@ -2879,8 +2879,8 @@
           <a:cs typeface="+mn-cs"/>
         </a:defRPr>
       </a:lvl2pPr>
-      <a:lvl3pPr marL="457200" algn="l" defTabSz="457200" rtl="0" eaLnBrk="1" latinLnBrk="0" hangingPunct="1">
-        <a:defRPr sz="900" kern="1200">
+      <a:lvl3pPr marL="484632" algn="l" defTabSz="484632" rtl="0" eaLnBrk="1" latinLnBrk="0" hangingPunct="1">
+        <a:defRPr sz="954" kern="1200">
           <a:solidFill>
             <a:schemeClr val="tx1"/>
           </a:solidFill>
@@ -2889,8 +2889,8 @@
           <a:cs typeface="+mn-cs"/>
         </a:defRPr>
       </a:lvl3pPr>
-      <a:lvl4pPr marL="685800" algn="l" defTabSz="457200" rtl="0" eaLnBrk="1" latinLnBrk="0" hangingPunct="1">
-        <a:defRPr sz="900" kern="1200">
+      <a:lvl4pPr marL="726948" algn="l" defTabSz="484632" rtl="0" eaLnBrk="1" latinLnBrk="0" hangingPunct="1">
+        <a:defRPr sz="954" kern="1200">
           <a:solidFill>
             <a:schemeClr val="tx1"/>
           </a:solidFill>
@@ -2899,8 +2899,8 @@
           <a:cs typeface="+mn-cs"/>
         </a:defRPr>
       </a:lvl4pPr>
-      <a:lvl5pPr marL="914400" algn="l" defTabSz="457200" rtl="0" eaLnBrk="1" latinLnBrk="0" hangingPunct="1">
-        <a:defRPr sz="900" kern="1200">
+      <a:lvl5pPr marL="969264" algn="l" defTabSz="484632" rtl="0" eaLnBrk="1" latinLnBrk="0" hangingPunct="1">
+        <a:defRPr sz="954" kern="1200">
           <a:solidFill>
             <a:schemeClr val="tx1"/>
           </a:solidFill>
@@ -2909,8 +2909,8 @@
           <a:cs typeface="+mn-cs"/>
         </a:defRPr>
       </a:lvl5pPr>
-      <a:lvl6pPr marL="1143000" algn="l" defTabSz="457200" rtl="0" eaLnBrk="1" latinLnBrk="0" hangingPunct="1">
-        <a:defRPr sz="900" kern="1200">
+      <a:lvl6pPr marL="1211580" algn="l" defTabSz="484632" rtl="0" eaLnBrk="1" latinLnBrk="0" hangingPunct="1">
+        <a:defRPr sz="954" kern="1200">
           <a:solidFill>
             <a:schemeClr val="tx1"/>
           </a:solidFill>
@@ -2919,8 +2919,8 @@
           <a:cs typeface="+mn-cs"/>
         </a:defRPr>
       </a:lvl6pPr>
-      <a:lvl7pPr marL="1371600" algn="l" defTabSz="457200" rtl="0" eaLnBrk="1" latinLnBrk="0" hangingPunct="1">
-        <a:defRPr sz="900" kern="1200">
+      <a:lvl7pPr marL="1453896" algn="l" defTabSz="484632" rtl="0" eaLnBrk="1" latinLnBrk="0" hangingPunct="1">
+        <a:defRPr sz="954" kern="1200">
           <a:solidFill>
             <a:schemeClr val="tx1"/>
           </a:solidFill>
@@ -2929,8 +2929,8 @@
           <a:cs typeface="+mn-cs"/>
         </a:defRPr>
       </a:lvl7pPr>
-      <a:lvl8pPr marL="1600200" algn="l" defTabSz="457200" rtl="0" eaLnBrk="1" latinLnBrk="0" hangingPunct="1">
-        <a:defRPr sz="900" kern="1200">
+      <a:lvl8pPr marL="1696212" algn="l" defTabSz="484632" rtl="0" eaLnBrk="1" latinLnBrk="0" hangingPunct="1">
+        <a:defRPr sz="954" kern="1200">
           <a:solidFill>
             <a:schemeClr val="tx1"/>
           </a:solidFill>
@@ -2939,8 +2939,8 @@
           <a:cs typeface="+mn-cs"/>
         </a:defRPr>
       </a:lvl8pPr>
-      <a:lvl9pPr marL="1828800" algn="l" defTabSz="457200" rtl="0" eaLnBrk="1" latinLnBrk="0" hangingPunct="1">
-        <a:defRPr sz="900" kern="1200">
+      <a:lvl9pPr marL="1938528" algn="l" defTabSz="484632" rtl="0" eaLnBrk="1" latinLnBrk="0" hangingPunct="1">
+        <a:defRPr sz="954" kern="1200">
           <a:solidFill>
             <a:schemeClr val="tx1"/>
           </a:solidFill>
@@ -2992,7 +2992,7 @@
         </p:blipFill>
         <p:spPr>
           <a:xfrm>
-            <a:off x="60960" y="45720"/>
+            <a:off x="198279" y="45720"/>
             <a:ext cx="4511040" cy="3752064"/>
           </a:xfrm>
           <a:prstGeom prst="rect">
@@ -3000,76 +3000,6 @@
           </a:prstGeom>
         </p:spPr>
       </p:pic>
-      <p:cxnSp>
-        <p:nvCxnSpPr>
-          <p:cNvPr id="8" name="Straight Connector 7"/>
-          <p:cNvCxnSpPr/>
-          <p:nvPr/>
-        </p:nvCxnSpPr>
-        <p:spPr>
-          <a:xfrm flipV="1">
-            <a:off x="3286005" y="784115"/>
-            <a:ext cx="1230115" cy="5271"/>
-          </a:xfrm>
-          <a:prstGeom prst="line">
-            <a:avLst/>
-          </a:prstGeom>
-          <a:ln w="19050">
-            <a:solidFill>
-              <a:schemeClr val="tx1"/>
-            </a:solidFill>
-          </a:ln>
-        </p:spPr>
-        <p:style>
-          <a:lnRef idx="1">
-            <a:schemeClr val="accent1"/>
-          </a:lnRef>
-          <a:fillRef idx="0">
-            <a:schemeClr val="accent1"/>
-          </a:fillRef>
-          <a:effectRef idx="0">
-            <a:schemeClr val="accent1"/>
-          </a:effectRef>
-          <a:fontRef idx="minor">
-            <a:schemeClr val="tx1"/>
-          </a:fontRef>
-        </p:style>
-      </p:cxnSp>
-      <p:cxnSp>
-        <p:nvCxnSpPr>
-          <p:cNvPr id="9" name="Straight Connector 8"/>
-          <p:cNvCxnSpPr/>
-          <p:nvPr/>
-        </p:nvCxnSpPr>
-        <p:spPr>
-          <a:xfrm>
-            <a:off x="3302000" y="1555788"/>
-            <a:ext cx="1198125" cy="0"/>
-          </a:xfrm>
-          <a:prstGeom prst="line">
-            <a:avLst/>
-          </a:prstGeom>
-          <a:ln w="19050">
-            <a:solidFill>
-              <a:schemeClr val="tx1"/>
-            </a:solidFill>
-          </a:ln>
-        </p:spPr>
-        <p:style>
-          <a:lnRef idx="1">
-            <a:schemeClr val="accent1"/>
-          </a:lnRef>
-          <a:fillRef idx="0">
-            <a:schemeClr val="accent1"/>
-          </a:fillRef>
-          <a:effectRef idx="0">
-            <a:schemeClr val="accent1"/>
-          </a:effectRef>
-          <a:fontRef idx="minor">
-            <a:schemeClr val="tx1"/>
-          </a:fontRef>
-        </p:style>
-      </p:cxnSp>
       <p:sp>
         <p:nvSpPr>
           <p:cNvPr id="42" name="Rectangle 41"/>
@@ -3078,7 +3008,7 @@
         </p:nvSpPr>
         <p:spPr>
           <a:xfrm>
-            <a:off x="1127760" y="38252"/>
+            <a:off x="1265079" y="38253"/>
             <a:ext cx="2743200" cy="211167"/>
           </a:xfrm>
           <a:prstGeom prst="rect">
@@ -3126,7 +3056,7 @@
         </p:nvSpPr>
         <p:spPr>
           <a:xfrm>
-            <a:off x="1676400" y="38252"/>
+            <a:off x="1813719" y="38252"/>
             <a:ext cx="2839720" cy="2369668"/>
           </a:xfrm>
           <a:prstGeom prst="rect">
@@ -3166,886 +3096,682 @@
       </p:sp>
       <p:grpSp>
         <p:nvGrpSpPr>
-          <p:cNvPr id="50" name="Group 49"/>
+          <p:cNvPr id="28" name="Group 27"/>
           <p:cNvGrpSpPr/>
           <p:nvPr/>
         </p:nvGrpSpPr>
         <p:grpSpPr>
           <a:xfrm>
-            <a:off x="1660405" y="-52554"/>
-            <a:ext cx="1670945" cy="2460474"/>
-            <a:chOff x="4572000" y="821206"/>
-            <a:chExt cx="1670945" cy="2460474"/>
+            <a:off x="1818049" y="41327"/>
+            <a:ext cx="1912706" cy="2366594"/>
+            <a:chOff x="1676400" y="350520"/>
+            <a:chExt cx="1625600" cy="2057400"/>
           </a:xfrm>
         </p:grpSpPr>
-        <p:grpSp>
-          <p:nvGrpSpPr>
-            <p:cNvPr id="31" name="Group 30"/>
-            <p:cNvGrpSpPr/>
+        <p:sp>
+          <p:nvSpPr>
+            <p:cNvPr id="26" name="Rectangle 25"/>
+            <p:cNvSpPr/>
             <p:nvPr/>
-          </p:nvGrpSpPr>
-          <p:grpSpPr>
+          </p:nvSpPr>
+          <p:spPr>
             <a:xfrm>
-              <a:off x="4572000" y="912012"/>
-              <a:ext cx="1625600" cy="2369668"/>
-              <a:chOff x="4398439" y="424549"/>
-              <a:chExt cx="1625600" cy="2057400"/>
+              <a:off x="1676400" y="1558145"/>
+              <a:ext cx="1625600" cy="849775"/>
             </a:xfrm>
-          </p:grpSpPr>
-          <p:grpSp>
-            <p:nvGrpSpPr>
-              <p:cNvPr id="28" name="Group 27"/>
-              <p:cNvGrpSpPr/>
-              <p:nvPr/>
-            </p:nvGrpSpPr>
-            <p:grpSpPr>
-              <a:xfrm>
-                <a:off x="4398439" y="424549"/>
-                <a:ext cx="1625600" cy="2057400"/>
-                <a:chOff x="1676400" y="350520"/>
-                <a:chExt cx="1625600" cy="2057400"/>
-              </a:xfrm>
-            </p:grpSpPr>
-            <p:sp>
-              <p:nvSpPr>
-                <p:cNvPr id="26" name="Rectangle 25"/>
-                <p:cNvSpPr/>
-                <p:nvPr/>
-              </p:nvSpPr>
-              <p:spPr>
-                <a:xfrm>
-                  <a:off x="1676400" y="1558145"/>
-                  <a:ext cx="1625600" cy="849775"/>
-                </a:xfrm>
-                <a:prstGeom prst="rect">
-                  <a:avLst/>
-                </a:prstGeom>
-                <a:blipFill>
-                  <a:blip r:embed="rId3"/>
-                  <a:tile tx="0" ty="0" sx="100000" sy="100000" flip="none" algn="tl"/>
-                </a:blipFill>
-                <a:ln>
-                  <a:solidFill>
-                    <a:schemeClr val="tx1"/>
-                  </a:solidFill>
-                </a:ln>
-              </p:spPr>
-              <p:style>
-                <a:lnRef idx="2">
-                  <a:schemeClr val="accent1">
-                    <a:shade val="50000"/>
-                  </a:schemeClr>
-                </a:lnRef>
-                <a:fillRef idx="1">
-                  <a:schemeClr val="accent1"/>
-                </a:fillRef>
-                <a:effectRef idx="0">
-                  <a:schemeClr val="accent1"/>
-                </a:effectRef>
-                <a:fontRef idx="minor">
-                  <a:schemeClr val="lt1"/>
-                </a:fontRef>
-              </p:style>
-              <p:txBody>
-                <a:bodyPr rtlCol="0" anchor="ctr"/>
-                <a:lstStyle/>
-                <a:p>
-                  <a:pPr algn="ctr"/>
-                  <a:endParaRPr lang="en-US"/>
-                </a:p>
-              </p:txBody>
-            </p:sp>
-            <p:sp>
-              <p:nvSpPr>
-                <p:cNvPr id="27" name="Rectangle 26"/>
-                <p:cNvSpPr/>
-                <p:nvPr/>
-              </p:nvSpPr>
-              <p:spPr>
-                <a:xfrm>
-                  <a:off x="1676400" y="350520"/>
-                  <a:ext cx="1625600" cy="1207625"/>
-                </a:xfrm>
-                <a:prstGeom prst="rect">
-                  <a:avLst/>
-                </a:prstGeom>
-                <a:gradFill flip="none" rotWithShape="1">
-                  <a:gsLst>
-                    <a:gs pos="0">
-                      <a:schemeClr val="accent1"/>
-                    </a:gs>
-                    <a:gs pos="74000">
-                      <a:schemeClr val="accent1">
-                        <a:lumMod val="45000"/>
-                        <a:lumOff val="55000"/>
-                      </a:schemeClr>
-                    </a:gs>
-                    <a:gs pos="83000">
-                      <a:schemeClr val="accent1">
-                        <a:lumMod val="45000"/>
-                        <a:lumOff val="55000"/>
-                      </a:schemeClr>
-                    </a:gs>
-                    <a:gs pos="100000">
-                      <a:schemeClr val="accent1">
-                        <a:lumMod val="30000"/>
-                        <a:lumOff val="70000"/>
-                      </a:schemeClr>
-                    </a:gs>
-                  </a:gsLst>
-                  <a:path path="circle">
-                    <a:fillToRect l="50000" t="50000" r="50000" b="50000"/>
-                  </a:path>
-                  <a:tileRect/>
-                </a:gradFill>
-                <a:ln>
-                  <a:solidFill>
-                    <a:schemeClr val="tx1"/>
-                  </a:solidFill>
-                </a:ln>
-              </p:spPr>
-              <p:style>
-                <a:lnRef idx="2">
-                  <a:schemeClr val="accent1">
-                    <a:shade val="50000"/>
-                  </a:schemeClr>
-                </a:lnRef>
-                <a:fillRef idx="1">
-                  <a:schemeClr val="accent1"/>
-                </a:fillRef>
-                <a:effectRef idx="0">
-                  <a:schemeClr val="accent1"/>
-                </a:effectRef>
-                <a:fontRef idx="minor">
-                  <a:schemeClr val="lt1"/>
-                </a:fontRef>
-              </p:style>
-              <p:txBody>
-                <a:bodyPr rtlCol="0" anchor="ctr"/>
-                <a:lstStyle/>
-                <a:p>
-                  <a:pPr algn="ctr"/>
-                  <a:endParaRPr lang="en-US"/>
-                </a:p>
-              </p:txBody>
-            </p:sp>
-          </p:grpSp>
-          <p:grpSp>
-            <p:nvGrpSpPr>
-              <p:cNvPr id="11" name="Group 10"/>
-              <p:cNvGrpSpPr/>
-              <p:nvPr/>
-            </p:nvGrpSpPr>
-            <p:grpSpPr>
-              <a:xfrm>
-                <a:off x="4454319" y="692993"/>
-                <a:ext cx="1415778" cy="1150799"/>
-                <a:chOff x="2504255" y="2959892"/>
-                <a:chExt cx="2875742" cy="1960174"/>
-              </a:xfrm>
-            </p:grpSpPr>
-            <p:pic>
-              <p:nvPicPr>
-                <p:cNvPr id="12" name="Picture 2" descr="https://cdn0.iconfinder.com/data/icons/drone-applications/512/cargo_drone-512.png"/>
-                <p:cNvPicPr>
-                  <a:picLocks noChangeAspect="1" noChangeArrowheads="1"/>
-                </p:cNvPicPr>
-                <p:nvPr/>
-              </p:nvPicPr>
-              <p:blipFill rotWithShape="1">
-                <a:blip r:embed="rId4" cstate="print">
-                  <a:extLst>
-                    <a:ext uri="{28A0092B-C50C-407E-A947-70E740481C1C}">
-                      <a14:useLocalDpi xmlns:a14="http://schemas.microsoft.com/office/drawing/2010/main" val="0"/>
-                    </a:ext>
-                  </a:extLst>
-                </a:blip>
-                <a:srcRect t="21733" b="20858"/>
-                <a:stretch/>
-              </p:blipFill>
-              <p:spPr bwMode="auto">
-                <a:xfrm>
-                  <a:off x="2504255" y="2959892"/>
-                  <a:ext cx="2875742" cy="1650935"/>
-                </a:xfrm>
-                <a:prstGeom prst="rect">
-                  <a:avLst/>
-                </a:prstGeom>
-                <a:noFill/>
-                <a:extLst>
-                  <a:ext uri="{909E8E84-426E-40DD-AFC4-6F175D3DCCD1}">
-                    <a14:hiddenFill xmlns:a14="http://schemas.microsoft.com/office/drawing/2010/main">
-                      <a:solidFill>
-                        <a:srgbClr val="FFFFFF"/>
-                      </a:solidFill>
-                    </a14:hiddenFill>
-                  </a:ext>
-                </a:extLst>
-              </p:spPr>
-            </p:pic>
-            <p:grpSp>
-              <p:nvGrpSpPr>
-                <p:cNvPr id="13" name="Group 12"/>
-                <p:cNvGrpSpPr/>
-                <p:nvPr/>
-              </p:nvGrpSpPr>
-              <p:grpSpPr>
-                <a:xfrm>
-                  <a:off x="3354646" y="3907343"/>
-                  <a:ext cx="294968" cy="1012723"/>
-                  <a:chOff x="3570954" y="4719473"/>
-                  <a:chExt cx="294968" cy="1012723"/>
-                </a:xfrm>
-              </p:grpSpPr>
-              <p:sp>
-                <p:nvSpPr>
-                  <p:cNvPr id="24" name="Rounded Rectangle 23"/>
-                  <p:cNvSpPr/>
-                  <p:nvPr/>
-                </p:nvSpPr>
-                <p:spPr>
-                  <a:xfrm>
-                    <a:off x="3570954" y="4719473"/>
-                    <a:ext cx="294968" cy="521110"/>
-                  </a:xfrm>
-                  <a:prstGeom prst="roundRect">
-                    <a:avLst/>
-                  </a:prstGeom>
-                  <a:solidFill>
-                    <a:srgbClr val="FFC000"/>
-                  </a:solidFill>
-                </p:spPr>
-                <p:style>
-                  <a:lnRef idx="2">
-                    <a:schemeClr val="accent1">
-                      <a:shade val="50000"/>
-                    </a:schemeClr>
-                  </a:lnRef>
-                  <a:fillRef idx="1">
-                    <a:schemeClr val="accent1"/>
-                  </a:fillRef>
-                  <a:effectRef idx="0">
-                    <a:schemeClr val="accent1"/>
-                  </a:effectRef>
-                  <a:fontRef idx="minor">
-                    <a:schemeClr val="lt1"/>
-                  </a:fontRef>
-                </p:style>
-                <p:txBody>
-                  <a:bodyPr rtlCol="0" anchor="ctr"/>
-                  <a:lstStyle/>
-                  <a:p>
-                    <a:pPr algn="ctr"/>
-                    <a:endParaRPr lang="en-US"/>
-                  </a:p>
-                </p:txBody>
-              </p:sp>
-              <p:sp>
-                <p:nvSpPr>
-                  <p:cNvPr id="25" name="Isosceles Triangle 24"/>
-                  <p:cNvSpPr/>
-                  <p:nvPr/>
-                </p:nvSpPr>
-                <p:spPr>
-                  <a:xfrm flipV="1">
-                    <a:off x="3669277" y="5240583"/>
-                    <a:ext cx="98322" cy="491613"/>
-                  </a:xfrm>
-                  <a:prstGeom prst="triangle">
-                    <a:avLst/>
-                  </a:prstGeom>
-                  <a:solidFill>
-                    <a:schemeClr val="tx1"/>
-                  </a:solidFill>
-                  <a:ln>
-                    <a:solidFill>
-                      <a:schemeClr val="tx1"/>
-                    </a:solidFill>
-                  </a:ln>
-                </p:spPr>
-                <p:style>
-                  <a:lnRef idx="2">
-                    <a:schemeClr val="accent1">
-                      <a:shade val="50000"/>
-                    </a:schemeClr>
-                  </a:lnRef>
-                  <a:fillRef idx="1">
-                    <a:schemeClr val="accent1"/>
-                  </a:fillRef>
-                  <a:effectRef idx="0">
-                    <a:schemeClr val="accent1"/>
-                  </a:effectRef>
-                  <a:fontRef idx="minor">
-                    <a:schemeClr val="lt1"/>
-                  </a:fontRef>
-                </p:style>
-                <p:txBody>
-                  <a:bodyPr rtlCol="0" anchor="ctr"/>
-                  <a:lstStyle/>
-                  <a:p>
-                    <a:pPr algn="ctr"/>
-                    <a:endParaRPr lang="en-US"/>
-                  </a:p>
-                </p:txBody>
-              </p:sp>
-            </p:grpSp>
-            <p:grpSp>
-              <p:nvGrpSpPr>
-                <p:cNvPr id="14" name="Group 13"/>
-                <p:cNvGrpSpPr/>
-                <p:nvPr/>
-              </p:nvGrpSpPr>
-              <p:grpSpPr>
-                <a:xfrm>
-                  <a:off x="3644106" y="3901702"/>
-                  <a:ext cx="294968" cy="1012723"/>
-                  <a:chOff x="3570954" y="4719473"/>
-                  <a:chExt cx="294968" cy="1012723"/>
-                </a:xfrm>
-              </p:grpSpPr>
-              <p:sp>
-                <p:nvSpPr>
-                  <p:cNvPr id="22" name="Rounded Rectangle 21"/>
-                  <p:cNvSpPr/>
-                  <p:nvPr/>
-                </p:nvSpPr>
-                <p:spPr>
-                  <a:xfrm>
-                    <a:off x="3570954" y="4719473"/>
-                    <a:ext cx="294968" cy="521110"/>
-                  </a:xfrm>
-                  <a:prstGeom prst="roundRect">
-                    <a:avLst/>
-                  </a:prstGeom>
-                  <a:solidFill>
-                    <a:srgbClr val="FFC000"/>
-                  </a:solidFill>
-                </p:spPr>
-                <p:style>
-                  <a:lnRef idx="2">
-                    <a:schemeClr val="accent1">
-                      <a:shade val="50000"/>
-                    </a:schemeClr>
-                  </a:lnRef>
-                  <a:fillRef idx="1">
-                    <a:schemeClr val="accent1"/>
-                  </a:fillRef>
-                  <a:effectRef idx="0">
-                    <a:schemeClr val="accent1"/>
-                  </a:effectRef>
-                  <a:fontRef idx="minor">
-                    <a:schemeClr val="lt1"/>
-                  </a:fontRef>
-                </p:style>
-                <p:txBody>
-                  <a:bodyPr rtlCol="0" anchor="ctr"/>
-                  <a:lstStyle/>
-                  <a:p>
-                    <a:pPr algn="ctr"/>
-                    <a:endParaRPr lang="en-US"/>
-                  </a:p>
-                </p:txBody>
-              </p:sp>
-              <p:sp>
-                <p:nvSpPr>
-                  <p:cNvPr id="23" name="Isosceles Triangle 22"/>
-                  <p:cNvSpPr/>
-                  <p:nvPr/>
-                </p:nvSpPr>
-                <p:spPr>
-                  <a:xfrm flipV="1">
-                    <a:off x="3669277" y="5240583"/>
-                    <a:ext cx="98322" cy="491613"/>
-                  </a:xfrm>
-                  <a:prstGeom prst="triangle">
-                    <a:avLst/>
-                  </a:prstGeom>
-                  <a:solidFill>
-                    <a:schemeClr val="tx1"/>
-                  </a:solidFill>
-                  <a:ln>
-                    <a:solidFill>
-                      <a:schemeClr val="tx1"/>
-                    </a:solidFill>
-                  </a:ln>
-                </p:spPr>
-                <p:style>
-                  <a:lnRef idx="2">
-                    <a:schemeClr val="accent1">
-                      <a:shade val="50000"/>
-                    </a:schemeClr>
-                  </a:lnRef>
-                  <a:fillRef idx="1">
-                    <a:schemeClr val="accent1"/>
-                  </a:fillRef>
-                  <a:effectRef idx="0">
-                    <a:schemeClr val="accent1"/>
-                  </a:effectRef>
-                  <a:fontRef idx="minor">
-                    <a:schemeClr val="lt1"/>
-                  </a:fontRef>
-                </p:style>
-                <p:txBody>
-                  <a:bodyPr rtlCol="0" anchor="ctr"/>
-                  <a:lstStyle/>
-                  <a:p>
-                    <a:pPr algn="ctr"/>
-                    <a:endParaRPr lang="en-US"/>
-                  </a:p>
-                </p:txBody>
-              </p:sp>
-            </p:grpSp>
-            <p:grpSp>
-              <p:nvGrpSpPr>
-                <p:cNvPr id="15" name="Group 14"/>
-                <p:cNvGrpSpPr/>
-                <p:nvPr/>
-              </p:nvGrpSpPr>
-              <p:grpSpPr>
-                <a:xfrm>
-                  <a:off x="3944783" y="3894772"/>
-                  <a:ext cx="294968" cy="1012723"/>
-                  <a:chOff x="3570954" y="4719473"/>
-                  <a:chExt cx="294968" cy="1012723"/>
-                </a:xfrm>
-              </p:grpSpPr>
-              <p:sp>
-                <p:nvSpPr>
-                  <p:cNvPr id="20" name="Rounded Rectangle 19"/>
-                  <p:cNvSpPr/>
-                  <p:nvPr/>
-                </p:nvSpPr>
-                <p:spPr>
-                  <a:xfrm>
-                    <a:off x="3570954" y="4719473"/>
-                    <a:ext cx="294968" cy="521110"/>
-                  </a:xfrm>
-                  <a:prstGeom prst="roundRect">
-                    <a:avLst/>
-                  </a:prstGeom>
-                  <a:solidFill>
-                    <a:srgbClr val="FFC000"/>
-                  </a:solidFill>
-                </p:spPr>
-                <p:style>
-                  <a:lnRef idx="2">
-                    <a:schemeClr val="accent1">
-                      <a:shade val="50000"/>
-                    </a:schemeClr>
-                  </a:lnRef>
-                  <a:fillRef idx="1">
-                    <a:schemeClr val="accent1"/>
-                  </a:fillRef>
-                  <a:effectRef idx="0">
-                    <a:schemeClr val="accent1"/>
-                  </a:effectRef>
-                  <a:fontRef idx="minor">
-                    <a:schemeClr val="lt1"/>
-                  </a:fontRef>
-                </p:style>
-                <p:txBody>
-                  <a:bodyPr rtlCol="0" anchor="ctr"/>
-                  <a:lstStyle/>
-                  <a:p>
-                    <a:pPr algn="ctr"/>
-                    <a:endParaRPr lang="en-US"/>
-                  </a:p>
-                </p:txBody>
-              </p:sp>
-              <p:sp>
-                <p:nvSpPr>
-                  <p:cNvPr id="21" name="Isosceles Triangle 20"/>
-                  <p:cNvSpPr/>
-                  <p:nvPr/>
-                </p:nvSpPr>
-                <p:spPr>
-                  <a:xfrm flipV="1">
-                    <a:off x="3669277" y="5240583"/>
-                    <a:ext cx="98322" cy="491613"/>
-                  </a:xfrm>
-                  <a:prstGeom prst="triangle">
-                    <a:avLst/>
-                  </a:prstGeom>
-                  <a:solidFill>
-                    <a:schemeClr val="tx1"/>
-                  </a:solidFill>
-                  <a:ln>
-                    <a:solidFill>
-                      <a:schemeClr val="tx1"/>
-                    </a:solidFill>
-                  </a:ln>
-                </p:spPr>
-                <p:style>
-                  <a:lnRef idx="2">
-                    <a:schemeClr val="accent1">
-                      <a:shade val="50000"/>
-                    </a:schemeClr>
-                  </a:lnRef>
-                  <a:fillRef idx="1">
-                    <a:schemeClr val="accent1"/>
-                  </a:fillRef>
-                  <a:effectRef idx="0">
-                    <a:schemeClr val="accent1"/>
-                  </a:effectRef>
-                  <a:fontRef idx="minor">
-                    <a:schemeClr val="lt1"/>
-                  </a:fontRef>
-                </p:style>
-                <p:txBody>
-                  <a:bodyPr rtlCol="0" anchor="ctr"/>
-                  <a:lstStyle/>
-                  <a:p>
-                    <a:pPr algn="ctr"/>
-                    <a:endParaRPr lang="en-US"/>
-                  </a:p>
-                </p:txBody>
-              </p:sp>
-            </p:grpSp>
-            <p:grpSp>
-              <p:nvGrpSpPr>
-                <p:cNvPr id="16" name="Group 15"/>
-                <p:cNvGrpSpPr/>
-                <p:nvPr/>
-              </p:nvGrpSpPr>
-              <p:grpSpPr>
-                <a:xfrm>
-                  <a:off x="4225744" y="3894680"/>
-                  <a:ext cx="294968" cy="1012723"/>
-                  <a:chOff x="3570954" y="4719473"/>
-                  <a:chExt cx="294968" cy="1012723"/>
-                </a:xfrm>
-              </p:grpSpPr>
-              <p:sp>
-                <p:nvSpPr>
-                  <p:cNvPr id="18" name="Rounded Rectangle 17"/>
-                  <p:cNvSpPr/>
-                  <p:nvPr/>
-                </p:nvSpPr>
-                <p:spPr>
-                  <a:xfrm>
-                    <a:off x="3570954" y="4719473"/>
-                    <a:ext cx="294968" cy="521110"/>
-                  </a:xfrm>
-                  <a:prstGeom prst="roundRect">
-                    <a:avLst/>
-                  </a:prstGeom>
-                  <a:solidFill>
-                    <a:srgbClr val="FFC000"/>
-                  </a:solidFill>
-                </p:spPr>
-                <p:style>
-                  <a:lnRef idx="2">
-                    <a:schemeClr val="accent1">
-                      <a:shade val="50000"/>
-                    </a:schemeClr>
-                  </a:lnRef>
-                  <a:fillRef idx="1">
-                    <a:schemeClr val="accent1"/>
-                  </a:fillRef>
-                  <a:effectRef idx="0">
-                    <a:schemeClr val="accent1"/>
-                  </a:effectRef>
-                  <a:fontRef idx="minor">
-                    <a:schemeClr val="lt1"/>
-                  </a:fontRef>
-                </p:style>
-                <p:txBody>
-                  <a:bodyPr rtlCol="0" anchor="ctr"/>
-                  <a:lstStyle/>
-                  <a:p>
-                    <a:pPr algn="ctr"/>
-                    <a:endParaRPr lang="en-US"/>
-                  </a:p>
-                </p:txBody>
-              </p:sp>
-              <p:sp>
-                <p:nvSpPr>
-                  <p:cNvPr id="19" name="Isosceles Triangle 18"/>
-                  <p:cNvSpPr/>
-                  <p:nvPr/>
-                </p:nvSpPr>
-                <p:spPr>
-                  <a:xfrm flipV="1">
-                    <a:off x="3669277" y="5240583"/>
-                    <a:ext cx="98322" cy="491613"/>
-                  </a:xfrm>
-                  <a:prstGeom prst="triangle">
-                    <a:avLst/>
-                  </a:prstGeom>
-                  <a:solidFill>
-                    <a:schemeClr val="tx1"/>
-                  </a:solidFill>
-                  <a:ln>
-                    <a:solidFill>
-                      <a:schemeClr val="tx1"/>
-                    </a:solidFill>
-                  </a:ln>
-                </p:spPr>
-                <p:style>
-                  <a:lnRef idx="2">
-                    <a:schemeClr val="accent1">
-                      <a:shade val="50000"/>
-                    </a:schemeClr>
-                  </a:lnRef>
-                  <a:fillRef idx="1">
-                    <a:schemeClr val="accent1"/>
-                  </a:fillRef>
-                  <a:effectRef idx="0">
-                    <a:schemeClr val="accent1"/>
-                  </a:effectRef>
-                  <a:fontRef idx="minor">
-                    <a:schemeClr val="lt1"/>
-                  </a:fontRef>
-                </p:style>
-                <p:txBody>
-                  <a:bodyPr rtlCol="0" anchor="ctr"/>
-                  <a:lstStyle/>
-                  <a:p>
-                    <a:pPr algn="ctr"/>
-                    <a:endParaRPr lang="en-US"/>
-                  </a:p>
-                </p:txBody>
-              </p:sp>
-            </p:grpSp>
-            <p:sp>
-              <p:nvSpPr>
-                <p:cNvPr id="17" name="Rectangle 16"/>
-                <p:cNvSpPr/>
-                <p:nvPr/>
-              </p:nvSpPr>
-              <p:spPr>
-                <a:xfrm>
-                  <a:off x="3387012" y="3777876"/>
-                  <a:ext cx="1133700" cy="104176"/>
-                </a:xfrm>
-                <a:prstGeom prst="rect">
-                  <a:avLst/>
-                </a:prstGeom>
-                <a:solidFill>
-                  <a:srgbClr val="FF0000"/>
-                </a:solidFill>
-              </p:spPr>
-              <p:style>
-                <a:lnRef idx="2">
-                  <a:schemeClr val="accent1">
-                    <a:shade val="50000"/>
-                  </a:schemeClr>
-                </a:lnRef>
-                <a:fillRef idx="1">
-                  <a:schemeClr val="accent1"/>
-                </a:fillRef>
-                <a:effectRef idx="0">
-                  <a:schemeClr val="accent1"/>
-                </a:effectRef>
-                <a:fontRef idx="minor">
-                  <a:schemeClr val="lt1"/>
-                </a:fontRef>
-              </p:style>
-              <p:txBody>
-                <a:bodyPr rtlCol="0" anchor="ctr"/>
-                <a:lstStyle/>
-                <a:p>
-                  <a:pPr algn="ctr"/>
-                  <a:endParaRPr lang="en-US"/>
-                </a:p>
-              </p:txBody>
-            </p:sp>
-          </p:grpSp>
-        </p:grpSp>
-        <p:cxnSp>
-          <p:nvCxnSpPr>
-            <p:cNvPr id="34" name="Straight Connector 33"/>
-            <p:cNvCxnSpPr/>
-            <p:nvPr/>
-          </p:nvCxnSpPr>
-          <p:spPr>
-            <a:xfrm flipV="1">
-              <a:off x="5662127" y="2272273"/>
-              <a:ext cx="306544" cy="778"/>
-            </a:xfrm>
-            <a:prstGeom prst="line">
+            <a:prstGeom prst="rect">
               <a:avLst/>
             </a:prstGeom>
-            <a:ln w="28575">
+            <a:blipFill>
+              <a:blip r:embed="rId3"/>
+              <a:tile tx="0" ty="0" sx="100000" sy="100000" flip="none" algn="tl"/>
+            </a:blipFill>
+            <a:ln>
               <a:solidFill>
-                <a:srgbClr val="FF0000"/>
+                <a:schemeClr val="tx1"/>
               </a:solidFill>
             </a:ln>
           </p:spPr>
           <p:style>
-            <a:lnRef idx="1">
-              <a:schemeClr val="accent1"/>
+            <a:lnRef idx="2">
+              <a:schemeClr val="accent1">
+                <a:shade val="50000"/>
+              </a:schemeClr>
             </a:lnRef>
-            <a:fillRef idx="0">
+            <a:fillRef idx="1">
               <a:schemeClr val="accent1"/>
             </a:fillRef>
             <a:effectRef idx="0">
               <a:schemeClr val="accent1"/>
             </a:effectRef>
             <a:fontRef idx="minor">
-              <a:schemeClr val="tx1"/>
+              <a:schemeClr val="lt1"/>
             </a:fontRef>
           </p:style>
-        </p:cxnSp>
-        <p:cxnSp>
-          <p:nvCxnSpPr>
-            <p:cNvPr id="36" name="Straight Connector 35"/>
-            <p:cNvCxnSpPr/>
+          <p:txBody>
+            <a:bodyPr rtlCol="0" anchor="ctr"/>
+            <a:lstStyle/>
+            <a:p>
+              <a:pPr algn="ctr"/>
+              <a:endParaRPr lang="en-US"/>
+            </a:p>
+          </p:txBody>
+        </p:sp>
+        <p:sp>
+          <p:nvSpPr>
+            <p:cNvPr id="27" name="Rectangle 26"/>
+            <p:cNvSpPr/>
             <p:nvPr/>
-          </p:nvCxnSpPr>
+          </p:nvSpPr>
           <p:spPr>
             <a:xfrm>
-              <a:off x="5071761" y="2616200"/>
-              <a:ext cx="896910" cy="0"/>
+              <a:off x="1676400" y="350520"/>
+              <a:ext cx="1625600" cy="1207625"/>
             </a:xfrm>
-            <a:prstGeom prst="line">
+            <a:prstGeom prst="rect">
               <a:avLst/>
             </a:prstGeom>
-            <a:ln w="28575">
+            <a:gradFill flip="none" rotWithShape="1">
+              <a:gsLst>
+                <a:gs pos="0">
+                  <a:schemeClr val="accent1"/>
+                </a:gs>
+                <a:gs pos="74000">
+                  <a:schemeClr val="accent1">
+                    <a:lumMod val="45000"/>
+                    <a:lumOff val="55000"/>
+                  </a:schemeClr>
+                </a:gs>
+                <a:gs pos="83000">
+                  <a:schemeClr val="accent1">
+                    <a:lumMod val="45000"/>
+                    <a:lumOff val="55000"/>
+                  </a:schemeClr>
+                </a:gs>
+                <a:gs pos="100000">
+                  <a:schemeClr val="accent1">
+                    <a:lumMod val="30000"/>
+                    <a:lumOff val="70000"/>
+                  </a:schemeClr>
+                </a:gs>
+              </a:gsLst>
+              <a:path path="circle">
+                <a:fillToRect l="50000" t="50000" r="50000" b="50000"/>
+              </a:path>
+              <a:tileRect/>
+            </a:gradFill>
+            <a:ln>
               <a:solidFill>
-                <a:srgbClr val="FF0000"/>
+                <a:schemeClr val="tx1"/>
               </a:solidFill>
             </a:ln>
           </p:spPr>
           <p:style>
-            <a:lnRef idx="1">
-              <a:schemeClr val="accent1"/>
+            <a:lnRef idx="2">
+              <a:schemeClr val="accent1">
+                <a:shade val="50000"/>
+              </a:schemeClr>
             </a:lnRef>
-            <a:fillRef idx="0">
+            <a:fillRef idx="1">
               <a:schemeClr val="accent1"/>
             </a:fillRef>
             <a:effectRef idx="0">
               <a:schemeClr val="accent1"/>
             </a:effectRef>
             <a:fontRef idx="minor">
-              <a:schemeClr val="tx1"/>
+              <a:schemeClr val="lt1"/>
             </a:fontRef>
           </p:style>
-        </p:cxnSp>
-        <p:cxnSp>
-          <p:nvCxnSpPr>
-            <p:cNvPr id="39" name="Straight Arrow Connector 38"/>
-            <p:cNvCxnSpPr/>
+          <p:txBody>
+            <a:bodyPr rtlCol="0" anchor="ctr"/>
+            <a:lstStyle/>
+            <a:p>
+              <a:pPr algn="ctr"/>
+              <a:endParaRPr lang="en-US"/>
+            </a:p>
+          </p:txBody>
+        </p:sp>
+      </p:grpSp>
+      <p:grpSp>
+        <p:nvGrpSpPr>
+          <p:cNvPr id="11" name="Group 10"/>
+          <p:cNvGrpSpPr>
+            <a:grpSpLocks noChangeAspect="1"/>
+          </p:cNvGrpSpPr>
+          <p:nvPr/>
+        </p:nvGrpSpPr>
+        <p:grpSpPr>
+          <a:xfrm>
+            <a:off x="2198464" y="882715"/>
+            <a:ext cx="988435" cy="680743"/>
+            <a:chOff x="2504255" y="2959892"/>
+            <a:chExt cx="2875742" cy="1960174"/>
+          </a:xfrm>
+        </p:grpSpPr>
+        <p:pic>
+          <p:nvPicPr>
+            <p:cNvPr id="12" name="Picture 2" descr="https://cdn0.iconfinder.com/data/icons/drone-applications/512/cargo_drone-512.png"/>
+            <p:cNvPicPr>
+              <a:picLocks noChangeAspect="1" noChangeArrowheads="1"/>
+            </p:cNvPicPr>
             <p:nvPr/>
-          </p:nvCxnSpPr>
+          </p:nvPicPr>
+          <p:blipFill rotWithShape="1">
+            <a:blip r:embed="rId4" cstate="print">
+              <a:extLst>
+                <a:ext uri="{28A0092B-C50C-407E-A947-70E740481C1C}">
+                  <a14:useLocalDpi xmlns:a14="http://schemas.microsoft.com/office/drawing/2010/main" val="0"/>
+                </a:ext>
+              </a:extLst>
+            </a:blip>
+            <a:srcRect t="21733" b="20858"/>
+            <a:stretch/>
+          </p:blipFill>
+          <p:spPr bwMode="auto">
+            <a:xfrm>
+              <a:off x="2504255" y="2959892"/>
+              <a:ext cx="2875742" cy="1650935"/>
+            </a:xfrm>
+            <a:prstGeom prst="rect">
+              <a:avLst/>
+            </a:prstGeom>
+            <a:noFill/>
+            <a:extLst>
+              <a:ext uri="{909E8E84-426E-40DD-AFC4-6F175D3DCCD1}">
+                <a14:hiddenFill xmlns:a14="http://schemas.microsoft.com/office/drawing/2010/main">
+                  <a:solidFill>
+                    <a:srgbClr val="FFFFFF"/>
+                  </a:solidFill>
+                </a14:hiddenFill>
+              </a:ext>
+            </a:extLst>
+          </p:spPr>
+        </p:pic>
+        <p:grpSp>
+          <p:nvGrpSpPr>
+            <p:cNvPr id="13" name="Group 12"/>
+            <p:cNvGrpSpPr/>
+            <p:nvPr/>
+          </p:nvGrpSpPr>
+          <p:grpSpPr>
+            <a:xfrm>
+              <a:off x="3354646" y="3907343"/>
+              <a:ext cx="294968" cy="1012723"/>
+              <a:chOff x="3570954" y="4719473"/>
+              <a:chExt cx="294968" cy="1012723"/>
+            </a:xfrm>
+          </p:grpSpPr>
+          <p:sp>
+            <p:nvSpPr>
+              <p:cNvPr id="24" name="Rounded Rectangle 23"/>
+              <p:cNvSpPr/>
+              <p:nvPr/>
+            </p:nvSpPr>
+            <p:spPr>
+              <a:xfrm>
+                <a:off x="3570954" y="4719473"/>
+                <a:ext cx="294968" cy="521110"/>
+              </a:xfrm>
+              <a:prstGeom prst="roundRect">
+                <a:avLst/>
+              </a:prstGeom>
+              <a:solidFill>
+                <a:srgbClr val="FFC000"/>
+              </a:solidFill>
+            </p:spPr>
+            <p:style>
+              <a:lnRef idx="2">
+                <a:schemeClr val="accent1">
+                  <a:shade val="50000"/>
+                </a:schemeClr>
+              </a:lnRef>
+              <a:fillRef idx="1">
+                <a:schemeClr val="accent1"/>
+              </a:fillRef>
+              <a:effectRef idx="0">
+                <a:schemeClr val="accent1"/>
+              </a:effectRef>
+              <a:fontRef idx="minor">
+                <a:schemeClr val="lt1"/>
+              </a:fontRef>
+            </p:style>
+            <p:txBody>
+              <a:bodyPr rtlCol="0" anchor="ctr"/>
+              <a:lstStyle/>
+              <a:p>
+                <a:pPr algn="ctr"/>
+                <a:endParaRPr lang="en-US"/>
+              </a:p>
+            </p:txBody>
+          </p:sp>
+          <p:sp>
+            <p:nvSpPr>
+              <p:cNvPr id="25" name="Isosceles Triangle 24"/>
+              <p:cNvSpPr/>
+              <p:nvPr/>
+            </p:nvSpPr>
+            <p:spPr>
+              <a:xfrm flipV="1">
+                <a:off x="3669277" y="5240583"/>
+                <a:ext cx="98322" cy="491613"/>
+              </a:xfrm>
+              <a:prstGeom prst="triangle">
+                <a:avLst/>
+              </a:prstGeom>
+              <a:solidFill>
+                <a:schemeClr val="tx1"/>
+              </a:solidFill>
+              <a:ln>
+                <a:solidFill>
+                  <a:schemeClr val="tx1"/>
+                </a:solidFill>
+              </a:ln>
+            </p:spPr>
+            <p:style>
+              <a:lnRef idx="2">
+                <a:schemeClr val="accent1">
+                  <a:shade val="50000"/>
+                </a:schemeClr>
+              </a:lnRef>
+              <a:fillRef idx="1">
+                <a:schemeClr val="accent1"/>
+              </a:fillRef>
+              <a:effectRef idx="0">
+                <a:schemeClr val="accent1"/>
+              </a:effectRef>
+              <a:fontRef idx="minor">
+                <a:schemeClr val="lt1"/>
+              </a:fontRef>
+            </p:style>
+            <p:txBody>
+              <a:bodyPr rtlCol="0" anchor="ctr"/>
+              <a:lstStyle/>
+              <a:p>
+                <a:pPr algn="ctr"/>
+                <a:endParaRPr lang="en-US"/>
+              </a:p>
+            </p:txBody>
+          </p:sp>
+        </p:grpSp>
+        <p:grpSp>
+          <p:nvGrpSpPr>
+            <p:cNvPr id="14" name="Group 13"/>
+            <p:cNvGrpSpPr/>
+            <p:nvPr/>
+          </p:nvGrpSpPr>
+          <p:grpSpPr>
+            <a:xfrm>
+              <a:off x="3644106" y="3901702"/>
+              <a:ext cx="294968" cy="1012723"/>
+              <a:chOff x="3570954" y="4719473"/>
+              <a:chExt cx="294968" cy="1012723"/>
+            </a:xfrm>
+          </p:grpSpPr>
+          <p:sp>
+            <p:nvSpPr>
+              <p:cNvPr id="22" name="Rounded Rectangle 21"/>
+              <p:cNvSpPr/>
+              <p:nvPr/>
+            </p:nvSpPr>
+            <p:spPr>
+              <a:xfrm>
+                <a:off x="3570954" y="4719473"/>
+                <a:ext cx="294968" cy="521110"/>
+              </a:xfrm>
+              <a:prstGeom prst="roundRect">
+                <a:avLst/>
+              </a:prstGeom>
+              <a:solidFill>
+                <a:srgbClr val="FFC000"/>
+              </a:solidFill>
+            </p:spPr>
+            <p:style>
+              <a:lnRef idx="2">
+                <a:schemeClr val="accent1">
+                  <a:shade val="50000"/>
+                </a:schemeClr>
+              </a:lnRef>
+              <a:fillRef idx="1">
+                <a:schemeClr val="accent1"/>
+              </a:fillRef>
+              <a:effectRef idx="0">
+                <a:schemeClr val="accent1"/>
+              </a:effectRef>
+              <a:fontRef idx="minor">
+                <a:schemeClr val="lt1"/>
+              </a:fontRef>
+            </p:style>
+            <p:txBody>
+              <a:bodyPr rtlCol="0" anchor="ctr"/>
+              <a:lstStyle/>
+              <a:p>
+                <a:pPr algn="ctr"/>
+                <a:endParaRPr lang="en-US"/>
+              </a:p>
+            </p:txBody>
+          </p:sp>
+          <p:sp>
+            <p:nvSpPr>
+              <p:cNvPr id="23" name="Isosceles Triangle 22"/>
+              <p:cNvSpPr/>
+              <p:nvPr/>
+            </p:nvSpPr>
+            <p:spPr>
+              <a:xfrm flipV="1">
+                <a:off x="3669277" y="5240583"/>
+                <a:ext cx="98322" cy="491613"/>
+              </a:xfrm>
+              <a:prstGeom prst="triangle">
+                <a:avLst/>
+              </a:prstGeom>
+              <a:solidFill>
+                <a:schemeClr val="tx1"/>
+              </a:solidFill>
+              <a:ln>
+                <a:solidFill>
+                  <a:schemeClr val="tx1"/>
+                </a:solidFill>
+              </a:ln>
+            </p:spPr>
+            <p:style>
+              <a:lnRef idx="2">
+                <a:schemeClr val="accent1">
+                  <a:shade val="50000"/>
+                </a:schemeClr>
+              </a:lnRef>
+              <a:fillRef idx="1">
+                <a:schemeClr val="accent1"/>
+              </a:fillRef>
+              <a:effectRef idx="0">
+                <a:schemeClr val="accent1"/>
+              </a:effectRef>
+              <a:fontRef idx="minor">
+                <a:schemeClr val="lt1"/>
+              </a:fontRef>
+            </p:style>
+            <p:txBody>
+              <a:bodyPr rtlCol="0" anchor="ctr"/>
+              <a:lstStyle/>
+              <a:p>
+                <a:pPr algn="ctr"/>
+                <a:endParaRPr lang="en-US"/>
+              </a:p>
+            </p:txBody>
+          </p:sp>
+        </p:grpSp>
+        <p:grpSp>
+          <p:nvGrpSpPr>
+            <p:cNvPr id="15" name="Group 14"/>
+            <p:cNvGrpSpPr/>
+            <p:nvPr/>
+          </p:nvGrpSpPr>
+          <p:grpSpPr>
+            <a:xfrm>
+              <a:off x="3944783" y="3894772"/>
+              <a:ext cx="294968" cy="1012723"/>
+              <a:chOff x="3570954" y="4719473"/>
+              <a:chExt cx="294968" cy="1012723"/>
+            </a:xfrm>
+          </p:grpSpPr>
+          <p:sp>
+            <p:nvSpPr>
+              <p:cNvPr id="20" name="Rounded Rectangle 19"/>
+              <p:cNvSpPr/>
+              <p:nvPr/>
+            </p:nvSpPr>
+            <p:spPr>
+              <a:xfrm>
+                <a:off x="3570954" y="4719473"/>
+                <a:ext cx="294968" cy="521110"/>
+              </a:xfrm>
+              <a:prstGeom prst="roundRect">
+                <a:avLst/>
+              </a:prstGeom>
+              <a:solidFill>
+                <a:srgbClr val="FFC000"/>
+              </a:solidFill>
+            </p:spPr>
+            <p:style>
+              <a:lnRef idx="2">
+                <a:schemeClr val="accent1">
+                  <a:shade val="50000"/>
+                </a:schemeClr>
+              </a:lnRef>
+              <a:fillRef idx="1">
+                <a:schemeClr val="accent1"/>
+              </a:fillRef>
+              <a:effectRef idx="0">
+                <a:schemeClr val="accent1"/>
+              </a:effectRef>
+              <a:fontRef idx="minor">
+                <a:schemeClr val="lt1"/>
+              </a:fontRef>
+            </p:style>
+            <p:txBody>
+              <a:bodyPr rtlCol="0" anchor="ctr"/>
+              <a:lstStyle/>
+              <a:p>
+                <a:pPr algn="ctr"/>
+                <a:endParaRPr lang="en-US"/>
+              </a:p>
+            </p:txBody>
+          </p:sp>
+          <p:sp>
+            <p:nvSpPr>
+              <p:cNvPr id="21" name="Isosceles Triangle 20"/>
+              <p:cNvSpPr/>
+              <p:nvPr/>
+            </p:nvSpPr>
+            <p:spPr>
+              <a:xfrm flipV="1">
+                <a:off x="3669277" y="5240583"/>
+                <a:ext cx="98322" cy="491613"/>
+              </a:xfrm>
+              <a:prstGeom prst="triangle">
+                <a:avLst/>
+              </a:prstGeom>
+              <a:solidFill>
+                <a:schemeClr val="tx1"/>
+              </a:solidFill>
+              <a:ln>
+                <a:solidFill>
+                  <a:schemeClr val="tx1"/>
+                </a:solidFill>
+              </a:ln>
+            </p:spPr>
+            <p:style>
+              <a:lnRef idx="2">
+                <a:schemeClr val="accent1">
+                  <a:shade val="50000"/>
+                </a:schemeClr>
+              </a:lnRef>
+              <a:fillRef idx="1">
+                <a:schemeClr val="accent1"/>
+              </a:fillRef>
+              <a:effectRef idx="0">
+                <a:schemeClr val="accent1"/>
+              </a:effectRef>
+              <a:fontRef idx="minor">
+                <a:schemeClr val="lt1"/>
+              </a:fontRef>
+            </p:style>
+            <p:txBody>
+              <a:bodyPr rtlCol="0" anchor="ctr"/>
+              <a:lstStyle/>
+              <a:p>
+                <a:pPr algn="ctr"/>
+                <a:endParaRPr lang="en-US"/>
+              </a:p>
+            </p:txBody>
+          </p:sp>
+        </p:grpSp>
+        <p:grpSp>
+          <p:nvGrpSpPr>
+            <p:cNvPr id="16" name="Group 15"/>
+            <p:cNvGrpSpPr/>
+            <p:nvPr/>
+          </p:nvGrpSpPr>
+          <p:grpSpPr>
+            <a:xfrm>
+              <a:off x="4225744" y="3894680"/>
+              <a:ext cx="294968" cy="1012723"/>
+              <a:chOff x="3570954" y="4719473"/>
+              <a:chExt cx="294968" cy="1012723"/>
+            </a:xfrm>
+          </p:grpSpPr>
+          <p:sp>
+            <p:nvSpPr>
+              <p:cNvPr id="18" name="Rounded Rectangle 17"/>
+              <p:cNvSpPr/>
+              <p:nvPr/>
+            </p:nvSpPr>
+            <p:spPr>
+              <a:xfrm>
+                <a:off x="3570954" y="4719473"/>
+                <a:ext cx="294968" cy="521110"/>
+              </a:xfrm>
+              <a:prstGeom prst="roundRect">
+                <a:avLst/>
+              </a:prstGeom>
+              <a:solidFill>
+                <a:srgbClr val="FFC000"/>
+              </a:solidFill>
+            </p:spPr>
+            <p:style>
+              <a:lnRef idx="2">
+                <a:schemeClr val="accent1">
+                  <a:shade val="50000"/>
+                </a:schemeClr>
+              </a:lnRef>
+              <a:fillRef idx="1">
+                <a:schemeClr val="accent1"/>
+              </a:fillRef>
+              <a:effectRef idx="0">
+                <a:schemeClr val="accent1"/>
+              </a:effectRef>
+              <a:fontRef idx="minor">
+                <a:schemeClr val="lt1"/>
+              </a:fontRef>
+            </p:style>
+            <p:txBody>
+              <a:bodyPr rtlCol="0" anchor="ctr"/>
+              <a:lstStyle/>
+              <a:p>
+                <a:pPr algn="ctr"/>
+                <a:endParaRPr lang="en-US"/>
+              </a:p>
+            </p:txBody>
+          </p:sp>
+          <p:sp>
+            <p:nvSpPr>
+              <p:cNvPr id="19" name="Isosceles Triangle 18"/>
+              <p:cNvSpPr/>
+              <p:nvPr/>
+            </p:nvSpPr>
+            <p:spPr>
+              <a:xfrm flipV="1">
+                <a:off x="3669277" y="5240583"/>
+                <a:ext cx="98322" cy="491613"/>
+              </a:xfrm>
+              <a:prstGeom prst="triangle">
+                <a:avLst/>
+              </a:prstGeom>
+              <a:solidFill>
+                <a:schemeClr val="tx1"/>
+              </a:solidFill>
+              <a:ln>
+                <a:solidFill>
+                  <a:schemeClr val="tx1"/>
+                </a:solidFill>
+              </a:ln>
+            </p:spPr>
+            <p:style>
+              <a:lnRef idx="2">
+                <a:schemeClr val="accent1">
+                  <a:shade val="50000"/>
+                </a:schemeClr>
+              </a:lnRef>
+              <a:fillRef idx="1">
+                <a:schemeClr val="accent1"/>
+              </a:fillRef>
+              <a:effectRef idx="0">
+                <a:schemeClr val="accent1"/>
+              </a:effectRef>
+              <a:fontRef idx="minor">
+                <a:schemeClr val="lt1"/>
+              </a:fontRef>
+            </p:style>
+            <p:txBody>
+              <a:bodyPr rtlCol="0" anchor="ctr"/>
+              <a:lstStyle/>
+              <a:p>
+                <a:pPr algn="ctr"/>
+                <a:endParaRPr lang="en-US"/>
+              </a:p>
+            </p:txBody>
+          </p:sp>
+        </p:grpSp>
+        <p:sp>
+          <p:nvSpPr>
+            <p:cNvPr id="17" name="Rectangle 16"/>
+            <p:cNvSpPr/>
+            <p:nvPr/>
+          </p:nvSpPr>
           <p:spPr>
             <a:xfrm>
-              <a:off x="5841999" y="2272562"/>
-              <a:ext cx="0" cy="339554"/>
+              <a:off x="3387012" y="3777876"/>
+              <a:ext cx="1133700" cy="104176"/>
             </a:xfrm>
-            <a:prstGeom prst="straightConnector1">
+            <a:prstGeom prst="rect">
               <a:avLst/>
             </a:prstGeom>
-            <a:ln w="19050">
-              <a:solidFill>
-                <a:srgbClr val="FF0000"/>
-              </a:solidFill>
-              <a:headEnd type="triangle"/>
-              <a:tailEnd type="triangle"/>
-            </a:ln>
+            <a:solidFill>
+              <a:srgbClr val="FF0000"/>
+            </a:solidFill>
           </p:spPr>
           <p:style>
-            <a:lnRef idx="1">
-              <a:schemeClr val="accent1"/>
+            <a:lnRef idx="2">
+              <a:schemeClr val="accent1">
+                <a:shade val="50000"/>
+              </a:schemeClr>
             </a:lnRef>
-            <a:fillRef idx="0">
+            <a:fillRef idx="1">
               <a:schemeClr val="accent1"/>
             </a:fillRef>
             <a:effectRef idx="0">
               <a:schemeClr val="accent1"/>
             </a:effectRef>
             <a:fontRef idx="minor">
-              <a:schemeClr val="tx1"/>
+              <a:schemeClr val="lt1"/>
             </a:fontRef>
           </p:style>
-        </p:cxnSp>
-        <p:sp>
-          <p:nvSpPr>
-            <p:cNvPr id="40" name="TextBox 39"/>
-            <p:cNvSpPr txBox="1"/>
-            <p:nvPr/>
-          </p:nvSpPr>
-          <p:spPr>
-            <a:xfrm>
-              <a:off x="5862189" y="2149951"/>
-              <a:ext cx="380756" cy="584775"/>
-            </a:xfrm>
-            <a:prstGeom prst="rect">
-              <a:avLst/>
-            </a:prstGeom>
-            <a:noFill/>
-          </p:spPr>
           <p:txBody>
-            <a:bodyPr wrap="square" rtlCol="0">
-              <a:spAutoFit/>
-            </a:bodyPr>
-            <a:lstStyle/>
-            <a:p>
-              <a:r>
-                <a:rPr lang="en-US" sz="3200" dirty="0" smtClean="0">
-                  <a:solidFill>
-                    <a:srgbClr val="FF0000"/>
-                  </a:solidFill>
-                </a:rPr>
-                <a:t>D</a:t>
-              </a:r>
-              <a:endParaRPr lang="en-US" sz="3200" dirty="0">
-                <a:solidFill>
-                  <a:srgbClr val="FF0000"/>
-                </a:solidFill>
-              </a:endParaRPr>
-            </a:p>
-          </p:txBody>
-        </p:sp>
-        <p:sp>
-          <p:nvSpPr>
-            <p:cNvPr id="41" name="TextBox 40"/>
-            <p:cNvSpPr txBox="1"/>
-            <p:nvPr/>
-          </p:nvSpPr>
-          <p:spPr>
-            <a:xfrm>
-              <a:off x="4620406" y="821206"/>
-              <a:ext cx="1498598" cy="584775"/>
-            </a:xfrm>
-            <a:prstGeom prst="rect">
-              <a:avLst/>
-            </a:prstGeom>
-            <a:noFill/>
-          </p:spPr>
-          <p:txBody>
-            <a:bodyPr wrap="square" rtlCol="0">
-              <a:spAutoFit/>
-            </a:bodyPr>
+            <a:bodyPr rtlCol="0" anchor="ctr"/>
             <a:lstStyle/>
             <a:p>
               <a:pPr algn="ctr"/>
-              <a:r>
-                <a:rPr lang="en-US" sz="1600" dirty="0" smtClean="0"/>
-                <a:t>D – Penetration Depth</a:t>
-              </a:r>
-              <a:endParaRPr lang="en-US" sz="1600" dirty="0"/>
+              <a:endParaRPr lang="en-US"/>
             </a:p>
           </p:txBody>
         </p:sp>
       </p:grpSp>
       <p:cxnSp>
         <p:nvCxnSpPr>
-          <p:cNvPr id="5" name="Straight Connector 4"/>
+          <p:cNvPr id="34" name="Straight Connector 33"/>
           <p:cNvCxnSpPr/>
           <p:nvPr/>
         </p:nvCxnSpPr>
         <p:spPr>
-          <a:xfrm>
-            <a:off x="3302000" y="45720"/>
-            <a:ext cx="0" cy="2362200"/>
+          <a:xfrm flipV="1">
+            <a:off x="2960695" y="1408610"/>
+            <a:ext cx="248301" cy="630"/>
           </a:xfrm>
           <a:prstGeom prst="line">
             <a:avLst/>
           </a:prstGeom>
-          <a:ln w="19050">
+          <a:ln w="28575">
             <a:solidFill>
-              <a:schemeClr val="tx1"/>
+              <a:schemeClr val="bg1"/>
             </a:solidFill>
           </a:ln>
         </p:spPr>
@@ -4064,6 +3790,150 @@
           </a:fontRef>
         </p:style>
       </p:cxnSp>
+      <p:cxnSp>
+        <p:nvCxnSpPr>
+          <p:cNvPr id="36" name="Straight Connector 35"/>
+          <p:cNvCxnSpPr/>
+          <p:nvPr/>
+        </p:nvCxnSpPr>
+        <p:spPr>
+          <a:xfrm>
+            <a:off x="2482499" y="1645238"/>
+            <a:ext cx="726497" cy="0"/>
+          </a:xfrm>
+          <a:prstGeom prst="line">
+            <a:avLst/>
+          </a:prstGeom>
+          <a:ln w="28575">
+            <a:solidFill>
+              <a:schemeClr val="bg1"/>
+            </a:solidFill>
+          </a:ln>
+        </p:spPr>
+        <p:style>
+          <a:lnRef idx="1">
+            <a:schemeClr val="accent1"/>
+          </a:lnRef>
+          <a:fillRef idx="0">
+            <a:schemeClr val="accent1"/>
+          </a:fillRef>
+          <a:effectRef idx="0">
+            <a:schemeClr val="accent1"/>
+          </a:effectRef>
+          <a:fontRef idx="minor">
+            <a:schemeClr val="tx1"/>
+          </a:fontRef>
+        </p:style>
+      </p:cxnSp>
+      <p:cxnSp>
+        <p:nvCxnSpPr>
+          <p:cNvPr id="39" name="Straight Arrow Connector 38"/>
+          <p:cNvCxnSpPr/>
+          <p:nvPr/>
+        </p:nvCxnSpPr>
+        <p:spPr>
+          <a:xfrm>
+            <a:off x="3084966" y="1388330"/>
+            <a:ext cx="0" cy="275039"/>
+          </a:xfrm>
+          <a:prstGeom prst="straightConnector1">
+            <a:avLst/>
+          </a:prstGeom>
+          <a:ln w="19050">
+            <a:solidFill>
+              <a:schemeClr val="bg1"/>
+            </a:solidFill>
+            <a:headEnd type="triangle"/>
+            <a:tailEnd type="triangle"/>
+          </a:ln>
+        </p:spPr>
+        <p:style>
+          <a:lnRef idx="1">
+            <a:schemeClr val="accent1"/>
+          </a:lnRef>
+          <a:fillRef idx="0">
+            <a:schemeClr val="accent1"/>
+          </a:fillRef>
+          <a:effectRef idx="0">
+            <a:schemeClr val="accent1"/>
+          </a:effectRef>
+          <a:fontRef idx="minor">
+            <a:schemeClr val="tx1"/>
+          </a:fontRef>
+        </p:style>
+      </p:cxnSp>
+      <p:sp>
+        <p:nvSpPr>
+          <p:cNvPr id="40" name="TextBox 39"/>
+          <p:cNvSpPr txBox="1"/>
+          <p:nvPr/>
+        </p:nvSpPr>
+        <p:spPr>
+          <a:xfrm>
+            <a:off x="3149026" y="1224778"/>
+            <a:ext cx="237655" cy="584775"/>
+          </a:xfrm>
+          <a:prstGeom prst="rect">
+            <a:avLst/>
+          </a:prstGeom>
+          <a:noFill/>
+          <a:ln>
+            <a:noFill/>
+          </a:ln>
+        </p:spPr>
+        <p:txBody>
+          <a:bodyPr wrap="square" rtlCol="0">
+            <a:spAutoFit/>
+          </a:bodyPr>
+          <a:lstStyle/>
+          <a:p>
+            <a:r>
+              <a:rPr lang="en-US" sz="3200" dirty="0">
+                <a:solidFill>
+                  <a:schemeClr val="bg1"/>
+                </a:solidFill>
+              </a:rPr>
+              <a:t>D</a:t>
+            </a:r>
+            <a:endParaRPr lang="en-US" sz="3200" dirty="0">
+              <a:solidFill>
+                <a:schemeClr val="bg1"/>
+              </a:solidFill>
+            </a:endParaRPr>
+          </a:p>
+        </p:txBody>
+      </p:sp>
+      <p:sp>
+        <p:nvSpPr>
+          <p:cNvPr id="41" name="TextBox 40"/>
+          <p:cNvSpPr txBox="1"/>
+          <p:nvPr/>
+        </p:nvSpPr>
+        <p:spPr>
+          <a:xfrm>
+            <a:off x="1762934" y="-13948"/>
+            <a:ext cx="1944755" cy="707886"/>
+          </a:xfrm>
+          <a:prstGeom prst="rect">
+            <a:avLst/>
+          </a:prstGeom>
+          <a:noFill/>
+        </p:spPr>
+        <p:txBody>
+          <a:bodyPr wrap="square" rtlCol="0">
+            <a:spAutoFit/>
+          </a:bodyPr>
+          <a:lstStyle/>
+          <a:p>
+            <a:pPr algn="ctr"/>
+            <a:r>
+              <a:rPr lang="en-US" sz="2000" dirty="0"/>
+              <a:t>D – Penetration Depth</a:t>
+            </a:r>
+            <a:endParaRPr lang="en-US" sz="2000" dirty="0"/>
+          </a:p>
+        </p:txBody>
+      </p:sp>
       <p:sp>
         <p:nvSpPr>
           <p:cNvPr id="58" name="TextBox 57"/>
@@ -4072,7 +3942,7 @@
         </p:nvSpPr>
         <p:spPr>
           <a:xfrm>
-            <a:off x="3626249" y="347440"/>
+            <a:off x="3763568" y="347440"/>
             <a:ext cx="621792" cy="242246"/>
           </a:xfrm>
           <a:prstGeom prst="rect">
@@ -4087,23 +3957,125 @@
           <a:lstStyle/>
           <a:p>
             <a:r>
-              <a:rPr lang="en-US" dirty="0" smtClean="0"/>
+              <a:rPr lang="en-US" dirty="0"/>
               <a:t>grass</a:t>
             </a:r>
             <a:endParaRPr lang="en-US" dirty="0"/>
           </a:p>
         </p:txBody>
       </p:sp>
-      <p:sp>
-        <p:nvSpPr>
-          <p:cNvPr id="59" name="TextBox 58"/>
+      <p:pic>
+        <p:nvPicPr>
+          <p:cNvPr id="4" name="Picture 3"/>
+          <p:cNvPicPr>
+            <a:picLocks noChangeAspect="1"/>
+          </p:cNvPicPr>
+          <p:nvPr/>
+        </p:nvPicPr>
+        <p:blipFill rotWithShape="1">
+          <a:blip r:embed="rId5" cstate="print">
+            <a:extLst>
+              <a:ext uri="{28A0092B-C50C-407E-A947-70E740481C1C}">
+                <a14:useLocalDpi xmlns:a14="http://schemas.microsoft.com/office/drawing/2010/main" val="0"/>
+              </a:ext>
+            </a:extLst>
+          </a:blip>
+          <a:srcRect l="40552" t="29107" r="8222" b="16819"/>
+          <a:stretch/>
+        </p:blipFill>
+        <p:spPr>
+          <a:xfrm rot="10800000">
+            <a:off x="3754412" y="790413"/>
+            <a:ext cx="890776" cy="705449"/>
+          </a:xfrm>
+          <a:prstGeom prst="rect">
+            <a:avLst/>
+          </a:prstGeom>
+          <a:ln w="19050">
+            <a:solidFill>
+              <a:schemeClr val="tx1"/>
+            </a:solidFill>
+          </a:ln>
+        </p:spPr>
+      </p:pic>
+      <p:pic>
+        <p:nvPicPr>
+          <p:cNvPr id="7" name="Picture 6"/>
+          <p:cNvPicPr>
+            <a:picLocks noChangeAspect="1"/>
+          </p:cNvPicPr>
+          <p:nvPr/>
+        </p:nvPicPr>
+        <p:blipFill rotWithShape="1">
+          <a:blip r:embed="rId6" cstate="print">
+            <a:extLst>
+              <a:ext uri="{28A0092B-C50C-407E-A947-70E740481C1C}">
+                <a14:useLocalDpi xmlns:a14="http://schemas.microsoft.com/office/drawing/2010/main" val="0"/>
+              </a:ext>
+            </a:extLst>
+          </a:blip>
+          <a:srcRect l="34444" t="34588" r="33000" b="30153"/>
+          <a:stretch/>
+        </p:blipFill>
+        <p:spPr>
+          <a:xfrm rot="10800000">
+            <a:off x="3749332" y="44949"/>
+            <a:ext cx="893076" cy="725419"/>
+          </a:xfrm>
+          <a:prstGeom prst="rect">
+            <a:avLst/>
+          </a:prstGeom>
+          <a:ln w="12700">
+            <a:solidFill>
+              <a:schemeClr val="tx1"/>
+            </a:solidFill>
+          </a:ln>
+        </p:spPr>
+      </p:pic>
+      <p:pic>
+        <p:nvPicPr>
+          <p:cNvPr id="10" name="Picture 9"/>
+          <p:cNvPicPr>
+            <a:picLocks noChangeAspect="1"/>
+          </p:cNvPicPr>
+          <p:nvPr/>
+        </p:nvPicPr>
+        <p:blipFill rotWithShape="1">
+          <a:blip r:embed="rId7" cstate="print">
+            <a:extLst>
+              <a:ext uri="{28A0092B-C50C-407E-A947-70E740481C1C}">
+                <a14:useLocalDpi xmlns:a14="http://schemas.microsoft.com/office/drawing/2010/main" val="0"/>
+              </a:ext>
+            </a:extLst>
+          </a:blip>
+          <a:srcRect l="23556" t="32070" r="39000" b="19475"/>
+          <a:stretch/>
+        </p:blipFill>
+        <p:spPr>
+          <a:xfrm rot="10800000">
+            <a:off x="3741786" y="1517166"/>
+            <a:ext cx="907328" cy="880595"/>
+          </a:xfrm>
+          <a:prstGeom prst="rect">
+            <a:avLst/>
+          </a:prstGeom>
+          <a:ln w="12700">
+            <a:solidFill>
+              <a:schemeClr val="tx1"/>
+            </a:solidFill>
+          </a:ln>
+        </p:spPr>
+      </p:pic>
+      <p:sp>
+        <p:nvSpPr>
+          <p:cNvPr id="5" name="TextBox 4"/>
           <p:cNvSpPr txBox="1"/>
           <p:nvPr/>
         </p:nvSpPr>
         <p:spPr>
-          <a:xfrm>
-            <a:off x="3621328" y="1714263"/>
-            <a:ext cx="621792" cy="242246"/>
+          <a:xfrm rot="5400000">
+            <a:off x="3586556" y="1096884"/>
+            <a:ext cx="2359509" cy="242246"/>
           </a:xfrm>
           <a:prstGeom prst="rect">
             <a:avLst/>
@@ -4118,37 +4090,7 @@
           <a:p>
             <a:r>
               <a:rPr lang="en-US" dirty="0" smtClean="0"/>
-              <a:t>clay</a:t>
-            </a:r>
-            <a:endParaRPr lang="en-US" dirty="0"/>
-          </a:p>
-        </p:txBody>
-      </p:sp>
-      <p:sp>
-        <p:nvSpPr>
-          <p:cNvPr id="60" name="TextBox 59"/>
-          <p:cNvSpPr txBox="1"/>
-          <p:nvPr/>
-        </p:nvSpPr>
-        <p:spPr>
-          <a:xfrm>
-            <a:off x="3617629" y="965063"/>
-            <a:ext cx="621792" cy="242246"/>
-          </a:xfrm>
-          <a:prstGeom prst="rect">
-            <a:avLst/>
-          </a:prstGeom>
-          <a:noFill/>
-        </p:spPr>
-        <p:txBody>
-          <a:bodyPr wrap="square" rtlCol="0">
-            <a:spAutoFit/>
-          </a:bodyPr>
-          <a:lstStyle/>
-          <a:p>
-            <a:r>
-              <a:rPr lang="en-US" dirty="0" smtClean="0"/>
-              <a:t>sand</a:t>
+              <a:t>       Sand              Grass                Clay</a:t>
             </a:r>
             <a:endParaRPr lang="en-US" dirty="0"/>
           </a:p>

--- a/Seismic Drones/CASE-2016/pictures/depth_box_plot.pptx
+++ b/Seismic Drones/CASE-2016/pictures/depth_box_plot.pptx
@@ -243,7 +243,7 @@
           <a:p>
             <a:fld id="{1D2DDFE7-4F41-48A8-85E8-BDE3A8061DB6}" type="datetimeFigureOut">
               <a:rPr lang="en-US" smtClean="0"/>
-              <a:t>3/10/2016</a:t>
+              <a:t>6/14/2016</a:t>
             </a:fld>
             <a:endParaRPr lang="en-US"/>
           </a:p>
@@ -413,7 +413,7 @@
           <a:p>
             <a:fld id="{1D2DDFE7-4F41-48A8-85E8-BDE3A8061DB6}" type="datetimeFigureOut">
               <a:rPr lang="en-US" smtClean="0"/>
-              <a:t>3/10/2016</a:t>
+              <a:t>6/14/2016</a:t>
             </a:fld>
             <a:endParaRPr lang="en-US"/>
           </a:p>
@@ -593,7 +593,7 @@
           <a:p>
             <a:fld id="{1D2DDFE7-4F41-48A8-85E8-BDE3A8061DB6}" type="datetimeFigureOut">
               <a:rPr lang="en-US" smtClean="0"/>
-              <a:t>3/10/2016</a:t>
+              <a:t>6/14/2016</a:t>
             </a:fld>
             <a:endParaRPr lang="en-US"/>
           </a:p>
@@ -763,7 +763,7 @@
           <a:p>
             <a:fld id="{1D2DDFE7-4F41-48A8-85E8-BDE3A8061DB6}" type="datetimeFigureOut">
               <a:rPr lang="en-US" smtClean="0"/>
-              <a:t>3/10/2016</a:t>
+              <a:t>6/14/2016</a:t>
             </a:fld>
             <a:endParaRPr lang="en-US"/>
           </a:p>
@@ -1007,7 +1007,7 @@
           <a:p>
             <a:fld id="{1D2DDFE7-4F41-48A8-85E8-BDE3A8061DB6}" type="datetimeFigureOut">
               <a:rPr lang="en-US" smtClean="0"/>
-              <a:t>3/10/2016</a:t>
+              <a:t>6/14/2016</a:t>
             </a:fld>
             <a:endParaRPr lang="en-US"/>
           </a:p>
@@ -1239,7 +1239,7 @@
           <a:p>
             <a:fld id="{1D2DDFE7-4F41-48A8-85E8-BDE3A8061DB6}" type="datetimeFigureOut">
               <a:rPr lang="en-US" smtClean="0"/>
-              <a:t>3/10/2016</a:t>
+              <a:t>6/14/2016</a:t>
             </a:fld>
             <a:endParaRPr lang="en-US"/>
           </a:p>
@@ -1606,7 +1606,7 @@
           <a:p>
             <a:fld id="{1D2DDFE7-4F41-48A8-85E8-BDE3A8061DB6}" type="datetimeFigureOut">
               <a:rPr lang="en-US" smtClean="0"/>
-              <a:t>3/10/2016</a:t>
+              <a:t>6/14/2016</a:t>
             </a:fld>
             <a:endParaRPr lang="en-US"/>
           </a:p>
@@ -1724,7 +1724,7 @@
           <a:p>
             <a:fld id="{1D2DDFE7-4F41-48A8-85E8-BDE3A8061DB6}" type="datetimeFigureOut">
               <a:rPr lang="en-US" smtClean="0"/>
-              <a:t>3/10/2016</a:t>
+              <a:t>6/14/2016</a:t>
             </a:fld>
             <a:endParaRPr lang="en-US"/>
           </a:p>
@@ -1819,7 +1819,7 @@
           <a:p>
             <a:fld id="{1D2DDFE7-4F41-48A8-85E8-BDE3A8061DB6}" type="datetimeFigureOut">
               <a:rPr lang="en-US" smtClean="0"/>
-              <a:t>3/10/2016</a:t>
+              <a:t>6/14/2016</a:t>
             </a:fld>
             <a:endParaRPr lang="en-US"/>
           </a:p>
@@ -2096,7 +2096,7 @@
           <a:p>
             <a:fld id="{1D2DDFE7-4F41-48A8-85E8-BDE3A8061DB6}" type="datetimeFigureOut">
               <a:rPr lang="en-US" smtClean="0"/>
-              <a:t>3/10/2016</a:t>
+              <a:t>6/14/2016</a:t>
             </a:fld>
             <a:endParaRPr lang="en-US"/>
           </a:p>
@@ -2353,7 +2353,7 @@
           <a:p>
             <a:fld id="{1D2DDFE7-4F41-48A8-85E8-BDE3A8061DB6}" type="datetimeFigureOut">
               <a:rPr lang="en-US" smtClean="0"/>
-              <a:t>3/10/2016</a:t>
+              <a:t>6/14/2016</a:t>
             </a:fld>
             <a:endParaRPr lang="en-US"/>
           </a:p>
@@ -2566,7 +2566,7 @@
           <a:p>
             <a:fld id="{1D2DDFE7-4F41-48A8-85E8-BDE3A8061DB6}" type="datetimeFigureOut">
               <a:rPr lang="en-US" smtClean="0"/>
-              <a:t>3/10/2016</a:t>
+              <a:t>6/14/2016</a:t>
             </a:fld>
             <a:endParaRPr lang="en-US"/>
           </a:p>
@@ -2971,162 +2971,113 @@
           <a:chExt cx="0" cy="0"/>
         </a:xfrm>
       </p:grpSpPr>
-      <p:pic>
-        <p:nvPicPr>
-          <p:cNvPr id="2" name="Picture 1"/>
-          <p:cNvPicPr>
-            <a:picLocks noChangeAspect="1"/>
-          </p:cNvPicPr>
-          <p:nvPr/>
-        </p:nvPicPr>
-        <p:blipFill rotWithShape="1">
-          <a:blip r:embed="rId2" cstate="print">
-            <a:extLst>
-              <a:ext uri="{28A0092B-C50C-407E-A947-70E740481C1C}">
-                <a14:useLocalDpi xmlns:a14="http://schemas.microsoft.com/office/drawing/2010/main" val="0"/>
-              </a:ext>
-            </a:extLst>
-          </a:blip>
-          <a:srcRect l="2829" t="1468" r="7475"/>
-          <a:stretch/>
-        </p:blipFill>
-        <p:spPr>
-          <a:xfrm>
-            <a:off x="198279" y="45720"/>
-            <a:ext cx="4511040" cy="3752064"/>
-          </a:xfrm>
-          <a:prstGeom prst="rect">
-            <a:avLst/>
-          </a:prstGeom>
-        </p:spPr>
-      </p:pic>
-      <p:sp>
-        <p:nvSpPr>
-          <p:cNvPr id="42" name="Rectangle 41"/>
-          <p:cNvSpPr/>
-          <p:nvPr/>
-        </p:nvSpPr>
-        <p:spPr>
-          <a:xfrm>
-            <a:off x="1265079" y="38253"/>
-            <a:ext cx="2743200" cy="211167"/>
-          </a:xfrm>
-          <a:prstGeom prst="rect">
-            <a:avLst/>
-          </a:prstGeom>
-          <a:solidFill>
-            <a:schemeClr val="bg1"/>
-          </a:solidFill>
-          <a:ln>
-            <a:solidFill>
-              <a:schemeClr val="bg1"/>
-            </a:solidFill>
-          </a:ln>
-        </p:spPr>
-        <p:style>
-          <a:lnRef idx="2">
-            <a:schemeClr val="accent1">
-              <a:shade val="50000"/>
-            </a:schemeClr>
-          </a:lnRef>
-          <a:fillRef idx="1">
-            <a:schemeClr val="accent1"/>
-          </a:fillRef>
-          <a:effectRef idx="0">
-            <a:schemeClr val="accent1"/>
-          </a:effectRef>
-          <a:fontRef idx="minor">
-            <a:schemeClr val="lt1"/>
-          </a:fontRef>
-        </p:style>
-        <p:txBody>
-          <a:bodyPr rtlCol="0" anchor="ctr"/>
-          <a:lstStyle/>
-          <a:p>
-            <a:pPr algn="ctr"/>
-            <a:endParaRPr lang="en-US"/>
-          </a:p>
-        </p:txBody>
-      </p:sp>
-      <p:sp>
-        <p:nvSpPr>
-          <p:cNvPr id="3" name="Rectangle 2"/>
-          <p:cNvSpPr/>
-          <p:nvPr/>
-        </p:nvSpPr>
-        <p:spPr>
-          <a:xfrm>
-            <a:off x="1813719" y="38252"/>
-            <a:ext cx="2839720" cy="2369668"/>
-          </a:xfrm>
-          <a:prstGeom prst="rect">
-            <a:avLst/>
-          </a:prstGeom>
-          <a:noFill/>
-          <a:ln w="19050">
-            <a:solidFill>
-              <a:schemeClr val="tx1"/>
-            </a:solidFill>
-          </a:ln>
-        </p:spPr>
-        <p:style>
-          <a:lnRef idx="2">
-            <a:schemeClr val="accent1">
-              <a:shade val="50000"/>
-            </a:schemeClr>
-          </a:lnRef>
-          <a:fillRef idx="1">
-            <a:schemeClr val="accent1"/>
-          </a:fillRef>
-          <a:effectRef idx="0">
-            <a:schemeClr val="accent1"/>
-          </a:effectRef>
-          <a:fontRef idx="minor">
-            <a:schemeClr val="lt1"/>
-          </a:fontRef>
-        </p:style>
-        <p:txBody>
-          <a:bodyPr rtlCol="0" anchor="ctr"/>
-          <a:lstStyle/>
-          <a:p>
-            <a:pPr algn="ctr"/>
-            <a:endParaRPr lang="en-US"/>
-          </a:p>
-        </p:txBody>
-      </p:sp>
       <p:grpSp>
         <p:nvGrpSpPr>
-          <p:cNvPr id="28" name="Group 27"/>
+          <p:cNvPr id="6" name="Group 5"/>
           <p:cNvGrpSpPr/>
           <p:nvPr/>
         </p:nvGrpSpPr>
         <p:grpSpPr>
           <a:xfrm>
-            <a:off x="1818049" y="41327"/>
-            <a:ext cx="1912706" cy="2366594"/>
-            <a:chOff x="1676400" y="350520"/>
-            <a:chExt cx="1625600" cy="2057400"/>
+            <a:off x="198279" y="-13948"/>
+            <a:ext cx="4689155" cy="3811732"/>
+            <a:chOff x="198279" y="-13948"/>
+            <a:chExt cx="4689155" cy="3811732"/>
           </a:xfrm>
         </p:grpSpPr>
+        <p:pic>
+          <p:nvPicPr>
+            <p:cNvPr id="2" name="Picture 1"/>
+            <p:cNvPicPr>
+              <a:picLocks noChangeAspect="1"/>
+            </p:cNvPicPr>
+            <p:nvPr/>
+          </p:nvPicPr>
+          <p:blipFill rotWithShape="1">
+            <a:blip r:embed="rId2" cstate="print">
+              <a:extLst>
+                <a:ext uri="{28A0092B-C50C-407E-A947-70E740481C1C}">
+                  <a14:useLocalDpi xmlns:a14="http://schemas.microsoft.com/office/drawing/2010/main" val="0"/>
+                </a:ext>
+              </a:extLst>
+            </a:blip>
+            <a:srcRect l="2829" t="1468" r="7475"/>
+            <a:stretch/>
+          </p:blipFill>
+          <p:spPr>
+            <a:xfrm>
+              <a:off x="198279" y="45720"/>
+              <a:ext cx="4511040" cy="3752064"/>
+            </a:xfrm>
+            <a:prstGeom prst="rect">
+              <a:avLst/>
+            </a:prstGeom>
+          </p:spPr>
+        </p:pic>
         <p:sp>
           <p:nvSpPr>
-            <p:cNvPr id="26" name="Rectangle 25"/>
+            <p:cNvPr id="42" name="Rectangle 41"/>
             <p:cNvSpPr/>
             <p:nvPr/>
           </p:nvSpPr>
           <p:spPr>
             <a:xfrm>
-              <a:off x="1676400" y="1558145"/>
-              <a:ext cx="1625600" cy="849775"/>
+              <a:off x="1265079" y="38253"/>
+              <a:ext cx="2743200" cy="211167"/>
             </a:xfrm>
             <a:prstGeom prst="rect">
               <a:avLst/>
             </a:prstGeom>
-            <a:blipFill>
-              <a:blip r:embed="rId3"/>
-              <a:tile tx="0" ty="0" sx="100000" sy="100000" flip="none" algn="tl"/>
-            </a:blipFill>
+            <a:solidFill>
+              <a:schemeClr val="bg1"/>
+            </a:solidFill>
             <a:ln>
+              <a:solidFill>
+                <a:schemeClr val="bg1"/>
+              </a:solidFill>
+            </a:ln>
+          </p:spPr>
+          <p:style>
+            <a:lnRef idx="2">
+              <a:schemeClr val="accent1">
+                <a:shade val="50000"/>
+              </a:schemeClr>
+            </a:lnRef>
+            <a:fillRef idx="1">
+              <a:schemeClr val="accent1"/>
+            </a:fillRef>
+            <a:effectRef idx="0">
+              <a:schemeClr val="accent1"/>
+            </a:effectRef>
+            <a:fontRef idx="minor">
+              <a:schemeClr val="lt1"/>
+            </a:fontRef>
+          </p:style>
+          <p:txBody>
+            <a:bodyPr rtlCol="0" anchor="ctr"/>
+            <a:lstStyle/>
+            <a:p>
+              <a:pPr algn="ctr"/>
+              <a:endParaRPr lang="en-US"/>
+            </a:p>
+          </p:txBody>
+        </p:sp>
+        <p:sp>
+          <p:nvSpPr>
+            <p:cNvPr id="3" name="Rectangle 2"/>
+            <p:cNvSpPr/>
+            <p:nvPr/>
+          </p:nvSpPr>
+          <p:spPr>
+            <a:xfrm>
+              <a:off x="1813719" y="38252"/>
+              <a:ext cx="2839720" cy="2369668"/>
+            </a:xfrm>
+            <a:prstGeom prst="rect">
+              <a:avLst/>
+            </a:prstGeom>
+            <a:noFill/>
+            <a:ln w="19050">
               <a:solidFill>
                 <a:schemeClr val="tx1"/>
               </a:solidFill>
@@ -3157,167 +3108,43 @@
             </a:p>
           </p:txBody>
         </p:sp>
-        <p:sp>
-          <p:nvSpPr>
-            <p:cNvPr id="27" name="Rectangle 26"/>
-            <p:cNvSpPr/>
-            <p:nvPr/>
-          </p:nvSpPr>
-          <p:spPr>
-            <a:xfrm>
-              <a:off x="1676400" y="350520"/>
-              <a:ext cx="1625600" cy="1207625"/>
-            </a:xfrm>
-            <a:prstGeom prst="rect">
-              <a:avLst/>
-            </a:prstGeom>
-            <a:gradFill flip="none" rotWithShape="1">
-              <a:gsLst>
-                <a:gs pos="0">
-                  <a:schemeClr val="accent1"/>
-                </a:gs>
-                <a:gs pos="74000">
-                  <a:schemeClr val="accent1">
-                    <a:lumMod val="45000"/>
-                    <a:lumOff val="55000"/>
-                  </a:schemeClr>
-                </a:gs>
-                <a:gs pos="83000">
-                  <a:schemeClr val="accent1">
-                    <a:lumMod val="45000"/>
-                    <a:lumOff val="55000"/>
-                  </a:schemeClr>
-                </a:gs>
-                <a:gs pos="100000">
-                  <a:schemeClr val="accent1">
-                    <a:lumMod val="30000"/>
-                    <a:lumOff val="70000"/>
-                  </a:schemeClr>
-                </a:gs>
-              </a:gsLst>
-              <a:path path="circle">
-                <a:fillToRect l="50000" t="50000" r="50000" b="50000"/>
-              </a:path>
-              <a:tileRect/>
-            </a:gradFill>
-            <a:ln>
-              <a:solidFill>
-                <a:schemeClr val="tx1"/>
-              </a:solidFill>
-            </a:ln>
-          </p:spPr>
-          <p:style>
-            <a:lnRef idx="2">
-              <a:schemeClr val="accent1">
-                <a:shade val="50000"/>
-              </a:schemeClr>
-            </a:lnRef>
-            <a:fillRef idx="1">
-              <a:schemeClr val="accent1"/>
-            </a:fillRef>
-            <a:effectRef idx="0">
-              <a:schemeClr val="accent1"/>
-            </a:effectRef>
-            <a:fontRef idx="minor">
-              <a:schemeClr val="lt1"/>
-            </a:fontRef>
-          </p:style>
-          <p:txBody>
-            <a:bodyPr rtlCol="0" anchor="ctr"/>
-            <a:lstStyle/>
-            <a:p>
-              <a:pPr algn="ctr"/>
-              <a:endParaRPr lang="en-US"/>
-            </a:p>
-          </p:txBody>
-        </p:sp>
-      </p:grpSp>
-      <p:grpSp>
-        <p:nvGrpSpPr>
-          <p:cNvPr id="11" name="Group 10"/>
-          <p:cNvGrpSpPr>
-            <a:grpSpLocks noChangeAspect="1"/>
-          </p:cNvGrpSpPr>
-          <p:nvPr/>
-        </p:nvGrpSpPr>
-        <p:grpSpPr>
-          <a:xfrm>
-            <a:off x="2198464" y="882715"/>
-            <a:ext cx="988435" cy="680743"/>
-            <a:chOff x="2504255" y="2959892"/>
-            <a:chExt cx="2875742" cy="1960174"/>
-          </a:xfrm>
-        </p:grpSpPr>
-        <p:pic>
-          <p:nvPicPr>
-            <p:cNvPr id="12" name="Picture 2" descr="https://cdn0.iconfinder.com/data/icons/drone-applications/512/cargo_drone-512.png"/>
-            <p:cNvPicPr>
-              <a:picLocks noChangeAspect="1" noChangeArrowheads="1"/>
-            </p:cNvPicPr>
-            <p:nvPr/>
-          </p:nvPicPr>
-          <p:blipFill rotWithShape="1">
-            <a:blip r:embed="rId4" cstate="print">
-              <a:extLst>
-                <a:ext uri="{28A0092B-C50C-407E-A947-70E740481C1C}">
-                  <a14:useLocalDpi xmlns:a14="http://schemas.microsoft.com/office/drawing/2010/main" val="0"/>
-                </a:ext>
-              </a:extLst>
-            </a:blip>
-            <a:srcRect t="21733" b="20858"/>
-            <a:stretch/>
-          </p:blipFill>
-          <p:spPr bwMode="auto">
-            <a:xfrm>
-              <a:off x="2504255" y="2959892"/>
-              <a:ext cx="2875742" cy="1650935"/>
-            </a:xfrm>
-            <a:prstGeom prst="rect">
-              <a:avLst/>
-            </a:prstGeom>
-            <a:noFill/>
-            <a:extLst>
-              <a:ext uri="{909E8E84-426E-40DD-AFC4-6F175D3DCCD1}">
-                <a14:hiddenFill xmlns:a14="http://schemas.microsoft.com/office/drawing/2010/main">
-                  <a:solidFill>
-                    <a:srgbClr val="FFFFFF"/>
-                  </a:solidFill>
-                </a14:hiddenFill>
-              </a:ext>
-            </a:extLst>
-          </p:spPr>
-        </p:pic>
         <p:grpSp>
           <p:nvGrpSpPr>
-            <p:cNvPr id="13" name="Group 12"/>
+            <p:cNvPr id="28" name="Group 27"/>
             <p:cNvGrpSpPr/>
             <p:nvPr/>
           </p:nvGrpSpPr>
           <p:grpSpPr>
             <a:xfrm>
-              <a:off x="3354646" y="3907343"/>
-              <a:ext cx="294968" cy="1012723"/>
-              <a:chOff x="3570954" y="4719473"/>
-              <a:chExt cx="294968" cy="1012723"/>
+              <a:off x="1818049" y="41327"/>
+              <a:ext cx="1912706" cy="2366594"/>
+              <a:chOff x="1676400" y="350520"/>
+              <a:chExt cx="1625600" cy="2057400"/>
             </a:xfrm>
           </p:grpSpPr>
           <p:sp>
             <p:nvSpPr>
-              <p:cNvPr id="24" name="Rounded Rectangle 23"/>
+              <p:cNvPr id="26" name="Rectangle 25"/>
               <p:cNvSpPr/>
               <p:nvPr/>
             </p:nvSpPr>
             <p:spPr>
               <a:xfrm>
-                <a:off x="3570954" y="4719473"/>
-                <a:ext cx="294968" cy="521110"/>
+                <a:off x="1676400" y="1558145"/>
+                <a:ext cx="1625600" cy="849775"/>
               </a:xfrm>
-              <a:prstGeom prst="roundRect">
+              <a:prstGeom prst="rect">
                 <a:avLst/>
               </a:prstGeom>
-              <a:solidFill>
-                <a:srgbClr val="FFC000"/>
-              </a:solidFill>
+              <a:blipFill>
+                <a:blip r:embed="rId3"/>
+                <a:tile tx="0" ty="0" sx="100000" sy="100000" flip="none" algn="tl"/>
+              </a:blipFill>
+              <a:ln>
+                <a:solidFill>
+                  <a:schemeClr val="tx1"/>
+                </a:solidFill>
+              </a:ln>
             </p:spPr>
             <p:style>
               <a:lnRef idx="2">
@@ -3346,21 +3173,47 @@
           </p:sp>
           <p:sp>
             <p:nvSpPr>
-              <p:cNvPr id="25" name="Isosceles Triangle 24"/>
+              <p:cNvPr id="27" name="Rectangle 26"/>
               <p:cNvSpPr/>
               <p:nvPr/>
             </p:nvSpPr>
             <p:spPr>
-              <a:xfrm flipV="1">
-                <a:off x="3669277" y="5240583"/>
-                <a:ext cx="98322" cy="491613"/>
+              <a:xfrm>
+                <a:off x="1676400" y="350520"/>
+                <a:ext cx="1625600" cy="1207625"/>
               </a:xfrm>
-              <a:prstGeom prst="triangle">
+              <a:prstGeom prst="rect">
                 <a:avLst/>
               </a:prstGeom>
-              <a:solidFill>
-                <a:schemeClr val="tx1"/>
-              </a:solidFill>
+              <a:gradFill flip="none" rotWithShape="1">
+                <a:gsLst>
+                  <a:gs pos="0">
+                    <a:schemeClr val="accent1"/>
+                  </a:gs>
+                  <a:gs pos="74000">
+                    <a:schemeClr val="accent1">
+                      <a:lumMod val="45000"/>
+                      <a:lumOff val="55000"/>
+                    </a:schemeClr>
+                  </a:gs>
+                  <a:gs pos="83000">
+                    <a:schemeClr val="accent1">
+                      <a:lumMod val="45000"/>
+                      <a:lumOff val="55000"/>
+                    </a:schemeClr>
+                  </a:gs>
+                  <a:gs pos="100000">
+                    <a:schemeClr val="accent1">
+                      <a:lumMod val="30000"/>
+                      <a:lumOff val="70000"/>
+                    </a:schemeClr>
+                  </a:gs>
+                </a:gsLst>
+                <a:path path="circle">
+                  <a:fillToRect l="50000" t="50000" r="50000" b="50000"/>
+                </a:path>
+                <a:tileRect/>
+              </a:gradFill>
               <a:ln>
                 <a:solidFill>
                   <a:schemeClr val="tx1"/>
@@ -3395,34 +3248,499 @@
         </p:grpSp>
         <p:grpSp>
           <p:nvGrpSpPr>
-            <p:cNvPr id="14" name="Group 13"/>
-            <p:cNvGrpSpPr/>
+            <p:cNvPr id="11" name="Group 10"/>
+            <p:cNvGrpSpPr>
+              <a:grpSpLocks noChangeAspect="1"/>
+            </p:cNvGrpSpPr>
             <p:nvPr/>
           </p:nvGrpSpPr>
           <p:grpSpPr>
             <a:xfrm>
-              <a:off x="3644106" y="3901702"/>
-              <a:ext cx="294968" cy="1012723"/>
-              <a:chOff x="3570954" y="4719473"/>
-              <a:chExt cx="294968" cy="1012723"/>
+              <a:off x="2198464" y="882715"/>
+              <a:ext cx="988435" cy="680743"/>
+              <a:chOff x="2504255" y="2959892"/>
+              <a:chExt cx="2875742" cy="1960174"/>
             </a:xfrm>
           </p:grpSpPr>
+          <p:pic>
+            <p:nvPicPr>
+              <p:cNvPr id="12" name="Picture 2" descr="https://cdn0.iconfinder.com/data/icons/drone-applications/512/cargo_drone-512.png"/>
+              <p:cNvPicPr>
+                <a:picLocks noChangeAspect="1" noChangeArrowheads="1"/>
+              </p:cNvPicPr>
+              <p:nvPr/>
+            </p:nvPicPr>
+            <p:blipFill rotWithShape="1">
+              <a:blip r:embed="rId4" cstate="print">
+                <a:extLst>
+                  <a:ext uri="{28A0092B-C50C-407E-A947-70E740481C1C}">
+                    <a14:useLocalDpi xmlns:a14="http://schemas.microsoft.com/office/drawing/2010/main" val="0"/>
+                  </a:ext>
+                </a:extLst>
+              </a:blip>
+              <a:srcRect t="21733" b="20858"/>
+              <a:stretch/>
+            </p:blipFill>
+            <p:spPr bwMode="auto">
+              <a:xfrm>
+                <a:off x="2504255" y="2959892"/>
+                <a:ext cx="2875742" cy="1650935"/>
+              </a:xfrm>
+              <a:prstGeom prst="rect">
+                <a:avLst/>
+              </a:prstGeom>
+              <a:noFill/>
+              <a:extLst>
+                <a:ext uri="{909E8E84-426E-40DD-AFC4-6F175D3DCCD1}">
+                  <a14:hiddenFill xmlns:a14="http://schemas.microsoft.com/office/drawing/2010/main">
+                    <a:solidFill>
+                      <a:srgbClr val="FFFFFF"/>
+                    </a:solidFill>
+                  </a14:hiddenFill>
+                </a:ext>
+              </a:extLst>
+            </p:spPr>
+          </p:pic>
+          <p:grpSp>
+            <p:nvGrpSpPr>
+              <p:cNvPr id="13" name="Group 12"/>
+              <p:cNvGrpSpPr/>
+              <p:nvPr/>
+            </p:nvGrpSpPr>
+            <p:grpSpPr>
+              <a:xfrm>
+                <a:off x="3354646" y="3907343"/>
+                <a:ext cx="294968" cy="1012723"/>
+                <a:chOff x="3570954" y="4719473"/>
+                <a:chExt cx="294968" cy="1012723"/>
+              </a:xfrm>
+            </p:grpSpPr>
+            <p:sp>
+              <p:nvSpPr>
+                <p:cNvPr id="24" name="Rounded Rectangle 23"/>
+                <p:cNvSpPr/>
+                <p:nvPr/>
+              </p:nvSpPr>
+              <p:spPr>
+                <a:xfrm>
+                  <a:off x="3570954" y="4719473"/>
+                  <a:ext cx="294968" cy="521110"/>
+                </a:xfrm>
+                <a:prstGeom prst="roundRect">
+                  <a:avLst/>
+                </a:prstGeom>
+                <a:solidFill>
+                  <a:srgbClr val="FFC000"/>
+                </a:solidFill>
+              </p:spPr>
+              <p:style>
+                <a:lnRef idx="2">
+                  <a:schemeClr val="accent1">
+                    <a:shade val="50000"/>
+                  </a:schemeClr>
+                </a:lnRef>
+                <a:fillRef idx="1">
+                  <a:schemeClr val="accent1"/>
+                </a:fillRef>
+                <a:effectRef idx="0">
+                  <a:schemeClr val="accent1"/>
+                </a:effectRef>
+                <a:fontRef idx="minor">
+                  <a:schemeClr val="lt1"/>
+                </a:fontRef>
+              </p:style>
+              <p:txBody>
+                <a:bodyPr rtlCol="0" anchor="ctr"/>
+                <a:lstStyle/>
+                <a:p>
+                  <a:pPr algn="ctr"/>
+                  <a:endParaRPr lang="en-US"/>
+                </a:p>
+              </p:txBody>
+            </p:sp>
+            <p:sp>
+              <p:nvSpPr>
+                <p:cNvPr id="25" name="Isosceles Triangle 24"/>
+                <p:cNvSpPr/>
+                <p:nvPr/>
+              </p:nvSpPr>
+              <p:spPr>
+                <a:xfrm flipV="1">
+                  <a:off x="3669277" y="5240583"/>
+                  <a:ext cx="98322" cy="491613"/>
+                </a:xfrm>
+                <a:prstGeom prst="triangle">
+                  <a:avLst/>
+                </a:prstGeom>
+                <a:solidFill>
+                  <a:schemeClr val="tx1"/>
+                </a:solidFill>
+                <a:ln>
+                  <a:solidFill>
+                    <a:schemeClr val="tx1"/>
+                  </a:solidFill>
+                </a:ln>
+              </p:spPr>
+              <p:style>
+                <a:lnRef idx="2">
+                  <a:schemeClr val="accent1">
+                    <a:shade val="50000"/>
+                  </a:schemeClr>
+                </a:lnRef>
+                <a:fillRef idx="1">
+                  <a:schemeClr val="accent1"/>
+                </a:fillRef>
+                <a:effectRef idx="0">
+                  <a:schemeClr val="accent1"/>
+                </a:effectRef>
+                <a:fontRef idx="minor">
+                  <a:schemeClr val="lt1"/>
+                </a:fontRef>
+              </p:style>
+              <p:txBody>
+                <a:bodyPr rtlCol="0" anchor="ctr"/>
+                <a:lstStyle/>
+                <a:p>
+                  <a:pPr algn="ctr"/>
+                  <a:endParaRPr lang="en-US"/>
+                </a:p>
+              </p:txBody>
+            </p:sp>
+          </p:grpSp>
+          <p:grpSp>
+            <p:nvGrpSpPr>
+              <p:cNvPr id="14" name="Group 13"/>
+              <p:cNvGrpSpPr/>
+              <p:nvPr/>
+            </p:nvGrpSpPr>
+            <p:grpSpPr>
+              <a:xfrm>
+                <a:off x="3644106" y="3901702"/>
+                <a:ext cx="294968" cy="1012723"/>
+                <a:chOff x="3570954" y="4719473"/>
+                <a:chExt cx="294968" cy="1012723"/>
+              </a:xfrm>
+            </p:grpSpPr>
+            <p:sp>
+              <p:nvSpPr>
+                <p:cNvPr id="22" name="Rounded Rectangle 21"/>
+                <p:cNvSpPr/>
+                <p:nvPr/>
+              </p:nvSpPr>
+              <p:spPr>
+                <a:xfrm>
+                  <a:off x="3570954" y="4719473"/>
+                  <a:ext cx="294968" cy="521110"/>
+                </a:xfrm>
+                <a:prstGeom prst="roundRect">
+                  <a:avLst/>
+                </a:prstGeom>
+                <a:solidFill>
+                  <a:srgbClr val="FFC000"/>
+                </a:solidFill>
+              </p:spPr>
+              <p:style>
+                <a:lnRef idx="2">
+                  <a:schemeClr val="accent1">
+                    <a:shade val="50000"/>
+                  </a:schemeClr>
+                </a:lnRef>
+                <a:fillRef idx="1">
+                  <a:schemeClr val="accent1"/>
+                </a:fillRef>
+                <a:effectRef idx="0">
+                  <a:schemeClr val="accent1"/>
+                </a:effectRef>
+                <a:fontRef idx="minor">
+                  <a:schemeClr val="lt1"/>
+                </a:fontRef>
+              </p:style>
+              <p:txBody>
+                <a:bodyPr rtlCol="0" anchor="ctr"/>
+                <a:lstStyle/>
+                <a:p>
+                  <a:pPr algn="ctr"/>
+                  <a:endParaRPr lang="en-US"/>
+                </a:p>
+              </p:txBody>
+            </p:sp>
+            <p:sp>
+              <p:nvSpPr>
+                <p:cNvPr id="23" name="Isosceles Triangle 22"/>
+                <p:cNvSpPr/>
+                <p:nvPr/>
+              </p:nvSpPr>
+              <p:spPr>
+                <a:xfrm flipV="1">
+                  <a:off x="3669277" y="5240583"/>
+                  <a:ext cx="98322" cy="491613"/>
+                </a:xfrm>
+                <a:prstGeom prst="triangle">
+                  <a:avLst/>
+                </a:prstGeom>
+                <a:solidFill>
+                  <a:schemeClr val="tx1"/>
+                </a:solidFill>
+                <a:ln>
+                  <a:solidFill>
+                    <a:schemeClr val="tx1"/>
+                  </a:solidFill>
+                </a:ln>
+              </p:spPr>
+              <p:style>
+                <a:lnRef idx="2">
+                  <a:schemeClr val="accent1">
+                    <a:shade val="50000"/>
+                  </a:schemeClr>
+                </a:lnRef>
+                <a:fillRef idx="1">
+                  <a:schemeClr val="accent1"/>
+                </a:fillRef>
+                <a:effectRef idx="0">
+                  <a:schemeClr val="accent1"/>
+                </a:effectRef>
+                <a:fontRef idx="minor">
+                  <a:schemeClr val="lt1"/>
+                </a:fontRef>
+              </p:style>
+              <p:txBody>
+                <a:bodyPr rtlCol="0" anchor="ctr"/>
+                <a:lstStyle/>
+                <a:p>
+                  <a:pPr algn="ctr"/>
+                  <a:endParaRPr lang="en-US"/>
+                </a:p>
+              </p:txBody>
+            </p:sp>
+          </p:grpSp>
+          <p:grpSp>
+            <p:nvGrpSpPr>
+              <p:cNvPr id="15" name="Group 14"/>
+              <p:cNvGrpSpPr/>
+              <p:nvPr/>
+            </p:nvGrpSpPr>
+            <p:grpSpPr>
+              <a:xfrm>
+                <a:off x="3944783" y="3894772"/>
+                <a:ext cx="294968" cy="1012723"/>
+                <a:chOff x="3570954" y="4719473"/>
+                <a:chExt cx="294968" cy="1012723"/>
+              </a:xfrm>
+            </p:grpSpPr>
+            <p:sp>
+              <p:nvSpPr>
+                <p:cNvPr id="20" name="Rounded Rectangle 19"/>
+                <p:cNvSpPr/>
+                <p:nvPr/>
+              </p:nvSpPr>
+              <p:spPr>
+                <a:xfrm>
+                  <a:off x="3570954" y="4719473"/>
+                  <a:ext cx="294968" cy="521110"/>
+                </a:xfrm>
+                <a:prstGeom prst="roundRect">
+                  <a:avLst/>
+                </a:prstGeom>
+                <a:solidFill>
+                  <a:srgbClr val="FFC000"/>
+                </a:solidFill>
+              </p:spPr>
+              <p:style>
+                <a:lnRef idx="2">
+                  <a:schemeClr val="accent1">
+                    <a:shade val="50000"/>
+                  </a:schemeClr>
+                </a:lnRef>
+                <a:fillRef idx="1">
+                  <a:schemeClr val="accent1"/>
+                </a:fillRef>
+                <a:effectRef idx="0">
+                  <a:schemeClr val="accent1"/>
+                </a:effectRef>
+                <a:fontRef idx="minor">
+                  <a:schemeClr val="lt1"/>
+                </a:fontRef>
+              </p:style>
+              <p:txBody>
+                <a:bodyPr rtlCol="0" anchor="ctr"/>
+                <a:lstStyle/>
+                <a:p>
+                  <a:pPr algn="ctr"/>
+                  <a:endParaRPr lang="en-US"/>
+                </a:p>
+              </p:txBody>
+            </p:sp>
+            <p:sp>
+              <p:nvSpPr>
+                <p:cNvPr id="21" name="Isosceles Triangle 20"/>
+                <p:cNvSpPr/>
+                <p:nvPr/>
+              </p:nvSpPr>
+              <p:spPr>
+                <a:xfrm flipV="1">
+                  <a:off x="3669277" y="5240583"/>
+                  <a:ext cx="98322" cy="491613"/>
+                </a:xfrm>
+                <a:prstGeom prst="triangle">
+                  <a:avLst/>
+                </a:prstGeom>
+                <a:solidFill>
+                  <a:schemeClr val="tx1"/>
+                </a:solidFill>
+                <a:ln>
+                  <a:solidFill>
+                    <a:schemeClr val="tx1"/>
+                  </a:solidFill>
+                </a:ln>
+              </p:spPr>
+              <p:style>
+                <a:lnRef idx="2">
+                  <a:schemeClr val="accent1">
+                    <a:shade val="50000"/>
+                  </a:schemeClr>
+                </a:lnRef>
+                <a:fillRef idx="1">
+                  <a:schemeClr val="accent1"/>
+                </a:fillRef>
+                <a:effectRef idx="0">
+                  <a:schemeClr val="accent1"/>
+                </a:effectRef>
+                <a:fontRef idx="minor">
+                  <a:schemeClr val="lt1"/>
+                </a:fontRef>
+              </p:style>
+              <p:txBody>
+                <a:bodyPr rtlCol="0" anchor="ctr"/>
+                <a:lstStyle/>
+                <a:p>
+                  <a:pPr algn="ctr"/>
+                  <a:endParaRPr lang="en-US"/>
+                </a:p>
+              </p:txBody>
+            </p:sp>
+          </p:grpSp>
+          <p:grpSp>
+            <p:nvGrpSpPr>
+              <p:cNvPr id="16" name="Group 15"/>
+              <p:cNvGrpSpPr/>
+              <p:nvPr/>
+            </p:nvGrpSpPr>
+            <p:grpSpPr>
+              <a:xfrm>
+                <a:off x="4225744" y="3894680"/>
+                <a:ext cx="294968" cy="1012723"/>
+                <a:chOff x="3570954" y="4719473"/>
+                <a:chExt cx="294968" cy="1012723"/>
+              </a:xfrm>
+            </p:grpSpPr>
+            <p:sp>
+              <p:nvSpPr>
+                <p:cNvPr id="18" name="Rounded Rectangle 17"/>
+                <p:cNvSpPr/>
+                <p:nvPr/>
+              </p:nvSpPr>
+              <p:spPr>
+                <a:xfrm>
+                  <a:off x="3570954" y="4719473"/>
+                  <a:ext cx="294968" cy="521110"/>
+                </a:xfrm>
+                <a:prstGeom prst="roundRect">
+                  <a:avLst/>
+                </a:prstGeom>
+                <a:solidFill>
+                  <a:srgbClr val="FFC000"/>
+                </a:solidFill>
+              </p:spPr>
+              <p:style>
+                <a:lnRef idx="2">
+                  <a:schemeClr val="accent1">
+                    <a:shade val="50000"/>
+                  </a:schemeClr>
+                </a:lnRef>
+                <a:fillRef idx="1">
+                  <a:schemeClr val="accent1"/>
+                </a:fillRef>
+                <a:effectRef idx="0">
+                  <a:schemeClr val="accent1"/>
+                </a:effectRef>
+                <a:fontRef idx="minor">
+                  <a:schemeClr val="lt1"/>
+                </a:fontRef>
+              </p:style>
+              <p:txBody>
+                <a:bodyPr rtlCol="0" anchor="ctr"/>
+                <a:lstStyle/>
+                <a:p>
+                  <a:pPr algn="ctr"/>
+                  <a:endParaRPr lang="en-US"/>
+                </a:p>
+              </p:txBody>
+            </p:sp>
+            <p:sp>
+              <p:nvSpPr>
+                <p:cNvPr id="19" name="Isosceles Triangle 18"/>
+                <p:cNvSpPr/>
+                <p:nvPr/>
+              </p:nvSpPr>
+              <p:spPr>
+                <a:xfrm flipV="1">
+                  <a:off x="3669277" y="5240583"/>
+                  <a:ext cx="98322" cy="491613"/>
+                </a:xfrm>
+                <a:prstGeom prst="triangle">
+                  <a:avLst/>
+                </a:prstGeom>
+                <a:solidFill>
+                  <a:schemeClr val="tx1"/>
+                </a:solidFill>
+                <a:ln>
+                  <a:solidFill>
+                    <a:schemeClr val="tx1"/>
+                  </a:solidFill>
+                </a:ln>
+              </p:spPr>
+              <p:style>
+                <a:lnRef idx="2">
+                  <a:schemeClr val="accent1">
+                    <a:shade val="50000"/>
+                  </a:schemeClr>
+                </a:lnRef>
+                <a:fillRef idx="1">
+                  <a:schemeClr val="accent1"/>
+                </a:fillRef>
+                <a:effectRef idx="0">
+                  <a:schemeClr val="accent1"/>
+                </a:effectRef>
+                <a:fontRef idx="minor">
+                  <a:schemeClr val="lt1"/>
+                </a:fontRef>
+              </p:style>
+              <p:txBody>
+                <a:bodyPr rtlCol="0" anchor="ctr"/>
+                <a:lstStyle/>
+                <a:p>
+                  <a:pPr algn="ctr"/>
+                  <a:endParaRPr lang="en-US"/>
+                </a:p>
+              </p:txBody>
+            </p:sp>
+          </p:grpSp>
           <p:sp>
             <p:nvSpPr>
-              <p:cNvPr id="22" name="Rounded Rectangle 21"/>
+              <p:cNvPr id="17" name="Rectangle 16"/>
               <p:cNvSpPr/>
               <p:nvPr/>
             </p:nvSpPr>
             <p:spPr>
               <a:xfrm>
-                <a:off x="3570954" y="4719473"/>
-                <a:ext cx="294968" cy="521110"/>
+                <a:off x="3387012" y="3777876"/>
+                <a:ext cx="1133700" cy="104176"/>
               </a:xfrm>
-              <a:prstGeom prst="roundRect">
+              <a:prstGeom prst="rect">
                 <a:avLst/>
               </a:prstGeom>
               <a:solidFill>
-                <a:srgbClr val="FFC000"/>
+                <a:srgbClr val="FF0000"/>
               </a:solidFill>
             </p:spPr>
             <p:style>
@@ -3450,652 +3768,342 @@
               </a:p>
             </p:txBody>
           </p:sp>
-          <p:sp>
-            <p:nvSpPr>
-              <p:cNvPr id="23" name="Isosceles Triangle 22"/>
-              <p:cNvSpPr/>
-              <p:nvPr/>
-            </p:nvSpPr>
-            <p:spPr>
-              <a:xfrm flipV="1">
-                <a:off x="3669277" y="5240583"/>
-                <a:ext cx="98322" cy="491613"/>
-              </a:xfrm>
-              <a:prstGeom prst="triangle">
-                <a:avLst/>
-              </a:prstGeom>
-              <a:solidFill>
-                <a:schemeClr val="tx1"/>
-              </a:solidFill>
-              <a:ln>
-                <a:solidFill>
-                  <a:schemeClr val="tx1"/>
-                </a:solidFill>
-              </a:ln>
-            </p:spPr>
-            <p:style>
-              <a:lnRef idx="2">
-                <a:schemeClr val="accent1">
-                  <a:shade val="50000"/>
-                </a:schemeClr>
-              </a:lnRef>
-              <a:fillRef idx="1">
-                <a:schemeClr val="accent1"/>
-              </a:fillRef>
-              <a:effectRef idx="0">
-                <a:schemeClr val="accent1"/>
-              </a:effectRef>
-              <a:fontRef idx="minor">
-                <a:schemeClr val="lt1"/>
-              </a:fontRef>
-            </p:style>
-            <p:txBody>
-              <a:bodyPr rtlCol="0" anchor="ctr"/>
-              <a:lstStyle/>
-              <a:p>
-                <a:pPr algn="ctr"/>
-                <a:endParaRPr lang="en-US"/>
-              </a:p>
-            </p:txBody>
-          </p:sp>
         </p:grpSp>
-        <p:grpSp>
-          <p:nvGrpSpPr>
-            <p:cNvPr id="15" name="Group 14"/>
-            <p:cNvGrpSpPr/>
+        <p:cxnSp>
+          <p:nvCxnSpPr>
+            <p:cNvPr id="34" name="Straight Connector 33"/>
+            <p:cNvCxnSpPr/>
             <p:nvPr/>
-          </p:nvGrpSpPr>
-          <p:grpSpPr>
-            <a:xfrm>
-              <a:off x="3944783" y="3894772"/>
-              <a:ext cx="294968" cy="1012723"/>
-              <a:chOff x="3570954" y="4719473"/>
-              <a:chExt cx="294968" cy="1012723"/>
+          </p:nvCxnSpPr>
+          <p:spPr>
+            <a:xfrm flipV="1">
+              <a:off x="2960695" y="1408610"/>
+              <a:ext cx="248301" cy="630"/>
             </a:xfrm>
-          </p:grpSpPr>
-          <p:sp>
-            <p:nvSpPr>
-              <p:cNvPr id="20" name="Rounded Rectangle 19"/>
-              <p:cNvSpPr/>
-              <p:nvPr/>
-            </p:nvSpPr>
-            <p:spPr>
-              <a:xfrm>
-                <a:off x="3570954" y="4719473"/>
-                <a:ext cx="294968" cy="521110"/>
-              </a:xfrm>
-              <a:prstGeom prst="roundRect">
-                <a:avLst/>
-              </a:prstGeom>
-              <a:solidFill>
-                <a:srgbClr val="FFC000"/>
-              </a:solidFill>
-            </p:spPr>
-            <p:style>
-              <a:lnRef idx="2">
-                <a:schemeClr val="accent1">
-                  <a:shade val="50000"/>
-                </a:schemeClr>
-              </a:lnRef>
-              <a:fillRef idx="1">
-                <a:schemeClr val="accent1"/>
-              </a:fillRef>
-              <a:effectRef idx="0">
-                <a:schemeClr val="accent1"/>
-              </a:effectRef>
-              <a:fontRef idx="minor">
-                <a:schemeClr val="lt1"/>
-              </a:fontRef>
-            </p:style>
-            <p:txBody>
-              <a:bodyPr rtlCol="0" anchor="ctr"/>
-              <a:lstStyle/>
-              <a:p>
-                <a:pPr algn="ctr"/>
-                <a:endParaRPr lang="en-US"/>
-              </a:p>
-            </p:txBody>
-          </p:sp>
-          <p:sp>
-            <p:nvSpPr>
-              <p:cNvPr id="21" name="Isosceles Triangle 20"/>
-              <p:cNvSpPr/>
-              <p:nvPr/>
-            </p:nvSpPr>
-            <p:spPr>
-              <a:xfrm flipV="1">
-                <a:off x="3669277" y="5240583"/>
-                <a:ext cx="98322" cy="491613"/>
-              </a:xfrm>
-              <a:prstGeom prst="triangle">
-                <a:avLst/>
-              </a:prstGeom>
-              <a:solidFill>
-                <a:schemeClr val="tx1"/>
-              </a:solidFill>
-              <a:ln>
-                <a:solidFill>
-                  <a:schemeClr val="tx1"/>
-                </a:solidFill>
-              </a:ln>
-            </p:spPr>
-            <p:style>
-              <a:lnRef idx="2">
-                <a:schemeClr val="accent1">
-                  <a:shade val="50000"/>
-                </a:schemeClr>
-              </a:lnRef>
-              <a:fillRef idx="1">
-                <a:schemeClr val="accent1"/>
-              </a:fillRef>
-              <a:effectRef idx="0">
-                <a:schemeClr val="accent1"/>
-              </a:effectRef>
-              <a:fontRef idx="minor">
-                <a:schemeClr val="lt1"/>
-              </a:fontRef>
-            </p:style>
-            <p:txBody>
-              <a:bodyPr rtlCol="0" anchor="ctr"/>
-              <a:lstStyle/>
-              <a:p>
-                <a:pPr algn="ctr"/>
-                <a:endParaRPr lang="en-US"/>
-              </a:p>
-            </p:txBody>
-          </p:sp>
-        </p:grpSp>
-        <p:grpSp>
-          <p:nvGrpSpPr>
-            <p:cNvPr id="16" name="Group 15"/>
-            <p:cNvGrpSpPr/>
-            <p:nvPr/>
-          </p:nvGrpSpPr>
-          <p:grpSpPr>
-            <a:xfrm>
-              <a:off x="4225744" y="3894680"/>
-              <a:ext cx="294968" cy="1012723"/>
-              <a:chOff x="3570954" y="4719473"/>
-              <a:chExt cx="294968" cy="1012723"/>
-            </a:xfrm>
-          </p:grpSpPr>
-          <p:sp>
-            <p:nvSpPr>
-              <p:cNvPr id="18" name="Rounded Rectangle 17"/>
-              <p:cNvSpPr/>
-              <p:nvPr/>
-            </p:nvSpPr>
-            <p:spPr>
-              <a:xfrm>
-                <a:off x="3570954" y="4719473"/>
-                <a:ext cx="294968" cy="521110"/>
-              </a:xfrm>
-              <a:prstGeom prst="roundRect">
-                <a:avLst/>
-              </a:prstGeom>
-              <a:solidFill>
-                <a:srgbClr val="FFC000"/>
-              </a:solidFill>
-            </p:spPr>
-            <p:style>
-              <a:lnRef idx="2">
-                <a:schemeClr val="accent1">
-                  <a:shade val="50000"/>
-                </a:schemeClr>
-              </a:lnRef>
-              <a:fillRef idx="1">
-                <a:schemeClr val="accent1"/>
-              </a:fillRef>
-              <a:effectRef idx="0">
-                <a:schemeClr val="accent1"/>
-              </a:effectRef>
-              <a:fontRef idx="minor">
-                <a:schemeClr val="lt1"/>
-              </a:fontRef>
-            </p:style>
-            <p:txBody>
-              <a:bodyPr rtlCol="0" anchor="ctr"/>
-              <a:lstStyle/>
-              <a:p>
-                <a:pPr algn="ctr"/>
-                <a:endParaRPr lang="en-US"/>
-              </a:p>
-            </p:txBody>
-          </p:sp>
-          <p:sp>
-            <p:nvSpPr>
-              <p:cNvPr id="19" name="Isosceles Triangle 18"/>
-              <p:cNvSpPr/>
-              <p:nvPr/>
-            </p:nvSpPr>
-            <p:spPr>
-              <a:xfrm flipV="1">
-                <a:off x="3669277" y="5240583"/>
-                <a:ext cx="98322" cy="491613"/>
-              </a:xfrm>
-              <a:prstGeom prst="triangle">
-                <a:avLst/>
-              </a:prstGeom>
-              <a:solidFill>
-                <a:schemeClr val="tx1"/>
-              </a:solidFill>
-              <a:ln>
-                <a:solidFill>
-                  <a:schemeClr val="tx1"/>
-                </a:solidFill>
-              </a:ln>
-            </p:spPr>
-            <p:style>
-              <a:lnRef idx="2">
-                <a:schemeClr val="accent1">
-                  <a:shade val="50000"/>
-                </a:schemeClr>
-              </a:lnRef>
-              <a:fillRef idx="1">
-                <a:schemeClr val="accent1"/>
-              </a:fillRef>
-              <a:effectRef idx="0">
-                <a:schemeClr val="accent1"/>
-              </a:effectRef>
-              <a:fontRef idx="minor">
-                <a:schemeClr val="lt1"/>
-              </a:fontRef>
-            </p:style>
-            <p:txBody>
-              <a:bodyPr rtlCol="0" anchor="ctr"/>
-              <a:lstStyle/>
-              <a:p>
-                <a:pPr algn="ctr"/>
-                <a:endParaRPr lang="en-US"/>
-              </a:p>
-            </p:txBody>
-          </p:sp>
-        </p:grpSp>
-        <p:sp>
-          <p:nvSpPr>
-            <p:cNvPr id="17" name="Rectangle 16"/>
-            <p:cNvSpPr/>
-            <p:nvPr/>
-          </p:nvSpPr>
-          <p:spPr>
-            <a:xfrm>
-              <a:off x="3387012" y="3777876"/>
-              <a:ext cx="1133700" cy="104176"/>
-            </a:xfrm>
-            <a:prstGeom prst="rect">
+            <a:prstGeom prst="line">
               <a:avLst/>
             </a:prstGeom>
-            <a:solidFill>
-              <a:srgbClr val="FF0000"/>
-            </a:solidFill>
+            <a:ln w="28575">
+              <a:solidFill>
+                <a:schemeClr val="bg1"/>
+              </a:solidFill>
+            </a:ln>
           </p:spPr>
           <p:style>
-            <a:lnRef idx="2">
-              <a:schemeClr val="accent1">
-                <a:shade val="50000"/>
-              </a:schemeClr>
+            <a:lnRef idx="1">
+              <a:schemeClr val="accent1"/>
             </a:lnRef>
-            <a:fillRef idx="1">
+            <a:fillRef idx="0">
               <a:schemeClr val="accent1"/>
             </a:fillRef>
             <a:effectRef idx="0">
               <a:schemeClr val="accent1"/>
             </a:effectRef>
             <a:fontRef idx="minor">
-              <a:schemeClr val="lt1"/>
+              <a:schemeClr val="tx1"/>
             </a:fontRef>
           </p:style>
+        </p:cxnSp>
+        <p:cxnSp>
+          <p:nvCxnSpPr>
+            <p:cNvPr id="36" name="Straight Connector 35"/>
+            <p:cNvCxnSpPr/>
+            <p:nvPr/>
+          </p:nvCxnSpPr>
+          <p:spPr>
+            <a:xfrm>
+              <a:off x="2482499" y="1645238"/>
+              <a:ext cx="726497" cy="0"/>
+            </a:xfrm>
+            <a:prstGeom prst="line">
+              <a:avLst/>
+            </a:prstGeom>
+            <a:ln w="28575">
+              <a:solidFill>
+                <a:schemeClr val="bg1"/>
+              </a:solidFill>
+            </a:ln>
+          </p:spPr>
+          <p:style>
+            <a:lnRef idx="1">
+              <a:schemeClr val="accent1"/>
+            </a:lnRef>
+            <a:fillRef idx="0">
+              <a:schemeClr val="accent1"/>
+            </a:fillRef>
+            <a:effectRef idx="0">
+              <a:schemeClr val="accent1"/>
+            </a:effectRef>
+            <a:fontRef idx="minor">
+              <a:schemeClr val="tx1"/>
+            </a:fontRef>
+          </p:style>
+        </p:cxnSp>
+        <p:cxnSp>
+          <p:nvCxnSpPr>
+            <p:cNvPr id="39" name="Straight Arrow Connector 38"/>
+            <p:cNvCxnSpPr/>
+            <p:nvPr/>
+          </p:nvCxnSpPr>
+          <p:spPr>
+            <a:xfrm>
+              <a:off x="3084966" y="1388330"/>
+              <a:ext cx="0" cy="275039"/>
+            </a:xfrm>
+            <a:prstGeom prst="straightConnector1">
+              <a:avLst/>
+            </a:prstGeom>
+            <a:ln w="19050">
+              <a:solidFill>
+                <a:schemeClr val="bg1"/>
+              </a:solidFill>
+              <a:headEnd type="triangle"/>
+              <a:tailEnd type="triangle"/>
+            </a:ln>
+          </p:spPr>
+          <p:style>
+            <a:lnRef idx="1">
+              <a:schemeClr val="accent1"/>
+            </a:lnRef>
+            <a:fillRef idx="0">
+              <a:schemeClr val="accent1"/>
+            </a:fillRef>
+            <a:effectRef idx="0">
+              <a:schemeClr val="accent1"/>
+            </a:effectRef>
+            <a:fontRef idx="minor">
+              <a:schemeClr val="tx1"/>
+            </a:fontRef>
+          </p:style>
+        </p:cxnSp>
+        <p:sp>
+          <p:nvSpPr>
+            <p:cNvPr id="40" name="TextBox 39"/>
+            <p:cNvSpPr txBox="1"/>
+            <p:nvPr/>
+          </p:nvSpPr>
+          <p:spPr>
+            <a:xfrm>
+              <a:off x="3149026" y="1224778"/>
+              <a:ext cx="237655" cy="584775"/>
+            </a:xfrm>
+            <a:prstGeom prst="rect">
+              <a:avLst/>
+            </a:prstGeom>
+            <a:noFill/>
+            <a:ln>
+              <a:noFill/>
+            </a:ln>
+          </p:spPr>
           <p:txBody>
-            <a:bodyPr rtlCol="0" anchor="ctr"/>
+            <a:bodyPr wrap="square" rtlCol="0">
+              <a:spAutoFit/>
+            </a:bodyPr>
+            <a:lstStyle/>
+            <a:p>
+              <a:r>
+                <a:rPr lang="en-US" sz="3200" dirty="0">
+                  <a:solidFill>
+                    <a:schemeClr val="bg1"/>
+                  </a:solidFill>
+                </a:rPr>
+                <a:t>D</a:t>
+              </a:r>
+            </a:p>
+          </p:txBody>
+        </p:sp>
+        <p:sp>
+          <p:nvSpPr>
+            <p:cNvPr id="41" name="TextBox 40"/>
+            <p:cNvSpPr txBox="1"/>
+            <p:nvPr/>
+          </p:nvSpPr>
+          <p:spPr>
+            <a:xfrm>
+              <a:off x="1762934" y="-13948"/>
+              <a:ext cx="1944755" cy="707886"/>
+            </a:xfrm>
+            <a:prstGeom prst="rect">
+              <a:avLst/>
+            </a:prstGeom>
+            <a:noFill/>
+          </p:spPr>
+          <p:txBody>
+            <a:bodyPr wrap="square" rtlCol="0">
+              <a:spAutoFit/>
+            </a:bodyPr>
             <a:lstStyle/>
             <a:p>
               <a:pPr algn="ctr"/>
-              <a:endParaRPr lang="en-US"/>
+              <a:r>
+                <a:rPr lang="en-US" sz="2000" dirty="0"/>
+                <a:t>D – Penetration Depth</a:t>
+              </a:r>
+            </a:p>
+          </p:txBody>
+        </p:sp>
+        <p:sp>
+          <p:nvSpPr>
+            <p:cNvPr id="58" name="TextBox 57"/>
+            <p:cNvSpPr txBox="1"/>
+            <p:nvPr/>
+          </p:nvSpPr>
+          <p:spPr>
+            <a:xfrm>
+              <a:off x="3763568" y="347440"/>
+              <a:ext cx="621792" cy="242246"/>
+            </a:xfrm>
+            <a:prstGeom prst="rect">
+              <a:avLst/>
+            </a:prstGeom>
+            <a:noFill/>
+          </p:spPr>
+          <p:txBody>
+            <a:bodyPr wrap="square" rtlCol="0">
+              <a:spAutoFit/>
+            </a:bodyPr>
+            <a:lstStyle/>
+            <a:p>
+              <a:r>
+                <a:rPr lang="en-US" dirty="0"/>
+                <a:t>grass</a:t>
+              </a:r>
+            </a:p>
+          </p:txBody>
+        </p:sp>
+        <p:pic>
+          <p:nvPicPr>
+            <p:cNvPr id="4" name="Picture 3"/>
+            <p:cNvPicPr>
+              <a:picLocks noChangeAspect="1"/>
+            </p:cNvPicPr>
+            <p:nvPr/>
+          </p:nvPicPr>
+          <p:blipFill rotWithShape="1">
+            <a:blip r:embed="rId5" cstate="print">
+              <a:extLst>
+                <a:ext uri="{28A0092B-C50C-407E-A947-70E740481C1C}">
+                  <a14:useLocalDpi xmlns:a14="http://schemas.microsoft.com/office/drawing/2010/main" val="0"/>
+                </a:ext>
+              </a:extLst>
+            </a:blip>
+            <a:srcRect l="40552" t="29107" r="8222" b="16819"/>
+            <a:stretch/>
+          </p:blipFill>
+          <p:spPr>
+            <a:xfrm rot="10800000">
+              <a:off x="3754412" y="790413"/>
+              <a:ext cx="890776" cy="705449"/>
+            </a:xfrm>
+            <a:prstGeom prst="rect">
+              <a:avLst/>
+            </a:prstGeom>
+            <a:ln w="19050">
+              <a:solidFill>
+                <a:schemeClr val="tx1"/>
+              </a:solidFill>
+            </a:ln>
+          </p:spPr>
+        </p:pic>
+        <p:pic>
+          <p:nvPicPr>
+            <p:cNvPr id="7" name="Picture 6"/>
+            <p:cNvPicPr>
+              <a:picLocks noChangeAspect="1"/>
+            </p:cNvPicPr>
+            <p:nvPr/>
+          </p:nvPicPr>
+          <p:blipFill rotWithShape="1">
+            <a:blip r:embed="rId6" cstate="print">
+              <a:extLst>
+                <a:ext uri="{28A0092B-C50C-407E-A947-70E740481C1C}">
+                  <a14:useLocalDpi xmlns:a14="http://schemas.microsoft.com/office/drawing/2010/main" val="0"/>
+                </a:ext>
+              </a:extLst>
+            </a:blip>
+            <a:srcRect l="34444" t="34588" r="33000" b="30153"/>
+            <a:stretch/>
+          </p:blipFill>
+          <p:spPr>
+            <a:xfrm rot="10800000">
+              <a:off x="3749332" y="44949"/>
+              <a:ext cx="893076" cy="725419"/>
+            </a:xfrm>
+            <a:prstGeom prst="rect">
+              <a:avLst/>
+            </a:prstGeom>
+            <a:ln w="12700">
+              <a:solidFill>
+                <a:schemeClr val="tx1"/>
+              </a:solidFill>
+            </a:ln>
+          </p:spPr>
+        </p:pic>
+        <p:pic>
+          <p:nvPicPr>
+            <p:cNvPr id="10" name="Picture 9"/>
+            <p:cNvPicPr>
+              <a:picLocks noChangeAspect="1"/>
+            </p:cNvPicPr>
+            <p:nvPr/>
+          </p:nvPicPr>
+          <p:blipFill rotWithShape="1">
+            <a:blip r:embed="rId7" cstate="print">
+              <a:extLst>
+                <a:ext uri="{28A0092B-C50C-407E-A947-70E740481C1C}">
+                  <a14:useLocalDpi xmlns:a14="http://schemas.microsoft.com/office/drawing/2010/main" val="0"/>
+                </a:ext>
+              </a:extLst>
+            </a:blip>
+            <a:srcRect l="23556" t="32070" r="39000" b="19475"/>
+            <a:stretch/>
+          </p:blipFill>
+          <p:spPr>
+            <a:xfrm rot="10800000">
+              <a:off x="3741786" y="1517166"/>
+              <a:ext cx="907328" cy="880595"/>
+            </a:xfrm>
+            <a:prstGeom prst="rect">
+              <a:avLst/>
+            </a:prstGeom>
+            <a:ln w="12700">
+              <a:solidFill>
+                <a:schemeClr val="tx1"/>
+              </a:solidFill>
+            </a:ln>
+          </p:spPr>
+        </p:pic>
+        <p:sp>
+          <p:nvSpPr>
+            <p:cNvPr id="5" name="TextBox 4"/>
+            <p:cNvSpPr txBox="1"/>
+            <p:nvPr/>
+          </p:nvSpPr>
+          <p:spPr>
+            <a:xfrm rot="5400000">
+              <a:off x="3586556" y="1096884"/>
+              <a:ext cx="2359509" cy="242246"/>
+            </a:xfrm>
+            <a:prstGeom prst="rect">
+              <a:avLst/>
+            </a:prstGeom>
+            <a:noFill/>
+          </p:spPr>
+          <p:txBody>
+            <a:bodyPr wrap="square" rtlCol="0">
+              <a:spAutoFit/>
+            </a:bodyPr>
+            <a:lstStyle/>
+            <a:p>
+              <a:r>
+                <a:rPr lang="en-US" dirty="0" smtClean="0"/>
+                <a:t>       Sand              Grass                Clay</a:t>
+              </a:r>
+              <a:endParaRPr lang="en-US" dirty="0"/>
             </a:p>
           </p:txBody>
         </p:sp>
       </p:grpSp>
-      <p:cxnSp>
-        <p:nvCxnSpPr>
-          <p:cNvPr id="34" name="Straight Connector 33"/>
-          <p:cNvCxnSpPr/>
-          <p:nvPr/>
-        </p:nvCxnSpPr>
-        <p:spPr>
-          <a:xfrm flipV="1">
-            <a:off x="2960695" y="1408610"/>
-            <a:ext cx="248301" cy="630"/>
-          </a:xfrm>
-          <a:prstGeom prst="line">
-            <a:avLst/>
-          </a:prstGeom>
-          <a:ln w="28575">
-            <a:solidFill>
-              <a:schemeClr val="bg1"/>
-            </a:solidFill>
-          </a:ln>
-        </p:spPr>
-        <p:style>
-          <a:lnRef idx="1">
-            <a:schemeClr val="accent1"/>
-          </a:lnRef>
-          <a:fillRef idx="0">
-            <a:schemeClr val="accent1"/>
-          </a:fillRef>
-          <a:effectRef idx="0">
-            <a:schemeClr val="accent1"/>
-          </a:effectRef>
-          <a:fontRef idx="minor">
-            <a:schemeClr val="tx1"/>
-          </a:fontRef>
-        </p:style>
-      </p:cxnSp>
-      <p:cxnSp>
-        <p:nvCxnSpPr>
-          <p:cNvPr id="36" name="Straight Connector 35"/>
-          <p:cNvCxnSpPr/>
-          <p:nvPr/>
-        </p:nvCxnSpPr>
-        <p:spPr>
-          <a:xfrm>
-            <a:off x="2482499" y="1645238"/>
-            <a:ext cx="726497" cy="0"/>
-          </a:xfrm>
-          <a:prstGeom prst="line">
-            <a:avLst/>
-          </a:prstGeom>
-          <a:ln w="28575">
-            <a:solidFill>
-              <a:schemeClr val="bg1"/>
-            </a:solidFill>
-          </a:ln>
-        </p:spPr>
-        <p:style>
-          <a:lnRef idx="1">
-            <a:schemeClr val="accent1"/>
-          </a:lnRef>
-          <a:fillRef idx="0">
-            <a:schemeClr val="accent1"/>
-          </a:fillRef>
-          <a:effectRef idx="0">
-            <a:schemeClr val="accent1"/>
-          </a:effectRef>
-          <a:fontRef idx="minor">
-            <a:schemeClr val="tx1"/>
-          </a:fontRef>
-        </p:style>
-      </p:cxnSp>
-      <p:cxnSp>
-        <p:nvCxnSpPr>
-          <p:cNvPr id="39" name="Straight Arrow Connector 38"/>
-          <p:cNvCxnSpPr/>
-          <p:nvPr/>
-        </p:nvCxnSpPr>
-        <p:spPr>
-          <a:xfrm>
-            <a:off x="3084966" y="1388330"/>
-            <a:ext cx="0" cy="275039"/>
-          </a:xfrm>
-          <a:prstGeom prst="straightConnector1">
-            <a:avLst/>
-          </a:prstGeom>
-          <a:ln w="19050">
-            <a:solidFill>
-              <a:schemeClr val="bg1"/>
-            </a:solidFill>
-            <a:headEnd type="triangle"/>
-            <a:tailEnd type="triangle"/>
-          </a:ln>
-        </p:spPr>
-        <p:style>
-          <a:lnRef idx="1">
-            <a:schemeClr val="accent1"/>
-          </a:lnRef>
-          <a:fillRef idx="0">
-            <a:schemeClr val="accent1"/>
-          </a:fillRef>
-          <a:effectRef idx="0">
-            <a:schemeClr val="accent1"/>
-          </a:effectRef>
-          <a:fontRef idx="minor">
-            <a:schemeClr val="tx1"/>
-          </a:fontRef>
-        </p:style>
-      </p:cxnSp>
-      <p:sp>
-        <p:nvSpPr>
-          <p:cNvPr id="40" name="TextBox 39"/>
-          <p:cNvSpPr txBox="1"/>
-          <p:nvPr/>
-        </p:nvSpPr>
-        <p:spPr>
-          <a:xfrm>
-            <a:off x="3149026" y="1224778"/>
-            <a:ext cx="237655" cy="584775"/>
-          </a:xfrm>
-          <a:prstGeom prst="rect">
-            <a:avLst/>
-          </a:prstGeom>
-          <a:noFill/>
-          <a:ln>
-            <a:noFill/>
-          </a:ln>
-        </p:spPr>
-        <p:txBody>
-          <a:bodyPr wrap="square" rtlCol="0">
-            <a:spAutoFit/>
-          </a:bodyPr>
-          <a:lstStyle/>
-          <a:p>
-            <a:r>
-              <a:rPr lang="en-US" sz="3200" dirty="0">
-                <a:solidFill>
-                  <a:schemeClr val="bg1"/>
-                </a:solidFill>
-              </a:rPr>
-              <a:t>D</a:t>
-            </a:r>
-            <a:endParaRPr lang="en-US" sz="3200" dirty="0">
-              <a:solidFill>
-                <a:schemeClr val="bg1"/>
-              </a:solidFill>
-            </a:endParaRPr>
-          </a:p>
-        </p:txBody>
-      </p:sp>
-      <p:sp>
-        <p:nvSpPr>
-          <p:cNvPr id="41" name="TextBox 40"/>
-          <p:cNvSpPr txBox="1"/>
-          <p:nvPr/>
-        </p:nvSpPr>
-        <p:spPr>
-          <a:xfrm>
-            <a:off x="1762934" y="-13948"/>
-            <a:ext cx="1944755" cy="707886"/>
-          </a:xfrm>
-          <a:prstGeom prst="rect">
-            <a:avLst/>
-          </a:prstGeom>
-          <a:noFill/>
-        </p:spPr>
-        <p:txBody>
-          <a:bodyPr wrap="square" rtlCol="0">
-            <a:spAutoFit/>
-          </a:bodyPr>
-          <a:lstStyle/>
-          <a:p>
-            <a:pPr algn="ctr"/>
-            <a:r>
-              <a:rPr lang="en-US" sz="2000" dirty="0"/>
-              <a:t>D – Penetration Depth</a:t>
-            </a:r>
-            <a:endParaRPr lang="en-US" sz="2000" dirty="0"/>
-          </a:p>
-        </p:txBody>
-      </p:sp>
-      <p:sp>
-        <p:nvSpPr>
-          <p:cNvPr id="58" name="TextBox 57"/>
-          <p:cNvSpPr txBox="1"/>
-          <p:nvPr/>
-        </p:nvSpPr>
-        <p:spPr>
-          <a:xfrm>
-            <a:off x="3763568" y="347440"/>
-            <a:ext cx="621792" cy="242246"/>
-          </a:xfrm>
-          <a:prstGeom prst="rect">
-            <a:avLst/>
-          </a:prstGeom>
-          <a:noFill/>
-        </p:spPr>
-        <p:txBody>
-          <a:bodyPr wrap="square" rtlCol="0">
-            <a:spAutoFit/>
-          </a:bodyPr>
-          <a:lstStyle/>
-          <a:p>
-            <a:r>
-              <a:rPr lang="en-US" dirty="0"/>
-              <a:t>grass</a:t>
-            </a:r>
-            <a:endParaRPr lang="en-US" dirty="0"/>
-          </a:p>
-        </p:txBody>
-      </p:sp>
-      <p:pic>
-        <p:nvPicPr>
-          <p:cNvPr id="4" name="Picture 3"/>
-          <p:cNvPicPr>
-            <a:picLocks noChangeAspect="1"/>
-          </p:cNvPicPr>
-          <p:nvPr/>
-        </p:nvPicPr>
-        <p:blipFill rotWithShape="1">
-          <a:blip r:embed="rId5" cstate="print">
-            <a:extLst>
-              <a:ext uri="{28A0092B-C50C-407E-A947-70E740481C1C}">
-                <a14:useLocalDpi xmlns:a14="http://schemas.microsoft.com/office/drawing/2010/main" val="0"/>
-              </a:ext>
-            </a:extLst>
-          </a:blip>
-          <a:srcRect l="40552" t="29107" r="8222" b="16819"/>
-          <a:stretch/>
-        </p:blipFill>
-        <p:spPr>
-          <a:xfrm rot="10800000">
-            <a:off x="3754412" y="790413"/>
-            <a:ext cx="890776" cy="705449"/>
-          </a:xfrm>
-          <a:prstGeom prst="rect">
-            <a:avLst/>
-          </a:prstGeom>
-          <a:ln w="19050">
-            <a:solidFill>
-              <a:schemeClr val="tx1"/>
-            </a:solidFill>
-          </a:ln>
-        </p:spPr>
-      </p:pic>
-      <p:pic>
-        <p:nvPicPr>
-          <p:cNvPr id="7" name="Picture 6"/>
-          <p:cNvPicPr>
-            <a:picLocks noChangeAspect="1"/>
-          </p:cNvPicPr>
-          <p:nvPr/>
-        </p:nvPicPr>
-        <p:blipFill rotWithShape="1">
-          <a:blip r:embed="rId6" cstate="print">
-            <a:extLst>
-              <a:ext uri="{28A0092B-C50C-407E-A947-70E740481C1C}">
-                <a14:useLocalDpi xmlns:a14="http://schemas.microsoft.com/office/drawing/2010/main" val="0"/>
-              </a:ext>
-            </a:extLst>
-          </a:blip>
-          <a:srcRect l="34444" t="34588" r="33000" b="30153"/>
-          <a:stretch/>
-        </p:blipFill>
-        <p:spPr>
-          <a:xfrm rot="10800000">
-            <a:off x="3749332" y="44949"/>
-            <a:ext cx="893076" cy="725419"/>
-          </a:xfrm>
-          <a:prstGeom prst="rect">
-            <a:avLst/>
-          </a:prstGeom>
-          <a:ln w="12700">
-            <a:solidFill>
-              <a:schemeClr val="tx1"/>
-            </a:solidFill>
-          </a:ln>
-        </p:spPr>
-      </p:pic>
-      <p:pic>
-        <p:nvPicPr>
-          <p:cNvPr id="10" name="Picture 9"/>
-          <p:cNvPicPr>
-            <a:picLocks noChangeAspect="1"/>
-          </p:cNvPicPr>
-          <p:nvPr/>
-        </p:nvPicPr>
-        <p:blipFill rotWithShape="1">
-          <a:blip r:embed="rId7" cstate="print">
-            <a:extLst>
-              <a:ext uri="{28A0092B-C50C-407E-A947-70E740481C1C}">
-                <a14:useLocalDpi xmlns:a14="http://schemas.microsoft.com/office/drawing/2010/main" val="0"/>
-              </a:ext>
-            </a:extLst>
-          </a:blip>
-          <a:srcRect l="23556" t="32070" r="39000" b="19475"/>
-          <a:stretch/>
-        </p:blipFill>
-        <p:spPr>
-          <a:xfrm rot="10800000">
-            <a:off x="3741786" y="1517166"/>
-            <a:ext cx="907328" cy="880595"/>
-          </a:xfrm>
-          <a:prstGeom prst="rect">
-            <a:avLst/>
-          </a:prstGeom>
-          <a:ln w="12700">
-            <a:solidFill>
-              <a:schemeClr val="tx1"/>
-            </a:solidFill>
-          </a:ln>
-        </p:spPr>
-      </p:pic>
-      <p:sp>
-        <p:nvSpPr>
-          <p:cNvPr id="5" name="TextBox 4"/>
-          <p:cNvSpPr txBox="1"/>
-          <p:nvPr/>
-        </p:nvSpPr>
-        <p:spPr>
-          <a:xfrm rot="5400000">
-            <a:off x="3586556" y="1096884"/>
-            <a:ext cx="2359509" cy="242246"/>
-          </a:xfrm>
-          <a:prstGeom prst="rect">
-            <a:avLst/>
-          </a:prstGeom>
-          <a:noFill/>
-        </p:spPr>
-        <p:txBody>
-          <a:bodyPr wrap="square" rtlCol="0">
-            <a:spAutoFit/>
-          </a:bodyPr>
-          <a:lstStyle/>
-          <a:p>
-            <a:r>
-              <a:rPr lang="en-US" dirty="0" smtClean="0"/>
-              <a:t>       Sand              Grass                Clay</a:t>
-            </a:r>
-            <a:endParaRPr lang="en-US" dirty="0"/>
-          </a:p>
-        </p:txBody>
-      </p:sp>
     </p:spTree>
     <p:extLst>
       <p:ext uri="{BB962C8B-B14F-4D97-AF65-F5344CB8AC3E}">
